--- a/meetup.pptx
+++ b/meetup.pptx
@@ -5,10 +5,10 @@
     <p:sldMasterId id="2147483648" r:id="rId1"/>
   </p:sldMasterIdLst>
   <p:notesMasterIdLst>
-    <p:notesMasterId r:id="rId15"/>
+    <p:notesMasterId r:id="rId20"/>
   </p:notesMasterIdLst>
   <p:handoutMasterIdLst>
-    <p:handoutMasterId r:id="rId16"/>
+    <p:handoutMasterId r:id="rId21"/>
   </p:handoutMasterIdLst>
   <p:sldIdLst>
     <p:sldId id="379" r:id="rId2"/>
@@ -23,7 +23,12 @@
     <p:sldId id="391" r:id="rId11"/>
     <p:sldId id="392" r:id="rId12"/>
     <p:sldId id="384" r:id="rId13"/>
-    <p:sldId id="382" r:id="rId14"/>
+    <p:sldId id="393" r:id="rId14"/>
+    <p:sldId id="394" r:id="rId15"/>
+    <p:sldId id="395" r:id="rId16"/>
+    <p:sldId id="396" r:id="rId17"/>
+    <p:sldId id="397" r:id="rId18"/>
+    <p:sldId id="382" r:id="rId19"/>
   </p:sldIdLst>
   <p:sldSz cx="10693400" cy="7561263"/>
   <p:notesSz cx="6797675" cy="9926638"/>
@@ -1384,7 +1389,7 @@
               <a:pPr>
                 <a:defRPr/>
               </a:pPr>
-              <a:t>24.06.2014</a:t>
+              <a:t>25.06.2014</a:t>
             </a:fld>
             <a:endParaRPr lang="de-DE" sz="1600" dirty="0"/>
           </a:p>
@@ -1675,7 +1680,7 @@
               <a:pPr>
                 <a:defRPr/>
               </a:pPr>
-              <a:t>24.06.2014</a:t>
+              <a:t>25.06.2014</a:t>
             </a:fld>
             <a:endParaRPr lang="de-DE" sz="1600" dirty="0"/>
           </a:p>
@@ -1944,7 +1949,7 @@
               <a:pPr>
                 <a:defRPr/>
               </a:pPr>
-              <a:t>24.06.2014</a:t>
+              <a:t>25.06.2014</a:t>
             </a:fld>
             <a:endParaRPr lang="de-DE" sz="1600" dirty="0"/>
           </a:p>
@@ -2328,7 +2333,7 @@
               <a:pPr>
                 <a:defRPr/>
               </a:pPr>
-              <a:t>24.06.2014</a:t>
+              <a:t>25.06.2014</a:t>
             </a:fld>
             <a:endParaRPr lang="de-DE" sz="1600" dirty="0"/>
           </a:p>
@@ -2701,7 +2706,7 @@
               <a:pPr>
                 <a:defRPr/>
               </a:pPr>
-              <a:t>24.06.2014</a:t>
+              <a:t>25.06.2014</a:t>
             </a:fld>
             <a:endParaRPr lang="de-DE" sz="1600" dirty="0"/>
           </a:p>
@@ -2966,7 +2971,7 @@
               <a:pPr>
                 <a:defRPr/>
               </a:pPr>
-              <a:t>24.06.2014</a:t>
+              <a:t>25.06.2014</a:t>
             </a:fld>
             <a:endParaRPr lang="de-DE" sz="1600" dirty="0"/>
           </a:p>
@@ -3447,7 +3452,7 @@
               <a:pPr>
                 <a:defRPr/>
               </a:pPr>
-              <a:t>24.06.2014</a:t>
+              <a:t>25.06.2014</a:t>
             </a:fld>
             <a:endParaRPr lang="de-DE" sz="1600" dirty="0"/>
           </a:p>
@@ -4036,7 +4041,7 @@
               <a:pPr>
                 <a:defRPr/>
               </a:pPr>
-              <a:t>24.06.2014</a:t>
+              <a:t>25.06.2014</a:t>
             </a:fld>
             <a:endParaRPr lang="de-DE" sz="1600" dirty="0"/>
           </a:p>
@@ -4356,7 +4361,7 @@
               <a:pPr>
                 <a:defRPr/>
               </a:pPr>
-              <a:t>24.06.2014</a:t>
+              <a:t>25.06.2014</a:t>
             </a:fld>
             <a:endParaRPr lang="de-DE" sz="1600" dirty="0"/>
           </a:p>
@@ -4661,7 +4666,7 @@
               <a:pPr>
                 <a:defRPr/>
               </a:pPr>
-              <a:t>24.06.2014</a:t>
+              <a:t>25.06.2014</a:t>
             </a:fld>
             <a:endParaRPr lang="de-DE" sz="1600" dirty="0"/>
           </a:p>
@@ -4915,7 +4920,7 @@
               <a:pPr>
                 <a:defRPr/>
               </a:pPr>
-              <a:t>24.06.2014</a:t>
+              <a:t>25.06.2014</a:t>
             </a:fld>
             <a:endParaRPr lang="de-DE" sz="1600" dirty="0"/>
           </a:p>
@@ -6910,27 +6915,6 @@
           </a:p>
           <a:p>
             <a:pPr marL="303213" indent="-303213"/>
-            <a:r>
-              <a:rPr lang="en-US" altLang="en-US" sz="2400" dirty="0" smtClean="0">
-                <a:ea typeface="ＭＳ Ｐゴシック" pitchFamily="34" charset="-128"/>
-              </a:rPr>
-              <a:t>DI/</a:t>
-            </a:r>
-            <a:r>
-              <a:rPr lang="en-US" altLang="en-US" sz="2400" dirty="0" err="1" smtClean="0">
-                <a:ea typeface="ＭＳ Ｐゴシック" pitchFamily="34" charset="-128"/>
-              </a:rPr>
-              <a:t>IoC</a:t>
-            </a:r>
-            <a:r>
-              <a:rPr lang="en-US" altLang="en-US" sz="2400" dirty="0" smtClean="0">
-                <a:ea typeface="ＭＳ Ｐゴシック" pitchFamily="34" charset="-128"/>
-              </a:rPr>
-              <a:t> use cases</a:t>
-            </a:r>
-          </a:p>
-          <a:p>
-            <a:pPr marL="719042" lvl="1" indent="-303213"/>
             <a:endParaRPr lang="en-US" altLang="en-US" dirty="0" smtClean="0">
               <a:ea typeface="ＭＳ Ｐゴシック" pitchFamily="34" charset="-128"/>
             </a:endParaRPr>
@@ -7005,6 +6989,2938 @@
 </file>
 
 <file path=ppt/slides/slide13.xml><?xml version="1.0" encoding="utf-8"?>
+<p:sld xmlns:a="http://schemas.openxmlformats.org/drawingml/2006/main" xmlns:r="http://schemas.openxmlformats.org/officeDocument/2006/relationships" xmlns:p="http://schemas.openxmlformats.org/presentationml/2006/main">
+  <p:cSld>
+    <p:spTree>
+      <p:nvGrpSpPr>
+        <p:cNvPr id="1" name=""/>
+        <p:cNvGrpSpPr/>
+        <p:nvPr/>
+      </p:nvGrpSpPr>
+      <p:grpSpPr>
+        <a:xfrm>
+          <a:off x="0" y="0"/>
+          <a:ext cx="0" cy="0"/>
+          <a:chOff x="0" y="0"/>
+          <a:chExt cx="0" cy="0"/>
+        </a:xfrm>
+      </p:grpSpPr>
+      <p:sp>
+        <p:nvSpPr>
+          <p:cNvPr id="12" name="Titel 11"/>
+          <p:cNvSpPr>
+            <a:spLocks noGrp="1"/>
+          </p:cNvSpPr>
+          <p:nvPr>
+            <p:ph type="title"/>
+          </p:nvPr>
+        </p:nvSpPr>
+        <p:spPr/>
+        <p:txBody>
+          <a:bodyPr/>
+          <a:lstStyle/>
+          <a:p>
+            <a:pPr>
+              <a:defRPr/>
+            </a:pPr>
+            <a:r>
+              <a:rPr lang="de-DE" cap="none" dirty="0"/>
+              <a:t>Dependency Injection / Inversion of Control</a:t>
+            </a:r>
+            <a:endParaRPr lang="de-DE" cap="none" dirty="0"/>
+          </a:p>
+        </p:txBody>
+      </p:sp>
+      <p:sp>
+        <p:nvSpPr>
+          <p:cNvPr id="3" name="TextBox 2"/>
+          <p:cNvSpPr txBox="1"/>
+          <p:nvPr/>
+        </p:nvSpPr>
+        <p:spPr bwMode="auto">
+          <a:xfrm>
+            <a:off x="522164" y="1620391"/>
+            <a:ext cx="9865096" cy="3567300"/>
+          </a:xfrm>
+          <a:prstGeom prst="rect">
+            <a:avLst/>
+          </a:prstGeom>
+          <a:solidFill>
+            <a:schemeClr val="bg1"/>
+          </a:solidFill>
+          <a:ln w="9525">
+            <a:noFill/>
+            <a:miter lim="800000"/>
+            <a:headEnd/>
+            <a:tailEnd/>
+          </a:ln>
+        </p:spPr>
+        <p:txBody>
+          <a:bodyPr wrap="square" lIns="180000" tIns="90000" bIns="90000" rtlCol="0">
+            <a:spAutoFit/>
+          </a:bodyPr>
+          <a:lstStyle/>
+          <a:p>
+            <a:r>
+              <a:rPr lang="en-US" sz="2000" dirty="0">
+                <a:solidFill>
+                  <a:srgbClr val="646464"/>
+                </a:solidFill>
+                <a:latin typeface="Consolas"/>
+              </a:rPr>
+              <a:t>@Target</a:t>
+            </a:r>
+            <a:r>
+              <a:rPr lang="en-US" sz="2000" dirty="0">
+                <a:solidFill>
+                  <a:srgbClr val="000000"/>
+                </a:solidFill>
+                <a:latin typeface="Consolas"/>
+              </a:rPr>
+              <a:t>(</a:t>
+            </a:r>
+            <a:r>
+              <a:rPr lang="en-US" sz="2000" dirty="0" err="1">
+                <a:solidFill>
+                  <a:srgbClr val="000000"/>
+                </a:solidFill>
+                <a:latin typeface="Consolas"/>
+              </a:rPr>
+              <a:t>ElementType.</a:t>
+            </a:r>
+            <a:r>
+              <a:rPr lang="en-US" sz="2000" i="1" dirty="0" err="1">
+                <a:solidFill>
+                  <a:srgbClr val="0000C0"/>
+                </a:solidFill>
+                <a:latin typeface="Consolas"/>
+              </a:rPr>
+              <a:t>TYPE</a:t>
+            </a:r>
+            <a:r>
+              <a:rPr lang="en-US" sz="2000" i="1" dirty="0">
+                <a:solidFill>
+                  <a:srgbClr val="000000"/>
+                </a:solidFill>
+                <a:latin typeface="Consolas"/>
+              </a:rPr>
+              <a:t>)</a:t>
+            </a:r>
+          </a:p>
+          <a:p>
+            <a:r>
+              <a:rPr lang="en-US" sz="2000" dirty="0">
+                <a:solidFill>
+                  <a:srgbClr val="646464"/>
+                </a:solidFill>
+                <a:latin typeface="Consolas"/>
+              </a:rPr>
+              <a:t>@Retention</a:t>
+            </a:r>
+            <a:r>
+              <a:rPr lang="en-US" sz="2000" dirty="0">
+                <a:solidFill>
+                  <a:srgbClr val="000000"/>
+                </a:solidFill>
+                <a:latin typeface="Consolas"/>
+              </a:rPr>
+              <a:t>(</a:t>
+            </a:r>
+            <a:r>
+              <a:rPr lang="en-US" sz="2000" dirty="0" err="1">
+                <a:solidFill>
+                  <a:srgbClr val="000000"/>
+                </a:solidFill>
+                <a:latin typeface="Consolas"/>
+              </a:rPr>
+              <a:t>RetentionPolicy.</a:t>
+            </a:r>
+            <a:r>
+              <a:rPr lang="en-US" sz="2000" i="1" dirty="0" err="1">
+                <a:solidFill>
+                  <a:srgbClr val="0000C0"/>
+                </a:solidFill>
+                <a:latin typeface="Consolas"/>
+              </a:rPr>
+              <a:t>RUNTIME</a:t>
+            </a:r>
+            <a:r>
+              <a:rPr lang="en-US" sz="2000" i="1" dirty="0">
+                <a:solidFill>
+                  <a:srgbClr val="000000"/>
+                </a:solidFill>
+                <a:latin typeface="Consolas"/>
+              </a:rPr>
+              <a:t>)</a:t>
+            </a:r>
+          </a:p>
+          <a:p>
+            <a:r>
+              <a:rPr lang="en-US" sz="2000" dirty="0">
+                <a:solidFill>
+                  <a:srgbClr val="7F0055"/>
+                </a:solidFill>
+                <a:latin typeface="Consolas"/>
+              </a:rPr>
+              <a:t>public</a:t>
+            </a:r>
+            <a:r>
+              <a:rPr lang="en-US" sz="2000" dirty="0">
+                <a:solidFill>
+                  <a:srgbClr val="000000"/>
+                </a:solidFill>
+                <a:latin typeface="Consolas"/>
+              </a:rPr>
+              <a:t> </a:t>
+            </a:r>
+            <a:r>
+              <a:rPr lang="en-US" sz="2000" dirty="0">
+                <a:solidFill>
+                  <a:srgbClr val="7F0055"/>
+                </a:solidFill>
+                <a:latin typeface="Consolas"/>
+              </a:rPr>
+              <a:t>@interface</a:t>
+            </a:r>
+            <a:r>
+              <a:rPr lang="en-US" sz="2000" dirty="0">
+                <a:solidFill>
+                  <a:srgbClr val="000000"/>
+                </a:solidFill>
+                <a:latin typeface="Consolas"/>
+              </a:rPr>
+              <a:t> </a:t>
+            </a:r>
+            <a:r>
+              <a:rPr lang="en-US" sz="2000" dirty="0">
+                <a:solidFill>
+                  <a:srgbClr val="646464"/>
+                </a:solidFill>
+                <a:latin typeface="Consolas"/>
+              </a:rPr>
+              <a:t>Component</a:t>
+            </a:r>
+            <a:r>
+              <a:rPr lang="en-US" sz="2000" dirty="0">
+                <a:solidFill>
+                  <a:srgbClr val="000000"/>
+                </a:solidFill>
+                <a:latin typeface="Consolas"/>
+              </a:rPr>
+              <a:t> {</a:t>
+            </a:r>
+          </a:p>
+          <a:p>
+            <a:endParaRPr lang="en-US" sz="2000" dirty="0">
+              <a:latin typeface="Consolas"/>
+            </a:endParaRPr>
+          </a:p>
+          <a:p>
+            <a:r>
+              <a:rPr lang="en-US" sz="2000" dirty="0" smtClean="0">
+                <a:solidFill>
+                  <a:srgbClr val="000000"/>
+                </a:solidFill>
+                <a:latin typeface="Consolas"/>
+              </a:rPr>
+              <a:t>}</a:t>
+            </a:r>
+          </a:p>
+          <a:p>
+            <a:endParaRPr lang="en-US" sz="2000" dirty="0">
+              <a:solidFill>
+                <a:srgbClr val="000000"/>
+              </a:solidFill>
+              <a:latin typeface="Consolas"/>
+            </a:endParaRPr>
+          </a:p>
+          <a:p>
+            <a:r>
+              <a:rPr lang="en-US" sz="2000" dirty="0">
+                <a:solidFill>
+                  <a:srgbClr val="646464"/>
+                </a:solidFill>
+                <a:latin typeface="Consolas"/>
+              </a:rPr>
+              <a:t>@Target</a:t>
+            </a:r>
+            <a:r>
+              <a:rPr lang="en-US" sz="2000" dirty="0">
+                <a:solidFill>
+                  <a:srgbClr val="000000"/>
+                </a:solidFill>
+                <a:latin typeface="Consolas"/>
+              </a:rPr>
+              <a:t>(</a:t>
+            </a:r>
+            <a:r>
+              <a:rPr lang="en-US" sz="2000" dirty="0" err="1">
+                <a:solidFill>
+                  <a:srgbClr val="000000"/>
+                </a:solidFill>
+                <a:latin typeface="Consolas"/>
+              </a:rPr>
+              <a:t>ElementType.</a:t>
+            </a:r>
+            <a:r>
+              <a:rPr lang="en-US" sz="2000" i="1" dirty="0" err="1">
+                <a:solidFill>
+                  <a:srgbClr val="0000C0"/>
+                </a:solidFill>
+                <a:latin typeface="Consolas"/>
+              </a:rPr>
+              <a:t>FIELD</a:t>
+            </a:r>
+            <a:r>
+              <a:rPr lang="en-US" sz="2000" i="1" dirty="0">
+                <a:solidFill>
+                  <a:srgbClr val="000000"/>
+                </a:solidFill>
+                <a:latin typeface="Consolas"/>
+              </a:rPr>
+              <a:t>)</a:t>
+            </a:r>
+          </a:p>
+          <a:p>
+            <a:r>
+              <a:rPr lang="en-US" sz="2000" dirty="0">
+                <a:solidFill>
+                  <a:srgbClr val="646464"/>
+                </a:solidFill>
+                <a:latin typeface="Consolas"/>
+              </a:rPr>
+              <a:t>@Retention</a:t>
+            </a:r>
+            <a:r>
+              <a:rPr lang="en-US" sz="2000" dirty="0">
+                <a:solidFill>
+                  <a:srgbClr val="000000"/>
+                </a:solidFill>
+                <a:latin typeface="Consolas"/>
+              </a:rPr>
+              <a:t>(</a:t>
+            </a:r>
+            <a:r>
+              <a:rPr lang="en-US" sz="2000" dirty="0" err="1">
+                <a:solidFill>
+                  <a:srgbClr val="000000"/>
+                </a:solidFill>
+                <a:latin typeface="Consolas"/>
+              </a:rPr>
+              <a:t>RetentionPolicy.</a:t>
+            </a:r>
+            <a:r>
+              <a:rPr lang="en-US" sz="2000" i="1" dirty="0" err="1">
+                <a:solidFill>
+                  <a:srgbClr val="0000C0"/>
+                </a:solidFill>
+                <a:latin typeface="Consolas"/>
+              </a:rPr>
+              <a:t>RUNTIME</a:t>
+            </a:r>
+            <a:r>
+              <a:rPr lang="en-US" sz="2000" i="1" dirty="0">
+                <a:solidFill>
+                  <a:srgbClr val="000000"/>
+                </a:solidFill>
+                <a:latin typeface="Consolas"/>
+              </a:rPr>
+              <a:t>)</a:t>
+            </a:r>
+          </a:p>
+          <a:p>
+            <a:r>
+              <a:rPr lang="en-US" sz="2000" dirty="0">
+                <a:solidFill>
+                  <a:srgbClr val="7F0055"/>
+                </a:solidFill>
+                <a:latin typeface="Consolas"/>
+              </a:rPr>
+              <a:t>public</a:t>
+            </a:r>
+            <a:r>
+              <a:rPr lang="en-US" sz="2000" dirty="0">
+                <a:solidFill>
+                  <a:srgbClr val="000000"/>
+                </a:solidFill>
+                <a:latin typeface="Consolas"/>
+              </a:rPr>
+              <a:t> </a:t>
+            </a:r>
+            <a:r>
+              <a:rPr lang="en-US" sz="2000" dirty="0">
+                <a:solidFill>
+                  <a:srgbClr val="7F0055"/>
+                </a:solidFill>
+                <a:latin typeface="Consolas"/>
+              </a:rPr>
+              <a:t>@interface</a:t>
+            </a:r>
+            <a:r>
+              <a:rPr lang="en-US" sz="2000" dirty="0">
+                <a:solidFill>
+                  <a:srgbClr val="000000"/>
+                </a:solidFill>
+                <a:latin typeface="Consolas"/>
+              </a:rPr>
+              <a:t> </a:t>
+            </a:r>
+            <a:r>
+              <a:rPr lang="en-US" sz="2000" dirty="0">
+                <a:solidFill>
+                  <a:srgbClr val="646464"/>
+                </a:solidFill>
+                <a:latin typeface="Consolas"/>
+              </a:rPr>
+              <a:t>Inject</a:t>
+            </a:r>
+            <a:r>
+              <a:rPr lang="en-US" sz="2000" dirty="0">
+                <a:solidFill>
+                  <a:srgbClr val="000000"/>
+                </a:solidFill>
+                <a:latin typeface="Consolas"/>
+              </a:rPr>
+              <a:t> {</a:t>
+            </a:r>
+          </a:p>
+          <a:p>
+            <a:endParaRPr lang="en-US" sz="2000" dirty="0">
+              <a:latin typeface="Consolas"/>
+            </a:endParaRPr>
+          </a:p>
+          <a:p>
+            <a:r>
+              <a:rPr lang="en-US" sz="2000" dirty="0">
+                <a:solidFill>
+                  <a:srgbClr val="000000"/>
+                </a:solidFill>
+                <a:latin typeface="Consolas"/>
+              </a:rPr>
+              <a:t>}</a:t>
+            </a:r>
+            <a:endParaRPr lang="en-US" sz="2000" dirty="0">
+              <a:solidFill>
+                <a:srgbClr val="3F7F5F"/>
+              </a:solidFill>
+              <a:latin typeface="Consolas"/>
+            </a:endParaRPr>
+          </a:p>
+        </p:txBody>
+      </p:sp>
+      <p:sp>
+        <p:nvSpPr>
+          <p:cNvPr id="8" name="TextBox 7"/>
+          <p:cNvSpPr txBox="1"/>
+          <p:nvPr/>
+        </p:nvSpPr>
+        <p:spPr bwMode="auto">
+          <a:xfrm>
+            <a:off x="697043" y="5235040"/>
+            <a:ext cx="8455818" cy="1105088"/>
+          </a:xfrm>
+          <a:prstGeom prst="rect">
+            <a:avLst/>
+          </a:prstGeom>
+          <a:solidFill>
+            <a:schemeClr val="bg1"/>
+          </a:solidFill>
+          <a:ln w="9525">
+            <a:noFill/>
+            <a:miter lim="800000"/>
+            <a:headEnd/>
+            <a:tailEnd/>
+          </a:ln>
+        </p:spPr>
+        <p:txBody>
+          <a:bodyPr wrap="none" lIns="180000" tIns="90000" bIns="90000" rtlCol="0">
+            <a:spAutoFit/>
+          </a:bodyPr>
+          <a:lstStyle/>
+          <a:p>
+            <a:r>
+              <a:rPr lang="en-US" sz="2000" dirty="0">
+                <a:solidFill>
+                  <a:srgbClr val="3F7F5F"/>
+                </a:solidFill>
+                <a:latin typeface="Consolas"/>
+              </a:rPr>
+              <a:t>// </a:t>
+            </a:r>
+            <a:r>
+              <a:rPr lang="en-US" sz="2000" dirty="0" smtClean="0">
+                <a:solidFill>
+                  <a:srgbClr val="3F7F5F"/>
+                </a:solidFill>
+                <a:latin typeface="Consolas"/>
+              </a:rPr>
+              <a:t>@Component is used to mark a class – a thing to inject.</a:t>
+            </a:r>
+          </a:p>
+          <a:p>
+            <a:endParaRPr lang="en-US" sz="2000" dirty="0" smtClean="0">
+              <a:solidFill>
+                <a:srgbClr val="3F7F5F"/>
+              </a:solidFill>
+              <a:latin typeface="Consolas"/>
+            </a:endParaRPr>
+          </a:p>
+          <a:p>
+            <a:r>
+              <a:rPr lang="en-US" sz="2000" dirty="0" smtClean="0">
+                <a:solidFill>
+                  <a:srgbClr val="3F7F5F"/>
+                </a:solidFill>
+                <a:latin typeface="Consolas"/>
+              </a:rPr>
+              <a:t>// @Inject is used to mark a field – a place to inject.</a:t>
+            </a:r>
+            <a:endParaRPr lang="en-US" sz="2000" dirty="0">
+              <a:solidFill>
+                <a:srgbClr val="3F7F5F"/>
+              </a:solidFill>
+              <a:latin typeface="Consolas"/>
+            </a:endParaRPr>
+          </a:p>
+        </p:txBody>
+      </p:sp>
+    </p:spTree>
+    <p:extLst>
+      <p:ext uri="{BB962C8B-B14F-4D97-AF65-F5344CB8AC3E}">
+        <p14:creationId xmlns:p14="http://schemas.microsoft.com/office/powerpoint/2010/main" val="927750531"/>
+      </p:ext>
+    </p:extLst>
+  </p:cSld>
+  <p:clrMapOvr>
+    <a:masterClrMapping/>
+  </p:clrMapOvr>
+  <p:transition>
+    <p:fade/>
+  </p:transition>
+  <p:timing>
+    <p:tnLst>
+      <p:par>
+        <p:cTn id="1" dur="indefinite" restart="never" nodeType="tmRoot">
+          <p:childTnLst>
+            <p:seq concurrent="1" nextAc="seek">
+              <p:cTn id="2" dur="indefinite" nodeType="mainSeq">
+                <p:childTnLst>
+                  <p:par>
+                    <p:cTn id="3" fill="hold">
+                      <p:stCondLst>
+                        <p:cond delay="indefinite"/>
+                      </p:stCondLst>
+                      <p:childTnLst>
+                        <p:par>
+                          <p:cTn id="4" fill="hold">
+                            <p:stCondLst>
+                              <p:cond delay="0"/>
+                            </p:stCondLst>
+                            <p:childTnLst>
+                              <p:par>
+                                <p:cTn id="5" presetID="1" presetClass="entr" presetSubtype="0" fill="hold" grpId="0" nodeType="clickEffect">
+                                  <p:stCondLst>
+                                    <p:cond delay="0"/>
+                                  </p:stCondLst>
+                                  <p:childTnLst>
+                                    <p:set>
+                                      <p:cBhvr>
+                                        <p:cTn id="6" dur="1" fill="hold">
+                                          <p:stCondLst>
+                                            <p:cond delay="0"/>
+                                          </p:stCondLst>
+                                        </p:cTn>
+                                        <p:tgtEl>
+                                          <p:spTgt spid="8"/>
+                                        </p:tgtEl>
+                                        <p:attrNameLst>
+                                          <p:attrName>style.visibility</p:attrName>
+                                        </p:attrNameLst>
+                                      </p:cBhvr>
+                                      <p:to>
+                                        <p:strVal val="visible"/>
+                                      </p:to>
+                                    </p:set>
+                                  </p:childTnLst>
+                                </p:cTn>
+                              </p:par>
+                            </p:childTnLst>
+                          </p:cTn>
+                        </p:par>
+                      </p:childTnLst>
+                    </p:cTn>
+                  </p:par>
+                </p:childTnLst>
+              </p:cTn>
+              <p:prevCondLst>
+                <p:cond evt="onPrev" delay="0">
+                  <p:tgtEl>
+                    <p:sldTgt/>
+                  </p:tgtEl>
+                </p:cond>
+              </p:prevCondLst>
+              <p:nextCondLst>
+                <p:cond evt="onNext" delay="0">
+                  <p:tgtEl>
+                    <p:sldTgt/>
+                  </p:tgtEl>
+                </p:cond>
+              </p:nextCondLst>
+            </p:seq>
+          </p:childTnLst>
+        </p:cTn>
+      </p:par>
+    </p:tnLst>
+    <p:bldLst>
+      <p:bldP spid="8" grpId="0" animBg="1"/>
+    </p:bldLst>
+  </p:timing>
+</p:sld>
+</file>
+
+<file path=ppt/slides/slide14.xml><?xml version="1.0" encoding="utf-8"?>
+<p:sld xmlns:a="http://schemas.openxmlformats.org/drawingml/2006/main" xmlns:r="http://schemas.openxmlformats.org/officeDocument/2006/relationships" xmlns:p="http://schemas.openxmlformats.org/presentationml/2006/main">
+  <p:cSld>
+    <p:spTree>
+      <p:nvGrpSpPr>
+        <p:cNvPr id="1" name=""/>
+        <p:cNvGrpSpPr/>
+        <p:nvPr/>
+      </p:nvGrpSpPr>
+      <p:grpSpPr>
+        <a:xfrm>
+          <a:off x="0" y="0"/>
+          <a:ext cx="0" cy="0"/>
+          <a:chOff x="0" y="0"/>
+          <a:chExt cx="0" cy="0"/>
+        </a:xfrm>
+      </p:grpSpPr>
+      <p:sp>
+        <p:nvSpPr>
+          <p:cNvPr id="12" name="Titel 11"/>
+          <p:cNvSpPr>
+            <a:spLocks noGrp="1"/>
+          </p:cNvSpPr>
+          <p:nvPr>
+            <p:ph type="title"/>
+          </p:nvPr>
+        </p:nvSpPr>
+        <p:spPr/>
+        <p:txBody>
+          <a:bodyPr/>
+          <a:lstStyle/>
+          <a:p>
+            <a:pPr>
+              <a:defRPr/>
+            </a:pPr>
+            <a:r>
+              <a:rPr lang="de-DE" cap="none" dirty="0"/>
+              <a:t>Dependency Injection / Inversion of Control</a:t>
+            </a:r>
+            <a:endParaRPr lang="de-DE" cap="none" dirty="0"/>
+          </a:p>
+        </p:txBody>
+      </p:sp>
+      <p:sp>
+        <p:nvSpPr>
+          <p:cNvPr id="3" name="TextBox 2"/>
+          <p:cNvSpPr txBox="1"/>
+          <p:nvPr/>
+        </p:nvSpPr>
+        <p:spPr bwMode="auto">
+          <a:xfrm>
+            <a:off x="522164" y="1620391"/>
+            <a:ext cx="9865096" cy="2643970"/>
+          </a:xfrm>
+          <a:prstGeom prst="rect">
+            <a:avLst/>
+          </a:prstGeom>
+          <a:solidFill>
+            <a:schemeClr val="bg1"/>
+          </a:solidFill>
+          <a:ln w="9525">
+            <a:noFill/>
+            <a:miter lim="800000"/>
+            <a:headEnd/>
+            <a:tailEnd/>
+          </a:ln>
+        </p:spPr>
+        <p:txBody>
+          <a:bodyPr wrap="square" lIns="180000" tIns="90000" bIns="90000" rtlCol="0">
+            <a:spAutoFit/>
+          </a:bodyPr>
+          <a:lstStyle/>
+          <a:p>
+            <a:r>
+              <a:rPr lang="en-US" sz="2000" dirty="0">
+                <a:solidFill>
+                  <a:srgbClr val="646464"/>
+                </a:solidFill>
+                <a:latin typeface="Consolas"/>
+              </a:rPr>
+              <a:t>@Component</a:t>
+            </a:r>
+          </a:p>
+          <a:p>
+            <a:r>
+              <a:rPr lang="en-US" sz="2000" dirty="0">
+                <a:solidFill>
+                  <a:srgbClr val="7F0055"/>
+                </a:solidFill>
+                <a:latin typeface="Consolas"/>
+              </a:rPr>
+              <a:t>public</a:t>
+            </a:r>
+            <a:r>
+              <a:rPr lang="en-US" sz="2000" dirty="0">
+                <a:solidFill>
+                  <a:srgbClr val="000000"/>
+                </a:solidFill>
+                <a:latin typeface="Consolas"/>
+              </a:rPr>
+              <a:t> </a:t>
+            </a:r>
+            <a:r>
+              <a:rPr lang="en-US" sz="2000" dirty="0">
+                <a:solidFill>
+                  <a:srgbClr val="7F0055"/>
+                </a:solidFill>
+                <a:latin typeface="Consolas"/>
+              </a:rPr>
+              <a:t>class</a:t>
+            </a:r>
+            <a:r>
+              <a:rPr lang="en-US" sz="2000" dirty="0">
+                <a:solidFill>
+                  <a:srgbClr val="000000"/>
+                </a:solidFill>
+                <a:latin typeface="Consolas"/>
+              </a:rPr>
+              <a:t> Controller {</a:t>
+            </a:r>
+          </a:p>
+          <a:p>
+            <a:endParaRPr lang="en-US" sz="2000" dirty="0">
+              <a:latin typeface="Consolas"/>
+            </a:endParaRPr>
+          </a:p>
+          <a:p>
+            <a:r>
+              <a:rPr lang="en-US" sz="2000" dirty="0">
+                <a:solidFill>
+                  <a:srgbClr val="000000"/>
+                </a:solidFill>
+                <a:latin typeface="Consolas"/>
+              </a:rPr>
+              <a:t>    </a:t>
+            </a:r>
+            <a:r>
+              <a:rPr lang="en-US" sz="2000" dirty="0">
+                <a:solidFill>
+                  <a:srgbClr val="646464"/>
+                </a:solidFill>
+                <a:latin typeface="Consolas"/>
+              </a:rPr>
+              <a:t>@Inject</a:t>
+            </a:r>
+          </a:p>
+          <a:p>
+            <a:r>
+              <a:rPr lang="en-US" sz="2000" dirty="0">
+                <a:solidFill>
+                  <a:srgbClr val="000000"/>
+                </a:solidFill>
+                <a:latin typeface="Consolas"/>
+              </a:rPr>
+              <a:t>    </a:t>
+            </a:r>
+            <a:r>
+              <a:rPr lang="en-US" sz="2000" dirty="0">
+                <a:solidFill>
+                  <a:srgbClr val="7F0055"/>
+                </a:solidFill>
+                <a:latin typeface="Consolas"/>
+              </a:rPr>
+              <a:t>private</a:t>
+            </a:r>
+            <a:r>
+              <a:rPr lang="en-US" sz="2000" dirty="0">
+                <a:solidFill>
+                  <a:srgbClr val="000000"/>
+                </a:solidFill>
+                <a:latin typeface="Consolas"/>
+              </a:rPr>
+              <a:t> </a:t>
+            </a:r>
+            <a:r>
+              <a:rPr lang="en-US" sz="2000" dirty="0" err="1">
+                <a:solidFill>
+                  <a:srgbClr val="000000"/>
+                </a:solidFill>
+                <a:latin typeface="Consolas"/>
+              </a:rPr>
+              <a:t>ManageCapable</a:t>
+            </a:r>
+            <a:r>
+              <a:rPr lang="en-US" sz="2000" dirty="0">
+                <a:solidFill>
+                  <a:srgbClr val="000000"/>
+                </a:solidFill>
+                <a:latin typeface="Consolas"/>
+              </a:rPr>
+              <a:t> </a:t>
+            </a:r>
+            <a:r>
+              <a:rPr lang="en-US" sz="2000" dirty="0">
+                <a:solidFill>
+                  <a:srgbClr val="0000C0"/>
+                </a:solidFill>
+                <a:latin typeface="Consolas"/>
+              </a:rPr>
+              <a:t>manager</a:t>
+            </a:r>
+            <a:r>
+              <a:rPr lang="en-US" sz="2000" dirty="0">
+                <a:solidFill>
+                  <a:srgbClr val="000000"/>
+                </a:solidFill>
+                <a:latin typeface="Consolas"/>
+              </a:rPr>
+              <a:t>;</a:t>
+            </a:r>
+          </a:p>
+          <a:p>
+            <a:endParaRPr lang="en-US" sz="2000" dirty="0">
+              <a:latin typeface="Consolas"/>
+            </a:endParaRPr>
+          </a:p>
+          <a:p>
+            <a:r>
+              <a:rPr lang="en-US" sz="2000" dirty="0">
+                <a:solidFill>
+                  <a:srgbClr val="000000"/>
+                </a:solidFill>
+                <a:latin typeface="Consolas"/>
+              </a:rPr>
+              <a:t>    </a:t>
+            </a:r>
+            <a:r>
+              <a:rPr lang="en-US" sz="2000" dirty="0" smtClean="0">
+                <a:solidFill>
+                  <a:srgbClr val="000000"/>
+                </a:solidFill>
+                <a:latin typeface="Consolas"/>
+              </a:rPr>
+              <a:t>…</a:t>
+            </a:r>
+            <a:endParaRPr lang="en-US" sz="2000" dirty="0">
+              <a:latin typeface="Consolas"/>
+            </a:endParaRPr>
+          </a:p>
+          <a:p>
+            <a:r>
+              <a:rPr lang="en-US" sz="2000" dirty="0">
+                <a:solidFill>
+                  <a:srgbClr val="000000"/>
+                </a:solidFill>
+                <a:latin typeface="Consolas"/>
+              </a:rPr>
+              <a:t>}</a:t>
+            </a:r>
+            <a:endParaRPr lang="en-US" sz="2000" dirty="0">
+              <a:solidFill>
+                <a:srgbClr val="3F7F5F"/>
+              </a:solidFill>
+              <a:latin typeface="Consolas"/>
+            </a:endParaRPr>
+          </a:p>
+        </p:txBody>
+      </p:sp>
+      <p:sp>
+        <p:nvSpPr>
+          <p:cNvPr id="5" name="TextBox 4"/>
+          <p:cNvSpPr txBox="1"/>
+          <p:nvPr/>
+        </p:nvSpPr>
+        <p:spPr bwMode="auto">
+          <a:xfrm>
+            <a:off x="581460" y="4394736"/>
+            <a:ext cx="9865096" cy="2643970"/>
+          </a:xfrm>
+          <a:prstGeom prst="rect">
+            <a:avLst/>
+          </a:prstGeom>
+          <a:solidFill>
+            <a:schemeClr val="bg1"/>
+          </a:solidFill>
+          <a:ln w="9525">
+            <a:noFill/>
+            <a:miter lim="800000"/>
+            <a:headEnd/>
+            <a:tailEnd/>
+          </a:ln>
+        </p:spPr>
+        <p:txBody>
+          <a:bodyPr wrap="square" lIns="180000" tIns="90000" bIns="90000" rtlCol="0">
+            <a:spAutoFit/>
+          </a:bodyPr>
+          <a:lstStyle/>
+          <a:p>
+            <a:r>
+              <a:rPr lang="en-US" sz="2000" dirty="0">
+                <a:solidFill>
+                  <a:srgbClr val="646464"/>
+                </a:solidFill>
+                <a:latin typeface="Consolas"/>
+              </a:rPr>
+              <a:t>@Component</a:t>
+            </a:r>
+          </a:p>
+          <a:p>
+            <a:r>
+              <a:rPr lang="en-US" sz="2000" dirty="0">
+                <a:solidFill>
+                  <a:srgbClr val="7F0055"/>
+                </a:solidFill>
+                <a:latin typeface="Consolas"/>
+              </a:rPr>
+              <a:t>public</a:t>
+            </a:r>
+            <a:r>
+              <a:rPr lang="en-US" sz="2000" dirty="0">
+                <a:solidFill>
+                  <a:srgbClr val="000000"/>
+                </a:solidFill>
+                <a:latin typeface="Consolas"/>
+              </a:rPr>
+              <a:t> </a:t>
+            </a:r>
+            <a:r>
+              <a:rPr lang="en-US" sz="2000" dirty="0">
+                <a:solidFill>
+                  <a:srgbClr val="7F0055"/>
+                </a:solidFill>
+                <a:latin typeface="Consolas"/>
+              </a:rPr>
+              <a:t>class</a:t>
+            </a:r>
+            <a:r>
+              <a:rPr lang="en-US" sz="2000" dirty="0">
+                <a:solidFill>
+                  <a:srgbClr val="000000"/>
+                </a:solidFill>
+                <a:latin typeface="Consolas"/>
+              </a:rPr>
+              <a:t> Manager </a:t>
+            </a:r>
+            <a:r>
+              <a:rPr lang="en-US" sz="2000" dirty="0">
+                <a:solidFill>
+                  <a:srgbClr val="7F0055"/>
+                </a:solidFill>
+                <a:latin typeface="Consolas"/>
+              </a:rPr>
+              <a:t>implements</a:t>
+            </a:r>
+            <a:r>
+              <a:rPr lang="en-US" sz="2000" dirty="0">
+                <a:solidFill>
+                  <a:srgbClr val="000000"/>
+                </a:solidFill>
+                <a:latin typeface="Consolas"/>
+              </a:rPr>
+              <a:t> </a:t>
+            </a:r>
+            <a:r>
+              <a:rPr lang="en-US" sz="2000" dirty="0" err="1">
+                <a:solidFill>
+                  <a:srgbClr val="000000"/>
+                </a:solidFill>
+                <a:latin typeface="Consolas"/>
+              </a:rPr>
+              <a:t>ManageCapable</a:t>
+            </a:r>
+            <a:r>
+              <a:rPr lang="en-US" sz="2000" dirty="0">
+                <a:solidFill>
+                  <a:srgbClr val="000000"/>
+                </a:solidFill>
+                <a:latin typeface="Consolas"/>
+              </a:rPr>
+              <a:t> {</a:t>
+            </a:r>
+          </a:p>
+          <a:p>
+            <a:endParaRPr lang="en-US" sz="2000" dirty="0">
+              <a:latin typeface="Consolas"/>
+            </a:endParaRPr>
+          </a:p>
+          <a:p>
+            <a:r>
+              <a:rPr lang="en-US" sz="2000" dirty="0">
+                <a:solidFill>
+                  <a:srgbClr val="000000"/>
+                </a:solidFill>
+                <a:latin typeface="Consolas"/>
+              </a:rPr>
+              <a:t>    </a:t>
+            </a:r>
+            <a:r>
+              <a:rPr lang="en-US" sz="2000" dirty="0">
+                <a:solidFill>
+                  <a:srgbClr val="646464"/>
+                </a:solidFill>
+                <a:latin typeface="Consolas"/>
+              </a:rPr>
+              <a:t>@Inject</a:t>
+            </a:r>
+          </a:p>
+          <a:p>
+            <a:r>
+              <a:rPr lang="en-US" sz="2000" dirty="0">
+                <a:solidFill>
+                  <a:srgbClr val="000000"/>
+                </a:solidFill>
+                <a:latin typeface="Consolas"/>
+              </a:rPr>
+              <a:t>    </a:t>
+            </a:r>
+            <a:r>
+              <a:rPr lang="en-US" sz="2000" dirty="0">
+                <a:solidFill>
+                  <a:srgbClr val="7F0055"/>
+                </a:solidFill>
+                <a:latin typeface="Consolas"/>
+              </a:rPr>
+              <a:t>private</a:t>
+            </a:r>
+            <a:r>
+              <a:rPr lang="en-US" sz="2000" dirty="0">
+                <a:solidFill>
+                  <a:srgbClr val="000000"/>
+                </a:solidFill>
+                <a:latin typeface="Consolas"/>
+              </a:rPr>
+              <a:t> Repository </a:t>
+            </a:r>
+            <a:r>
+              <a:rPr lang="en-US" sz="2000" dirty="0" err="1">
+                <a:solidFill>
+                  <a:srgbClr val="0000C0"/>
+                </a:solidFill>
+                <a:latin typeface="Consolas"/>
+              </a:rPr>
+              <a:t>repository</a:t>
+            </a:r>
+            <a:r>
+              <a:rPr lang="en-US" sz="2000" dirty="0">
+                <a:solidFill>
+                  <a:srgbClr val="000000"/>
+                </a:solidFill>
+                <a:latin typeface="Consolas"/>
+              </a:rPr>
+              <a:t>;</a:t>
+            </a:r>
+          </a:p>
+          <a:p>
+            <a:endParaRPr lang="en-US" sz="2000" dirty="0">
+              <a:latin typeface="Consolas"/>
+            </a:endParaRPr>
+          </a:p>
+          <a:p>
+            <a:r>
+              <a:rPr lang="en-US" sz="2000" dirty="0">
+                <a:solidFill>
+                  <a:srgbClr val="000000"/>
+                </a:solidFill>
+                <a:latin typeface="Consolas"/>
+              </a:rPr>
+              <a:t>    </a:t>
+            </a:r>
+            <a:r>
+              <a:rPr lang="en-US" sz="2000" dirty="0" smtClean="0">
+                <a:solidFill>
+                  <a:srgbClr val="000000"/>
+                </a:solidFill>
+                <a:latin typeface="Consolas"/>
+              </a:rPr>
+              <a:t>…</a:t>
+            </a:r>
+            <a:endParaRPr lang="en-US" sz="2000" dirty="0">
+              <a:latin typeface="Consolas"/>
+            </a:endParaRPr>
+          </a:p>
+          <a:p>
+            <a:r>
+              <a:rPr lang="en-US" sz="2000" dirty="0">
+                <a:solidFill>
+                  <a:srgbClr val="000000"/>
+                </a:solidFill>
+                <a:latin typeface="Consolas"/>
+              </a:rPr>
+              <a:t>}</a:t>
+            </a:r>
+            <a:endParaRPr lang="en-US" sz="2000" dirty="0">
+              <a:solidFill>
+                <a:srgbClr val="3F7F5F"/>
+              </a:solidFill>
+              <a:latin typeface="Consolas"/>
+            </a:endParaRPr>
+          </a:p>
+        </p:txBody>
+      </p:sp>
+    </p:spTree>
+    <p:extLst>
+      <p:ext uri="{BB962C8B-B14F-4D97-AF65-F5344CB8AC3E}">
+        <p14:creationId xmlns:p14="http://schemas.microsoft.com/office/powerpoint/2010/main" val="63406927"/>
+      </p:ext>
+    </p:extLst>
+  </p:cSld>
+  <p:clrMapOvr>
+    <a:masterClrMapping/>
+  </p:clrMapOvr>
+  <p:transition>
+    <p:fade/>
+  </p:transition>
+  <p:timing>
+    <p:tnLst>
+      <p:par>
+        <p:cTn id="1" dur="indefinite" restart="never" nodeType="tmRoot">
+          <p:childTnLst>
+            <p:seq concurrent="1" nextAc="seek">
+              <p:cTn id="2" dur="indefinite" nodeType="mainSeq">
+                <p:childTnLst>
+                  <p:par>
+                    <p:cTn id="3" fill="hold">
+                      <p:stCondLst>
+                        <p:cond delay="indefinite"/>
+                      </p:stCondLst>
+                      <p:childTnLst>
+                        <p:par>
+                          <p:cTn id="4" fill="hold">
+                            <p:stCondLst>
+                              <p:cond delay="0"/>
+                            </p:stCondLst>
+                            <p:childTnLst>
+                              <p:par>
+                                <p:cTn id="5" presetID="1" presetClass="entr" presetSubtype="0" fill="hold" grpId="0" nodeType="clickEffect">
+                                  <p:stCondLst>
+                                    <p:cond delay="0"/>
+                                  </p:stCondLst>
+                                  <p:childTnLst>
+                                    <p:set>
+                                      <p:cBhvr>
+                                        <p:cTn id="6" dur="1" fill="hold">
+                                          <p:stCondLst>
+                                            <p:cond delay="0"/>
+                                          </p:stCondLst>
+                                        </p:cTn>
+                                        <p:tgtEl>
+                                          <p:spTgt spid="5"/>
+                                        </p:tgtEl>
+                                        <p:attrNameLst>
+                                          <p:attrName>style.visibility</p:attrName>
+                                        </p:attrNameLst>
+                                      </p:cBhvr>
+                                      <p:to>
+                                        <p:strVal val="visible"/>
+                                      </p:to>
+                                    </p:set>
+                                  </p:childTnLst>
+                                </p:cTn>
+                              </p:par>
+                            </p:childTnLst>
+                          </p:cTn>
+                        </p:par>
+                      </p:childTnLst>
+                    </p:cTn>
+                  </p:par>
+                </p:childTnLst>
+              </p:cTn>
+              <p:prevCondLst>
+                <p:cond evt="onPrev" delay="0">
+                  <p:tgtEl>
+                    <p:sldTgt/>
+                  </p:tgtEl>
+                </p:cond>
+              </p:prevCondLst>
+              <p:nextCondLst>
+                <p:cond evt="onNext" delay="0">
+                  <p:tgtEl>
+                    <p:sldTgt/>
+                  </p:tgtEl>
+                </p:cond>
+              </p:nextCondLst>
+            </p:seq>
+          </p:childTnLst>
+        </p:cTn>
+      </p:par>
+    </p:tnLst>
+    <p:bldLst>
+      <p:bldP spid="5" grpId="0" animBg="1"/>
+    </p:bldLst>
+  </p:timing>
+</p:sld>
+</file>
+
+<file path=ppt/slides/slide15.xml><?xml version="1.0" encoding="utf-8"?>
+<p:sld xmlns:a="http://schemas.openxmlformats.org/drawingml/2006/main" xmlns:r="http://schemas.openxmlformats.org/officeDocument/2006/relationships" xmlns:p="http://schemas.openxmlformats.org/presentationml/2006/main">
+  <p:cSld>
+    <p:spTree>
+      <p:nvGrpSpPr>
+        <p:cNvPr id="1" name=""/>
+        <p:cNvGrpSpPr/>
+        <p:nvPr/>
+      </p:nvGrpSpPr>
+      <p:grpSpPr>
+        <a:xfrm>
+          <a:off x="0" y="0"/>
+          <a:ext cx="0" cy="0"/>
+          <a:chOff x="0" y="0"/>
+          <a:chExt cx="0" cy="0"/>
+        </a:xfrm>
+      </p:grpSpPr>
+      <p:sp>
+        <p:nvSpPr>
+          <p:cNvPr id="12" name="Titel 11"/>
+          <p:cNvSpPr>
+            <a:spLocks noGrp="1"/>
+          </p:cNvSpPr>
+          <p:nvPr>
+            <p:ph type="title"/>
+          </p:nvPr>
+        </p:nvSpPr>
+        <p:spPr/>
+        <p:txBody>
+          <a:bodyPr/>
+          <a:lstStyle/>
+          <a:p>
+            <a:pPr>
+              <a:defRPr/>
+            </a:pPr>
+            <a:r>
+              <a:rPr lang="de-DE" cap="none" dirty="0"/>
+              <a:t>Dependency Injection / Inversion of Control</a:t>
+            </a:r>
+            <a:endParaRPr lang="de-DE" cap="none" dirty="0"/>
+          </a:p>
+        </p:txBody>
+      </p:sp>
+      <p:sp>
+        <p:nvSpPr>
+          <p:cNvPr id="3" name="TextBox 2"/>
+          <p:cNvSpPr txBox="1"/>
+          <p:nvPr/>
+        </p:nvSpPr>
+        <p:spPr bwMode="auto">
+          <a:xfrm>
+            <a:off x="522164" y="1620391"/>
+            <a:ext cx="9865096" cy="2951747"/>
+          </a:xfrm>
+          <a:prstGeom prst="rect">
+            <a:avLst/>
+          </a:prstGeom>
+          <a:solidFill>
+            <a:schemeClr val="bg1"/>
+          </a:solidFill>
+          <a:ln w="9525">
+            <a:noFill/>
+            <a:miter lim="800000"/>
+            <a:headEnd/>
+            <a:tailEnd/>
+          </a:ln>
+        </p:spPr>
+        <p:txBody>
+          <a:bodyPr wrap="square" lIns="180000" tIns="90000" bIns="90000" rtlCol="0">
+            <a:spAutoFit/>
+          </a:bodyPr>
+          <a:lstStyle/>
+          <a:p>
+            <a:r>
+              <a:rPr lang="en-US" sz="2000" dirty="0">
+                <a:solidFill>
+                  <a:srgbClr val="646464"/>
+                </a:solidFill>
+                <a:latin typeface="Consolas"/>
+              </a:rPr>
+              <a:t>@Component</a:t>
+            </a:r>
+          </a:p>
+          <a:p>
+            <a:r>
+              <a:rPr lang="en-US" sz="2000" dirty="0">
+                <a:solidFill>
+                  <a:srgbClr val="7F0055"/>
+                </a:solidFill>
+                <a:latin typeface="Consolas"/>
+              </a:rPr>
+              <a:t>public</a:t>
+            </a:r>
+            <a:r>
+              <a:rPr lang="en-US" sz="2000" dirty="0">
+                <a:solidFill>
+                  <a:srgbClr val="000000"/>
+                </a:solidFill>
+                <a:latin typeface="Consolas"/>
+              </a:rPr>
+              <a:t> </a:t>
+            </a:r>
+            <a:r>
+              <a:rPr lang="en-US" sz="2000" dirty="0">
+                <a:solidFill>
+                  <a:srgbClr val="7F0055"/>
+                </a:solidFill>
+                <a:latin typeface="Consolas"/>
+              </a:rPr>
+              <a:t>class</a:t>
+            </a:r>
+            <a:r>
+              <a:rPr lang="en-US" sz="2000" dirty="0">
+                <a:solidFill>
+                  <a:srgbClr val="000000"/>
+                </a:solidFill>
+                <a:latin typeface="Consolas"/>
+              </a:rPr>
+              <a:t> Repository {</a:t>
+            </a:r>
+          </a:p>
+          <a:p>
+            <a:endParaRPr lang="en-US" sz="2000" dirty="0">
+              <a:latin typeface="Consolas"/>
+            </a:endParaRPr>
+          </a:p>
+          <a:p>
+            <a:r>
+              <a:rPr lang="en-US" sz="2000" dirty="0">
+                <a:solidFill>
+                  <a:srgbClr val="000000"/>
+                </a:solidFill>
+                <a:latin typeface="Consolas"/>
+              </a:rPr>
+              <a:t>    </a:t>
+            </a:r>
+            <a:r>
+              <a:rPr lang="en-US" sz="2000" dirty="0">
+                <a:solidFill>
+                  <a:srgbClr val="7F0055"/>
+                </a:solidFill>
+                <a:latin typeface="Consolas"/>
+              </a:rPr>
+              <a:t>public</a:t>
+            </a:r>
+            <a:r>
+              <a:rPr lang="en-US" sz="2000" dirty="0">
+                <a:solidFill>
+                  <a:srgbClr val="000000"/>
+                </a:solidFill>
+                <a:latin typeface="Consolas"/>
+              </a:rPr>
+              <a:t> </a:t>
+            </a:r>
+            <a:r>
+              <a:rPr lang="en-US" sz="2000" dirty="0" err="1">
+                <a:solidFill>
+                  <a:srgbClr val="000000"/>
+                </a:solidFill>
+                <a:latin typeface="Consolas"/>
+              </a:rPr>
+              <a:t>Resourcable</a:t>
+            </a:r>
+            <a:r>
+              <a:rPr lang="en-US" sz="2000" dirty="0">
+                <a:solidFill>
+                  <a:srgbClr val="000000"/>
+                </a:solidFill>
+                <a:latin typeface="Consolas"/>
+              </a:rPr>
+              <a:t> save(</a:t>
+            </a:r>
+            <a:r>
+              <a:rPr lang="en-US" sz="2000" dirty="0" err="1">
+                <a:solidFill>
+                  <a:srgbClr val="000000"/>
+                </a:solidFill>
+                <a:latin typeface="Consolas"/>
+              </a:rPr>
+              <a:t>Resourcable</a:t>
+            </a:r>
+            <a:r>
+              <a:rPr lang="en-US" sz="2000" dirty="0">
+                <a:solidFill>
+                  <a:srgbClr val="000000"/>
+                </a:solidFill>
+                <a:latin typeface="Consolas"/>
+              </a:rPr>
+              <a:t> </a:t>
+            </a:r>
+            <a:r>
+              <a:rPr lang="en-US" sz="2000" dirty="0" err="1">
+                <a:solidFill>
+                  <a:srgbClr val="000000"/>
+                </a:solidFill>
+                <a:latin typeface="Consolas"/>
+              </a:rPr>
+              <a:t>aResource</a:t>
+            </a:r>
+            <a:r>
+              <a:rPr lang="en-US" sz="2000" dirty="0">
+                <a:solidFill>
+                  <a:srgbClr val="000000"/>
+                </a:solidFill>
+                <a:latin typeface="Consolas"/>
+              </a:rPr>
+              <a:t>) {</a:t>
+            </a:r>
+          </a:p>
+          <a:p>
+            <a:r>
+              <a:rPr lang="en-US" sz="2000" dirty="0">
+                <a:solidFill>
+                  <a:srgbClr val="000000"/>
+                </a:solidFill>
+                <a:latin typeface="Consolas"/>
+              </a:rPr>
+              <a:t>        </a:t>
+            </a:r>
+            <a:r>
+              <a:rPr lang="en-US" sz="2000" dirty="0">
+                <a:solidFill>
+                  <a:srgbClr val="3F7F5F"/>
+                </a:solidFill>
+                <a:latin typeface="Consolas"/>
+              </a:rPr>
+              <a:t>// Here we "persist" the given resource</a:t>
+            </a:r>
+          </a:p>
+          <a:p>
+            <a:r>
+              <a:rPr lang="en-US" sz="2000" dirty="0">
+                <a:solidFill>
+                  <a:srgbClr val="000000"/>
+                </a:solidFill>
+                <a:latin typeface="Consolas"/>
+              </a:rPr>
+              <a:t>        </a:t>
+            </a:r>
+            <a:r>
+              <a:rPr lang="en-US" sz="2000" dirty="0">
+                <a:solidFill>
+                  <a:srgbClr val="3F7F5F"/>
+                </a:solidFill>
+                <a:latin typeface="Consolas"/>
+              </a:rPr>
+              <a:t>// and return it like we really did it.</a:t>
+            </a:r>
+          </a:p>
+          <a:p>
+            <a:r>
+              <a:rPr lang="en-US" sz="2000" dirty="0">
+                <a:solidFill>
+                  <a:srgbClr val="000000"/>
+                </a:solidFill>
+                <a:latin typeface="Consolas"/>
+              </a:rPr>
+              <a:t>        </a:t>
+            </a:r>
+            <a:r>
+              <a:rPr lang="en-US" sz="2000" dirty="0">
+                <a:solidFill>
+                  <a:srgbClr val="7F0055"/>
+                </a:solidFill>
+                <a:latin typeface="Consolas"/>
+              </a:rPr>
+              <a:t>return</a:t>
+            </a:r>
+            <a:r>
+              <a:rPr lang="en-US" sz="2000" dirty="0">
+                <a:solidFill>
+                  <a:srgbClr val="000000"/>
+                </a:solidFill>
+                <a:latin typeface="Consolas"/>
+              </a:rPr>
+              <a:t> </a:t>
+            </a:r>
+            <a:r>
+              <a:rPr lang="en-US" sz="2000" dirty="0" err="1">
+                <a:solidFill>
+                  <a:srgbClr val="000000"/>
+                </a:solidFill>
+                <a:latin typeface="Consolas"/>
+              </a:rPr>
+              <a:t>aResource</a:t>
+            </a:r>
+            <a:r>
+              <a:rPr lang="en-US" sz="2000" dirty="0">
+                <a:solidFill>
+                  <a:srgbClr val="000000"/>
+                </a:solidFill>
+                <a:latin typeface="Consolas"/>
+              </a:rPr>
+              <a:t>;</a:t>
+            </a:r>
+          </a:p>
+          <a:p>
+            <a:r>
+              <a:rPr lang="en-US" sz="2000" dirty="0">
+                <a:solidFill>
+                  <a:srgbClr val="000000"/>
+                </a:solidFill>
+                <a:latin typeface="Consolas"/>
+              </a:rPr>
+              <a:t>    }</a:t>
+            </a:r>
+          </a:p>
+          <a:p>
+            <a:r>
+              <a:rPr lang="en-US" sz="2000" dirty="0">
+                <a:solidFill>
+                  <a:srgbClr val="000000"/>
+                </a:solidFill>
+                <a:latin typeface="Consolas"/>
+              </a:rPr>
+              <a:t>}</a:t>
+            </a:r>
+            <a:endParaRPr lang="en-US" sz="2000" dirty="0">
+              <a:solidFill>
+                <a:srgbClr val="3F7F5F"/>
+              </a:solidFill>
+              <a:latin typeface="Consolas"/>
+            </a:endParaRPr>
+          </a:p>
+        </p:txBody>
+      </p:sp>
+    </p:spTree>
+    <p:extLst>
+      <p:ext uri="{BB962C8B-B14F-4D97-AF65-F5344CB8AC3E}">
+        <p14:creationId xmlns:p14="http://schemas.microsoft.com/office/powerpoint/2010/main" val="290440514"/>
+      </p:ext>
+    </p:extLst>
+  </p:cSld>
+  <p:clrMapOvr>
+    <a:masterClrMapping/>
+  </p:clrMapOvr>
+  <p:transition>
+    <p:fade/>
+  </p:transition>
+  <p:timing>
+    <p:tnLst>
+      <p:par>
+        <p:cTn id="1" dur="indefinite" restart="never" nodeType="tmRoot"/>
+      </p:par>
+    </p:tnLst>
+  </p:timing>
+</p:sld>
+</file>
+
+<file path=ppt/slides/slide16.xml><?xml version="1.0" encoding="utf-8"?>
+<p:sld xmlns:a="http://schemas.openxmlformats.org/drawingml/2006/main" xmlns:r="http://schemas.openxmlformats.org/officeDocument/2006/relationships" xmlns:p="http://schemas.openxmlformats.org/presentationml/2006/main">
+  <p:cSld>
+    <p:spTree>
+      <p:nvGrpSpPr>
+        <p:cNvPr id="1" name=""/>
+        <p:cNvGrpSpPr/>
+        <p:nvPr/>
+      </p:nvGrpSpPr>
+      <p:grpSpPr>
+        <a:xfrm>
+          <a:off x="0" y="0"/>
+          <a:ext cx="0" cy="0"/>
+          <a:chOff x="0" y="0"/>
+          <a:chExt cx="0" cy="0"/>
+        </a:xfrm>
+      </p:grpSpPr>
+      <p:sp>
+        <p:nvSpPr>
+          <p:cNvPr id="12" name="Titel 11"/>
+          <p:cNvSpPr>
+            <a:spLocks noGrp="1"/>
+          </p:cNvSpPr>
+          <p:nvPr>
+            <p:ph type="title"/>
+          </p:nvPr>
+        </p:nvSpPr>
+        <p:spPr/>
+        <p:txBody>
+          <a:bodyPr/>
+          <a:lstStyle/>
+          <a:p>
+            <a:pPr>
+              <a:defRPr/>
+            </a:pPr>
+            <a:r>
+              <a:rPr lang="de-DE" cap="none" dirty="0"/>
+              <a:t>Dependency Injection / Inversion of Control</a:t>
+            </a:r>
+            <a:endParaRPr lang="de-DE" cap="none" dirty="0"/>
+          </a:p>
+        </p:txBody>
+      </p:sp>
+      <p:sp>
+        <p:nvSpPr>
+          <p:cNvPr id="3" name="TextBox 2"/>
+          <p:cNvSpPr txBox="1"/>
+          <p:nvPr/>
+        </p:nvSpPr>
+        <p:spPr bwMode="auto">
+          <a:xfrm>
+            <a:off x="522164" y="1620391"/>
+            <a:ext cx="9865096" cy="3567300"/>
+          </a:xfrm>
+          <a:prstGeom prst="rect">
+            <a:avLst/>
+          </a:prstGeom>
+          <a:solidFill>
+            <a:schemeClr val="bg1"/>
+          </a:solidFill>
+          <a:ln w="9525">
+            <a:noFill/>
+            <a:miter lim="800000"/>
+            <a:headEnd/>
+            <a:tailEnd/>
+          </a:ln>
+        </p:spPr>
+        <p:txBody>
+          <a:bodyPr wrap="square" lIns="180000" tIns="90000" bIns="90000" rtlCol="0">
+            <a:spAutoFit/>
+          </a:bodyPr>
+          <a:lstStyle/>
+          <a:p>
+            <a:r>
+              <a:rPr lang="en-US" sz="2000" dirty="0">
+                <a:solidFill>
+                  <a:srgbClr val="7F0055"/>
+                </a:solidFill>
+                <a:latin typeface="Consolas"/>
+              </a:rPr>
+              <a:t>public</a:t>
+            </a:r>
+            <a:r>
+              <a:rPr lang="en-US" sz="2000" dirty="0">
+                <a:solidFill>
+                  <a:srgbClr val="000000"/>
+                </a:solidFill>
+                <a:latin typeface="Consolas"/>
+              </a:rPr>
+              <a:t> </a:t>
+            </a:r>
+            <a:r>
+              <a:rPr lang="en-US" sz="2000" dirty="0">
+                <a:solidFill>
+                  <a:srgbClr val="7F0055"/>
+                </a:solidFill>
+                <a:latin typeface="Consolas"/>
+              </a:rPr>
+              <a:t>class</a:t>
+            </a:r>
+            <a:r>
+              <a:rPr lang="en-US" sz="2000" dirty="0">
+                <a:solidFill>
+                  <a:srgbClr val="000000"/>
+                </a:solidFill>
+                <a:latin typeface="Consolas"/>
+              </a:rPr>
+              <a:t> </a:t>
+            </a:r>
+            <a:r>
+              <a:rPr lang="en-US" sz="2000" dirty="0" err="1">
+                <a:solidFill>
+                  <a:srgbClr val="000000"/>
+                </a:solidFill>
+                <a:latin typeface="Consolas"/>
+              </a:rPr>
+              <a:t>PackageScanner</a:t>
+            </a:r>
+            <a:r>
+              <a:rPr lang="en-US" sz="2000" dirty="0">
+                <a:solidFill>
+                  <a:srgbClr val="000000"/>
+                </a:solidFill>
+                <a:latin typeface="Consolas"/>
+              </a:rPr>
+              <a:t> </a:t>
+            </a:r>
+            <a:r>
+              <a:rPr lang="en-US" sz="2000" dirty="0" smtClean="0">
+                <a:solidFill>
+                  <a:srgbClr val="000000"/>
+                </a:solidFill>
+                <a:latin typeface="Consolas"/>
+              </a:rPr>
+              <a:t>{</a:t>
+            </a:r>
+          </a:p>
+          <a:p>
+            <a:r>
+              <a:rPr lang="en-US" sz="2000" dirty="0">
+                <a:solidFill>
+                  <a:srgbClr val="000000"/>
+                </a:solidFill>
+                <a:latin typeface="Consolas"/>
+              </a:rPr>
+              <a:t> </a:t>
+            </a:r>
+            <a:r>
+              <a:rPr lang="en-US" sz="2000" dirty="0" smtClean="0">
+                <a:solidFill>
+                  <a:srgbClr val="000000"/>
+                </a:solidFill>
+                <a:latin typeface="Consolas"/>
+              </a:rPr>
+              <a:t>   …</a:t>
+            </a:r>
+          </a:p>
+          <a:p>
+            <a:r>
+              <a:rPr lang="en-US" sz="2000" dirty="0" smtClean="0">
+                <a:solidFill>
+                  <a:srgbClr val="000000"/>
+                </a:solidFill>
+                <a:latin typeface="Consolas"/>
+              </a:rPr>
+              <a:t>}</a:t>
+            </a:r>
+          </a:p>
+          <a:p>
+            <a:endParaRPr lang="en-US" sz="2000" dirty="0">
+              <a:solidFill>
+                <a:srgbClr val="000000"/>
+              </a:solidFill>
+              <a:latin typeface="Consolas"/>
+            </a:endParaRPr>
+          </a:p>
+          <a:p>
+            <a:r>
+              <a:rPr lang="en-US" sz="2000" dirty="0">
+                <a:solidFill>
+                  <a:srgbClr val="7F0055"/>
+                </a:solidFill>
+                <a:latin typeface="Consolas"/>
+              </a:rPr>
+              <a:t>public</a:t>
+            </a:r>
+            <a:r>
+              <a:rPr lang="en-US" sz="2000" dirty="0">
+                <a:solidFill>
+                  <a:srgbClr val="000000"/>
+                </a:solidFill>
+                <a:latin typeface="Consolas"/>
+              </a:rPr>
+              <a:t> </a:t>
+            </a:r>
+            <a:r>
+              <a:rPr lang="en-US" sz="2000" dirty="0">
+                <a:solidFill>
+                  <a:srgbClr val="7F0055"/>
+                </a:solidFill>
+                <a:latin typeface="Consolas"/>
+              </a:rPr>
+              <a:t>class</a:t>
+            </a:r>
+            <a:r>
+              <a:rPr lang="en-US" sz="2000" dirty="0">
+                <a:solidFill>
+                  <a:srgbClr val="000000"/>
+                </a:solidFill>
+                <a:latin typeface="Consolas"/>
+              </a:rPr>
+              <a:t> </a:t>
+            </a:r>
+            <a:r>
+              <a:rPr lang="en-US" sz="2000" dirty="0" err="1">
+                <a:solidFill>
+                  <a:srgbClr val="000000"/>
+                </a:solidFill>
+                <a:latin typeface="Consolas"/>
+              </a:rPr>
+              <a:t>ClassScanner</a:t>
+            </a:r>
+            <a:r>
+              <a:rPr lang="en-US" sz="2000" dirty="0">
+                <a:solidFill>
+                  <a:srgbClr val="000000"/>
+                </a:solidFill>
+                <a:latin typeface="Consolas"/>
+              </a:rPr>
+              <a:t> </a:t>
+            </a:r>
+            <a:r>
+              <a:rPr lang="en-US" sz="2000" dirty="0" smtClean="0">
+                <a:solidFill>
+                  <a:srgbClr val="000000"/>
+                </a:solidFill>
+                <a:latin typeface="Consolas"/>
+              </a:rPr>
+              <a:t>{</a:t>
+            </a:r>
+          </a:p>
+          <a:p>
+            <a:r>
+              <a:rPr lang="en-US" sz="2000" dirty="0">
+                <a:solidFill>
+                  <a:srgbClr val="000000"/>
+                </a:solidFill>
+                <a:latin typeface="Consolas"/>
+              </a:rPr>
+              <a:t> </a:t>
+            </a:r>
+            <a:r>
+              <a:rPr lang="en-US" sz="2000" dirty="0" smtClean="0">
+                <a:solidFill>
+                  <a:srgbClr val="000000"/>
+                </a:solidFill>
+                <a:latin typeface="Consolas"/>
+              </a:rPr>
+              <a:t>   …</a:t>
+            </a:r>
+          </a:p>
+          <a:p>
+            <a:r>
+              <a:rPr lang="en-US" sz="2000" dirty="0" smtClean="0">
+                <a:solidFill>
+                  <a:srgbClr val="000000"/>
+                </a:solidFill>
+                <a:latin typeface="Consolas"/>
+              </a:rPr>
+              <a:t>}</a:t>
+            </a:r>
+          </a:p>
+          <a:p>
+            <a:endParaRPr lang="en-US" sz="2000" dirty="0">
+              <a:solidFill>
+                <a:srgbClr val="000000"/>
+              </a:solidFill>
+              <a:latin typeface="Consolas"/>
+            </a:endParaRPr>
+          </a:p>
+          <a:p>
+            <a:r>
+              <a:rPr lang="en-US" sz="2000" dirty="0">
+                <a:solidFill>
+                  <a:srgbClr val="7F0055"/>
+                </a:solidFill>
+                <a:latin typeface="Consolas"/>
+              </a:rPr>
+              <a:t>public</a:t>
+            </a:r>
+            <a:r>
+              <a:rPr lang="en-US" sz="2000" dirty="0">
+                <a:solidFill>
+                  <a:srgbClr val="000000"/>
+                </a:solidFill>
+                <a:latin typeface="Consolas"/>
+              </a:rPr>
+              <a:t> </a:t>
+            </a:r>
+            <a:r>
+              <a:rPr lang="en-US" sz="2000" dirty="0">
+                <a:solidFill>
+                  <a:srgbClr val="7F0055"/>
+                </a:solidFill>
+                <a:latin typeface="Consolas"/>
+              </a:rPr>
+              <a:t>class</a:t>
+            </a:r>
+            <a:r>
+              <a:rPr lang="en-US" sz="2000" dirty="0">
+                <a:solidFill>
+                  <a:srgbClr val="000000"/>
+                </a:solidFill>
+                <a:latin typeface="Consolas"/>
+              </a:rPr>
+              <a:t> </a:t>
+            </a:r>
+            <a:r>
+              <a:rPr lang="en-US" sz="2000" dirty="0" err="1">
+                <a:solidFill>
+                  <a:srgbClr val="000000"/>
+                </a:solidFill>
+                <a:latin typeface="Consolas"/>
+              </a:rPr>
+              <a:t>DependencyInjectionManager</a:t>
+            </a:r>
+            <a:r>
+              <a:rPr lang="en-US" sz="2000" dirty="0">
+                <a:solidFill>
+                  <a:srgbClr val="000000"/>
+                </a:solidFill>
+                <a:latin typeface="Consolas"/>
+              </a:rPr>
+              <a:t> </a:t>
+            </a:r>
+            <a:r>
+              <a:rPr lang="en-US" sz="2000" dirty="0" smtClean="0">
+                <a:solidFill>
+                  <a:srgbClr val="000000"/>
+                </a:solidFill>
+                <a:latin typeface="Consolas"/>
+              </a:rPr>
+              <a:t>{</a:t>
+            </a:r>
+          </a:p>
+          <a:p>
+            <a:r>
+              <a:rPr lang="en-US" sz="2000" dirty="0">
+                <a:solidFill>
+                  <a:srgbClr val="000000"/>
+                </a:solidFill>
+                <a:latin typeface="Consolas"/>
+              </a:rPr>
+              <a:t> </a:t>
+            </a:r>
+            <a:r>
+              <a:rPr lang="en-US" sz="2000" dirty="0" smtClean="0">
+                <a:solidFill>
+                  <a:srgbClr val="000000"/>
+                </a:solidFill>
+                <a:latin typeface="Consolas"/>
+              </a:rPr>
+              <a:t>   …</a:t>
+            </a:r>
+            <a:endParaRPr lang="en-US" sz="2000" dirty="0">
+              <a:solidFill>
+                <a:srgbClr val="000000"/>
+              </a:solidFill>
+              <a:latin typeface="Consolas"/>
+            </a:endParaRPr>
+          </a:p>
+          <a:p>
+            <a:r>
+              <a:rPr lang="en-US" sz="2000" dirty="0" smtClean="0">
+                <a:solidFill>
+                  <a:srgbClr val="000000"/>
+                </a:solidFill>
+                <a:latin typeface="Consolas"/>
+              </a:rPr>
+              <a:t>}</a:t>
+            </a:r>
+            <a:endParaRPr lang="en-US" sz="2000" dirty="0">
+              <a:solidFill>
+                <a:srgbClr val="000000"/>
+              </a:solidFill>
+              <a:latin typeface="Consolas"/>
+            </a:endParaRPr>
+          </a:p>
+        </p:txBody>
+      </p:sp>
+      <p:sp>
+        <p:nvSpPr>
+          <p:cNvPr id="4" name="TextBox 3"/>
+          <p:cNvSpPr txBox="1"/>
+          <p:nvPr/>
+        </p:nvSpPr>
+        <p:spPr bwMode="auto">
+          <a:xfrm>
+            <a:off x="697043" y="5508823"/>
+            <a:ext cx="7750496" cy="489534"/>
+          </a:xfrm>
+          <a:prstGeom prst="rect">
+            <a:avLst/>
+          </a:prstGeom>
+          <a:solidFill>
+            <a:schemeClr val="bg1"/>
+          </a:solidFill>
+          <a:ln w="9525">
+            <a:noFill/>
+            <a:miter lim="800000"/>
+            <a:headEnd/>
+            <a:tailEnd/>
+          </a:ln>
+        </p:spPr>
+        <p:txBody>
+          <a:bodyPr wrap="none" lIns="180000" tIns="90000" bIns="90000" rtlCol="0">
+            <a:spAutoFit/>
+          </a:bodyPr>
+          <a:lstStyle/>
+          <a:p>
+            <a:r>
+              <a:rPr lang="en-US" sz="2000" dirty="0">
+                <a:solidFill>
+                  <a:srgbClr val="3F7F5F"/>
+                </a:solidFill>
+                <a:latin typeface="Consolas"/>
+              </a:rPr>
+              <a:t>// https://github.com/dzamurovic/meetup_singleton.git</a:t>
+            </a:r>
+          </a:p>
+        </p:txBody>
+      </p:sp>
+    </p:spTree>
+    <p:extLst>
+      <p:ext uri="{BB962C8B-B14F-4D97-AF65-F5344CB8AC3E}">
+        <p14:creationId xmlns:p14="http://schemas.microsoft.com/office/powerpoint/2010/main" val="3975796400"/>
+      </p:ext>
+    </p:extLst>
+  </p:cSld>
+  <p:clrMapOvr>
+    <a:masterClrMapping/>
+  </p:clrMapOvr>
+  <p:transition>
+    <p:fade/>
+  </p:transition>
+  <p:timing>
+    <p:tnLst>
+      <p:par>
+        <p:cTn id="1" dur="indefinite" restart="never" nodeType="tmRoot">
+          <p:childTnLst>
+            <p:seq concurrent="1" nextAc="seek">
+              <p:cTn id="2" dur="indefinite" nodeType="mainSeq">
+                <p:childTnLst>
+                  <p:par>
+                    <p:cTn id="3" fill="hold">
+                      <p:stCondLst>
+                        <p:cond delay="indefinite"/>
+                      </p:stCondLst>
+                      <p:childTnLst>
+                        <p:par>
+                          <p:cTn id="4" fill="hold">
+                            <p:stCondLst>
+                              <p:cond delay="0"/>
+                            </p:stCondLst>
+                            <p:childTnLst>
+                              <p:par>
+                                <p:cTn id="5" presetID="1" presetClass="entr" presetSubtype="0" fill="hold" grpId="0" nodeType="clickEffect">
+                                  <p:stCondLst>
+                                    <p:cond delay="0"/>
+                                  </p:stCondLst>
+                                  <p:childTnLst>
+                                    <p:set>
+                                      <p:cBhvr>
+                                        <p:cTn id="6" dur="1" fill="hold">
+                                          <p:stCondLst>
+                                            <p:cond delay="0"/>
+                                          </p:stCondLst>
+                                        </p:cTn>
+                                        <p:tgtEl>
+                                          <p:spTgt spid="4"/>
+                                        </p:tgtEl>
+                                        <p:attrNameLst>
+                                          <p:attrName>style.visibility</p:attrName>
+                                        </p:attrNameLst>
+                                      </p:cBhvr>
+                                      <p:to>
+                                        <p:strVal val="visible"/>
+                                      </p:to>
+                                    </p:set>
+                                  </p:childTnLst>
+                                </p:cTn>
+                              </p:par>
+                            </p:childTnLst>
+                          </p:cTn>
+                        </p:par>
+                      </p:childTnLst>
+                    </p:cTn>
+                  </p:par>
+                </p:childTnLst>
+              </p:cTn>
+              <p:prevCondLst>
+                <p:cond evt="onPrev" delay="0">
+                  <p:tgtEl>
+                    <p:sldTgt/>
+                  </p:tgtEl>
+                </p:cond>
+              </p:prevCondLst>
+              <p:nextCondLst>
+                <p:cond evt="onNext" delay="0">
+                  <p:tgtEl>
+                    <p:sldTgt/>
+                  </p:tgtEl>
+                </p:cond>
+              </p:nextCondLst>
+            </p:seq>
+          </p:childTnLst>
+        </p:cTn>
+      </p:par>
+    </p:tnLst>
+    <p:bldLst>
+      <p:bldP spid="4" grpId="0" animBg="1"/>
+    </p:bldLst>
+  </p:timing>
+</p:sld>
+</file>
+
+<file path=ppt/slides/slide17.xml><?xml version="1.0" encoding="utf-8"?>
+<p:sld xmlns:a="http://schemas.openxmlformats.org/drawingml/2006/main" xmlns:r="http://schemas.openxmlformats.org/officeDocument/2006/relationships" xmlns:p="http://schemas.openxmlformats.org/presentationml/2006/main">
+  <p:cSld>
+    <p:spTree>
+      <p:nvGrpSpPr>
+        <p:cNvPr id="1" name=""/>
+        <p:cNvGrpSpPr/>
+        <p:nvPr/>
+      </p:nvGrpSpPr>
+      <p:grpSpPr>
+        <a:xfrm>
+          <a:off x="0" y="0"/>
+          <a:ext cx="0" cy="0"/>
+          <a:chOff x="0" y="0"/>
+          <a:chExt cx="0" cy="0"/>
+        </a:xfrm>
+      </p:grpSpPr>
+      <p:sp>
+        <p:nvSpPr>
+          <p:cNvPr id="12" name="Titel 11"/>
+          <p:cNvSpPr>
+            <a:spLocks noGrp="1"/>
+          </p:cNvSpPr>
+          <p:nvPr>
+            <p:ph type="title"/>
+          </p:nvPr>
+        </p:nvSpPr>
+        <p:spPr/>
+        <p:txBody>
+          <a:bodyPr/>
+          <a:lstStyle/>
+          <a:p>
+            <a:pPr>
+              <a:defRPr/>
+            </a:pPr>
+            <a:r>
+              <a:rPr lang="de-DE" cap="none" dirty="0"/>
+              <a:t>Dependency Injection / Inversion of Control</a:t>
+            </a:r>
+            <a:endParaRPr lang="de-DE" cap="none" dirty="0"/>
+          </a:p>
+        </p:txBody>
+      </p:sp>
+      <p:sp>
+        <p:nvSpPr>
+          <p:cNvPr id="3" name="TextBox 2"/>
+          <p:cNvSpPr txBox="1"/>
+          <p:nvPr/>
+        </p:nvSpPr>
+        <p:spPr bwMode="auto">
+          <a:xfrm>
+            <a:off x="522164" y="1620391"/>
+            <a:ext cx="10081120" cy="4859962"/>
+          </a:xfrm>
+          <a:prstGeom prst="rect">
+            <a:avLst/>
+          </a:prstGeom>
+          <a:solidFill>
+            <a:schemeClr val="bg1"/>
+          </a:solidFill>
+          <a:ln w="9525">
+            <a:noFill/>
+            <a:miter lim="800000"/>
+            <a:headEnd/>
+            <a:tailEnd/>
+          </a:ln>
+        </p:spPr>
+        <p:txBody>
+          <a:bodyPr wrap="square" lIns="180000" tIns="90000" bIns="90000" rtlCol="0">
+            <a:spAutoFit/>
+          </a:bodyPr>
+          <a:lstStyle/>
+          <a:p>
+            <a:r>
+              <a:rPr lang="en-US" sz="1600" dirty="0">
+                <a:solidFill>
+                  <a:srgbClr val="7F0055"/>
+                </a:solidFill>
+                <a:latin typeface="Consolas"/>
+              </a:rPr>
+              <a:t>public</a:t>
+            </a:r>
+            <a:r>
+              <a:rPr lang="en-US" sz="1600" dirty="0">
+                <a:solidFill>
+                  <a:srgbClr val="000000"/>
+                </a:solidFill>
+                <a:latin typeface="Consolas"/>
+              </a:rPr>
+              <a:t> </a:t>
+            </a:r>
+            <a:r>
+              <a:rPr lang="en-US" sz="1600" dirty="0">
+                <a:solidFill>
+                  <a:srgbClr val="7F0055"/>
+                </a:solidFill>
+                <a:latin typeface="Consolas"/>
+              </a:rPr>
+              <a:t>synchronized</a:t>
+            </a:r>
+            <a:r>
+              <a:rPr lang="en-US" sz="1600" dirty="0">
+                <a:solidFill>
+                  <a:srgbClr val="000000"/>
+                </a:solidFill>
+                <a:latin typeface="Consolas"/>
+              </a:rPr>
+              <a:t> </a:t>
+            </a:r>
+            <a:r>
+              <a:rPr lang="en-US" sz="1600" dirty="0">
+                <a:solidFill>
+                  <a:srgbClr val="7F0055"/>
+                </a:solidFill>
+                <a:latin typeface="Consolas"/>
+              </a:rPr>
+              <a:t>void</a:t>
+            </a:r>
+            <a:r>
+              <a:rPr lang="en-US" sz="1600" dirty="0">
+                <a:solidFill>
+                  <a:srgbClr val="000000"/>
+                </a:solidFill>
+                <a:latin typeface="Consolas"/>
+              </a:rPr>
+              <a:t> run() </a:t>
+            </a:r>
+            <a:r>
+              <a:rPr lang="en-US" sz="1600" dirty="0">
+                <a:solidFill>
+                  <a:srgbClr val="7F0055"/>
+                </a:solidFill>
+                <a:latin typeface="Consolas"/>
+              </a:rPr>
+              <a:t>throws</a:t>
+            </a:r>
+            <a:r>
+              <a:rPr lang="en-US" sz="1600" dirty="0">
+                <a:solidFill>
+                  <a:srgbClr val="000000"/>
+                </a:solidFill>
+                <a:latin typeface="Consolas"/>
+              </a:rPr>
+              <a:t> Exception </a:t>
+            </a:r>
+            <a:r>
+              <a:rPr lang="en-US" sz="1600" dirty="0" smtClean="0">
+                <a:solidFill>
+                  <a:srgbClr val="000000"/>
+                </a:solidFill>
+                <a:latin typeface="Consolas"/>
+              </a:rPr>
+              <a:t>{</a:t>
+            </a:r>
+          </a:p>
+          <a:p>
+            <a:r>
+              <a:rPr lang="en-US" sz="1600" dirty="0" smtClean="0">
+                <a:solidFill>
+                  <a:srgbClr val="7F0055"/>
+                </a:solidFill>
+                <a:latin typeface="Consolas"/>
+              </a:rPr>
+              <a:t>    if</a:t>
+            </a:r>
+            <a:r>
+              <a:rPr lang="en-US" sz="1600" dirty="0" smtClean="0">
+                <a:solidFill>
+                  <a:srgbClr val="000000"/>
+                </a:solidFill>
+                <a:latin typeface="Consolas"/>
+              </a:rPr>
+              <a:t> </a:t>
+            </a:r>
+            <a:r>
+              <a:rPr lang="en-US" sz="1600" dirty="0">
+                <a:solidFill>
+                  <a:srgbClr val="000000"/>
+                </a:solidFill>
+                <a:latin typeface="Consolas"/>
+              </a:rPr>
+              <a:t>(</a:t>
+            </a:r>
+            <a:r>
+              <a:rPr lang="en-US" sz="1600" dirty="0">
+                <a:solidFill>
+                  <a:srgbClr val="0000C0"/>
+                </a:solidFill>
+                <a:latin typeface="Consolas"/>
+              </a:rPr>
+              <a:t>initialized</a:t>
+            </a:r>
+            <a:r>
+              <a:rPr lang="en-US" sz="1600" dirty="0">
+                <a:solidFill>
+                  <a:srgbClr val="000000"/>
+                </a:solidFill>
+                <a:latin typeface="Consolas"/>
+              </a:rPr>
+              <a:t>) {</a:t>
+            </a:r>
+          </a:p>
+          <a:p>
+            <a:r>
+              <a:rPr lang="en-US" sz="1600" dirty="0" smtClean="0">
+                <a:solidFill>
+                  <a:srgbClr val="7F0055"/>
+                </a:solidFill>
+                <a:latin typeface="Consolas"/>
+              </a:rPr>
+              <a:t>        return</a:t>
+            </a:r>
+            <a:r>
+              <a:rPr lang="en-US" sz="1600" dirty="0">
+                <a:solidFill>
+                  <a:srgbClr val="000000"/>
+                </a:solidFill>
+                <a:latin typeface="Consolas"/>
+              </a:rPr>
+              <a:t>;</a:t>
+            </a:r>
+          </a:p>
+          <a:p>
+            <a:r>
+              <a:rPr lang="en-US" sz="1600" dirty="0">
+                <a:solidFill>
+                  <a:srgbClr val="000000"/>
+                </a:solidFill>
+                <a:latin typeface="Consolas"/>
+              </a:rPr>
+              <a:t>    </a:t>
+            </a:r>
+            <a:r>
+              <a:rPr lang="en-US" sz="1600" dirty="0" smtClean="0">
+                <a:solidFill>
+                  <a:srgbClr val="000000"/>
+                </a:solidFill>
+                <a:latin typeface="Consolas"/>
+              </a:rPr>
+              <a:t>}</a:t>
+            </a:r>
+            <a:endParaRPr lang="en-US" sz="1600" dirty="0">
+              <a:solidFill>
+                <a:srgbClr val="000000"/>
+              </a:solidFill>
+              <a:latin typeface="Consolas"/>
+            </a:endParaRPr>
+          </a:p>
+          <a:p>
+            <a:r>
+              <a:rPr lang="en-US" sz="1600" dirty="0" smtClean="0">
+                <a:solidFill>
+                  <a:srgbClr val="000000"/>
+                </a:solidFill>
+                <a:latin typeface="Consolas"/>
+              </a:rPr>
+              <a:t>    </a:t>
+            </a:r>
+            <a:r>
+              <a:rPr lang="en-US" sz="1600" dirty="0">
+                <a:solidFill>
+                  <a:srgbClr val="3F7F5F"/>
+                </a:solidFill>
+                <a:latin typeface="Consolas"/>
+              </a:rPr>
+              <a:t>// Find classes annotated with @Component.</a:t>
+            </a:r>
+          </a:p>
+          <a:p>
+            <a:r>
+              <a:rPr lang="en-US" sz="1600" dirty="0" smtClean="0">
+                <a:solidFill>
+                  <a:srgbClr val="000000"/>
+                </a:solidFill>
+                <a:latin typeface="Consolas"/>
+              </a:rPr>
+              <a:t>    </a:t>
+            </a:r>
+            <a:r>
+              <a:rPr lang="en-US" sz="1600" dirty="0">
+                <a:solidFill>
+                  <a:srgbClr val="000000"/>
+                </a:solidFill>
+                <a:latin typeface="Consolas"/>
+              </a:rPr>
+              <a:t>List&lt;Class&gt; components </a:t>
+            </a:r>
+            <a:r>
+              <a:rPr lang="en-US" sz="1600" dirty="0" smtClean="0">
+                <a:solidFill>
+                  <a:srgbClr val="000000"/>
+                </a:solidFill>
+                <a:latin typeface="Consolas"/>
+              </a:rPr>
+              <a:t>= </a:t>
+            </a:r>
+            <a:r>
+              <a:rPr lang="en-US" sz="1600" dirty="0" err="1" smtClean="0">
+                <a:solidFill>
+                  <a:srgbClr val="0000C0"/>
+                </a:solidFill>
+                <a:latin typeface="Consolas"/>
+              </a:rPr>
+              <a:t>packageScanner</a:t>
+            </a:r>
+            <a:r>
+              <a:rPr lang="en-US" sz="1600" dirty="0" err="1" smtClean="0">
+                <a:solidFill>
+                  <a:srgbClr val="000000"/>
+                </a:solidFill>
+                <a:latin typeface="Consolas"/>
+              </a:rPr>
+              <a:t>.findAnnotatedClasses</a:t>
+            </a:r>
+            <a:r>
+              <a:rPr lang="en-US" sz="1600" dirty="0" smtClean="0">
+                <a:solidFill>
+                  <a:srgbClr val="000000"/>
+                </a:solidFill>
+                <a:latin typeface="Consolas"/>
+              </a:rPr>
+              <a:t>(</a:t>
+            </a:r>
+          </a:p>
+          <a:p>
+            <a:r>
+              <a:rPr lang="en-US" sz="1600" dirty="0" smtClean="0">
+                <a:solidFill>
+                  <a:srgbClr val="2A00FF"/>
+                </a:solidFill>
+                <a:latin typeface="Consolas"/>
+              </a:rPr>
+              <a:t>                              "</a:t>
+            </a:r>
+            <a:r>
+              <a:rPr lang="en-US" sz="1600" dirty="0" err="1">
+                <a:solidFill>
+                  <a:srgbClr val="2A00FF"/>
+                </a:solidFill>
+                <a:latin typeface="Consolas"/>
+              </a:rPr>
+              <a:t>rs.codecentric.meetup.diioc.example</a:t>
+            </a:r>
+            <a:r>
+              <a:rPr lang="en-US" sz="1600" dirty="0" smtClean="0">
+                <a:solidFill>
+                  <a:srgbClr val="2A00FF"/>
+                </a:solidFill>
+                <a:latin typeface="Consolas"/>
+              </a:rPr>
+              <a:t>"</a:t>
+            </a:r>
+            <a:r>
+              <a:rPr lang="en-US" sz="1600" dirty="0" smtClean="0">
+                <a:solidFill>
+                  <a:srgbClr val="000000"/>
+                </a:solidFill>
+                <a:latin typeface="Consolas"/>
+              </a:rPr>
+              <a:t>, </a:t>
+            </a:r>
+            <a:r>
+              <a:rPr lang="en-US" sz="1600" dirty="0" err="1" smtClean="0">
+                <a:solidFill>
+                  <a:srgbClr val="646464"/>
+                </a:solidFill>
+                <a:latin typeface="Consolas"/>
+              </a:rPr>
+              <a:t>Component</a:t>
+            </a:r>
+            <a:r>
+              <a:rPr lang="en-US" sz="1600" dirty="0" err="1" smtClean="0">
+                <a:solidFill>
+                  <a:srgbClr val="000000"/>
+                </a:solidFill>
+                <a:latin typeface="Consolas"/>
+              </a:rPr>
+              <a:t>.</a:t>
+            </a:r>
+            <a:r>
+              <a:rPr lang="en-US" sz="1600" dirty="0" err="1" smtClean="0">
+                <a:solidFill>
+                  <a:srgbClr val="7F0055"/>
+                </a:solidFill>
+                <a:latin typeface="Consolas"/>
+              </a:rPr>
+              <a:t>class</a:t>
+            </a:r>
+            <a:r>
+              <a:rPr lang="en-US" sz="1600" dirty="0" smtClean="0">
+                <a:solidFill>
+                  <a:srgbClr val="000000"/>
+                </a:solidFill>
+                <a:latin typeface="Consolas"/>
+              </a:rPr>
+              <a:t>);</a:t>
+            </a:r>
+          </a:p>
+          <a:p>
+            <a:endParaRPr lang="en-US" sz="1600" dirty="0">
+              <a:solidFill>
+                <a:srgbClr val="000000"/>
+              </a:solidFill>
+              <a:latin typeface="Consolas"/>
+            </a:endParaRPr>
+          </a:p>
+          <a:p>
+            <a:r>
+              <a:rPr lang="en-US" sz="1600" dirty="0" smtClean="0">
+                <a:solidFill>
+                  <a:srgbClr val="000000"/>
+                </a:solidFill>
+                <a:latin typeface="Consolas"/>
+              </a:rPr>
+              <a:t>    </a:t>
+            </a:r>
+            <a:r>
+              <a:rPr lang="en-US" sz="1600" dirty="0">
+                <a:solidFill>
+                  <a:srgbClr val="3F7F5F"/>
+                </a:solidFill>
+                <a:latin typeface="Consolas"/>
+              </a:rPr>
+              <a:t>// For each component...</a:t>
+            </a:r>
+          </a:p>
+          <a:p>
+            <a:r>
+              <a:rPr lang="en-US" sz="1600" dirty="0" smtClean="0">
+                <a:solidFill>
+                  <a:srgbClr val="000000"/>
+                </a:solidFill>
+                <a:latin typeface="Consolas"/>
+              </a:rPr>
+              <a:t>    </a:t>
+            </a:r>
+            <a:r>
+              <a:rPr lang="en-US" sz="1600" dirty="0">
+                <a:solidFill>
+                  <a:srgbClr val="7F0055"/>
+                </a:solidFill>
+                <a:latin typeface="Consolas"/>
+              </a:rPr>
+              <a:t>for</a:t>
+            </a:r>
+            <a:r>
+              <a:rPr lang="en-US" sz="1600" dirty="0">
+                <a:solidFill>
+                  <a:srgbClr val="000000"/>
+                </a:solidFill>
+                <a:latin typeface="Consolas"/>
+              </a:rPr>
+              <a:t> (Class component : components) {</a:t>
+            </a:r>
+          </a:p>
+          <a:p>
+            <a:r>
+              <a:rPr lang="en-US" sz="1600" dirty="0" smtClean="0">
+                <a:solidFill>
+                  <a:srgbClr val="000000"/>
+                </a:solidFill>
+                <a:latin typeface="Consolas"/>
+              </a:rPr>
+              <a:t>        </a:t>
+            </a:r>
+            <a:r>
+              <a:rPr lang="en-US" sz="1600" dirty="0">
+                <a:solidFill>
+                  <a:srgbClr val="000000"/>
+                </a:solidFill>
+                <a:latin typeface="Consolas"/>
+              </a:rPr>
+              <a:t>Class </a:t>
+            </a:r>
+            <a:r>
+              <a:rPr lang="en-US" sz="1600" dirty="0" err="1">
+                <a:solidFill>
+                  <a:srgbClr val="000000"/>
+                </a:solidFill>
+                <a:latin typeface="Consolas"/>
+              </a:rPr>
+              <a:t>definingClass</a:t>
+            </a:r>
+            <a:r>
+              <a:rPr lang="en-US" sz="1600" dirty="0">
+                <a:solidFill>
+                  <a:srgbClr val="000000"/>
+                </a:solidFill>
+                <a:latin typeface="Consolas"/>
+              </a:rPr>
+              <a:t> = </a:t>
+            </a:r>
+            <a:r>
+              <a:rPr lang="en-US" sz="1600" dirty="0" err="1">
+                <a:solidFill>
+                  <a:srgbClr val="0000C0"/>
+                </a:solidFill>
+                <a:latin typeface="Consolas"/>
+              </a:rPr>
+              <a:t>classScanner</a:t>
+            </a:r>
+            <a:r>
+              <a:rPr lang="en-US" sz="1600" dirty="0" err="1">
+                <a:solidFill>
+                  <a:srgbClr val="000000"/>
+                </a:solidFill>
+                <a:latin typeface="Consolas"/>
+              </a:rPr>
+              <a:t>.getDefiningClass</a:t>
+            </a:r>
+            <a:r>
+              <a:rPr lang="en-US" sz="1600" dirty="0">
+                <a:solidFill>
+                  <a:srgbClr val="000000"/>
+                </a:solidFill>
+                <a:latin typeface="Consolas"/>
+              </a:rPr>
+              <a:t>(component);</a:t>
+            </a:r>
+          </a:p>
+          <a:p>
+            <a:r>
+              <a:rPr lang="en-US" sz="1600" dirty="0" smtClean="0">
+                <a:solidFill>
+                  <a:srgbClr val="000000"/>
+                </a:solidFill>
+                <a:latin typeface="Consolas"/>
+              </a:rPr>
+              <a:t>        </a:t>
+            </a:r>
+            <a:r>
+              <a:rPr lang="en-US" sz="1600" dirty="0">
+                <a:solidFill>
+                  <a:srgbClr val="3F7F5F"/>
+                </a:solidFill>
+                <a:latin typeface="Consolas"/>
+              </a:rPr>
+              <a:t>// ... check if its instance already exists...</a:t>
+            </a:r>
+          </a:p>
+          <a:p>
+            <a:r>
+              <a:rPr lang="en-US" sz="1600" dirty="0" smtClean="0">
+                <a:solidFill>
+                  <a:srgbClr val="000000"/>
+                </a:solidFill>
+                <a:latin typeface="Consolas"/>
+              </a:rPr>
+              <a:t>        </a:t>
+            </a:r>
+            <a:r>
+              <a:rPr lang="en-US" sz="1600" dirty="0">
+                <a:solidFill>
+                  <a:srgbClr val="7F0055"/>
+                </a:solidFill>
+                <a:latin typeface="Consolas"/>
+              </a:rPr>
+              <a:t>if</a:t>
+            </a:r>
+            <a:r>
+              <a:rPr lang="en-US" sz="1600" dirty="0">
+                <a:solidFill>
+                  <a:srgbClr val="000000"/>
+                </a:solidFill>
+                <a:latin typeface="Consolas"/>
+              </a:rPr>
+              <a:t> (!</a:t>
+            </a:r>
+            <a:r>
+              <a:rPr lang="en-US" sz="1600" dirty="0" err="1">
+                <a:solidFill>
+                  <a:srgbClr val="0000C0"/>
+                </a:solidFill>
+                <a:latin typeface="Consolas"/>
+              </a:rPr>
+              <a:t>graph</a:t>
+            </a:r>
+            <a:r>
+              <a:rPr lang="en-US" sz="1600" dirty="0" err="1">
+                <a:solidFill>
+                  <a:srgbClr val="000000"/>
+                </a:solidFill>
+                <a:latin typeface="Consolas"/>
+              </a:rPr>
+              <a:t>.containsKey</a:t>
+            </a:r>
+            <a:r>
+              <a:rPr lang="en-US" sz="1600" dirty="0">
+                <a:solidFill>
+                  <a:srgbClr val="000000"/>
+                </a:solidFill>
+                <a:latin typeface="Consolas"/>
+              </a:rPr>
+              <a:t>(</a:t>
+            </a:r>
+            <a:r>
+              <a:rPr lang="en-US" sz="1600" dirty="0" err="1">
+                <a:solidFill>
+                  <a:srgbClr val="000000"/>
+                </a:solidFill>
+                <a:latin typeface="Consolas"/>
+              </a:rPr>
+              <a:t>definingClass</a:t>
+            </a:r>
+            <a:r>
+              <a:rPr lang="en-US" sz="1600" dirty="0">
+                <a:solidFill>
+                  <a:srgbClr val="000000"/>
+                </a:solidFill>
+                <a:latin typeface="Consolas"/>
+              </a:rPr>
+              <a:t>)) {</a:t>
+            </a:r>
+          </a:p>
+          <a:p>
+            <a:r>
+              <a:rPr lang="en-US" sz="1600" dirty="0" smtClean="0">
+                <a:solidFill>
+                  <a:srgbClr val="000000"/>
+                </a:solidFill>
+                <a:latin typeface="Consolas"/>
+              </a:rPr>
+              <a:t>            </a:t>
+            </a:r>
+            <a:r>
+              <a:rPr lang="en-US" sz="1600" dirty="0">
+                <a:solidFill>
+                  <a:srgbClr val="3F7F5F"/>
+                </a:solidFill>
+                <a:latin typeface="Consolas"/>
+              </a:rPr>
+              <a:t>// ... and instantiate it, if it doesn't.</a:t>
+            </a:r>
+          </a:p>
+          <a:p>
+            <a:r>
+              <a:rPr lang="en-US" sz="1600" dirty="0">
+                <a:solidFill>
+                  <a:srgbClr val="000000"/>
+                </a:solidFill>
+                <a:latin typeface="Consolas"/>
+              </a:rPr>
+              <a:t>     </a:t>
+            </a:r>
+            <a:r>
+              <a:rPr lang="en-US" sz="1600" dirty="0" smtClean="0">
+                <a:solidFill>
+                  <a:srgbClr val="000000"/>
+                </a:solidFill>
+                <a:latin typeface="Consolas"/>
+              </a:rPr>
+              <a:t>       </a:t>
+            </a:r>
+            <a:r>
+              <a:rPr lang="en-US" sz="1600" dirty="0">
+                <a:solidFill>
+                  <a:srgbClr val="000000"/>
+                </a:solidFill>
+                <a:latin typeface="Consolas"/>
+              </a:rPr>
+              <a:t>String </a:t>
+            </a:r>
+            <a:r>
+              <a:rPr lang="en-US" sz="1600" dirty="0" err="1">
+                <a:solidFill>
+                  <a:srgbClr val="000000"/>
+                </a:solidFill>
+                <a:latin typeface="Consolas"/>
+              </a:rPr>
+              <a:t>className</a:t>
+            </a:r>
+            <a:r>
+              <a:rPr lang="en-US" sz="1600" dirty="0">
+                <a:solidFill>
+                  <a:srgbClr val="000000"/>
+                </a:solidFill>
+                <a:latin typeface="Consolas"/>
+              </a:rPr>
+              <a:t> = </a:t>
+            </a:r>
+            <a:r>
+              <a:rPr lang="en-US" sz="1600" dirty="0" err="1">
+                <a:solidFill>
+                  <a:srgbClr val="000000"/>
+                </a:solidFill>
+                <a:latin typeface="Consolas"/>
+              </a:rPr>
+              <a:t>component.getName</a:t>
+            </a:r>
+            <a:r>
+              <a:rPr lang="en-US" sz="1600" dirty="0">
+                <a:solidFill>
+                  <a:srgbClr val="000000"/>
+                </a:solidFill>
+                <a:latin typeface="Consolas"/>
+              </a:rPr>
+              <a:t>();</a:t>
+            </a:r>
+          </a:p>
+          <a:p>
+            <a:r>
+              <a:rPr lang="en-US" sz="1600" dirty="0" smtClean="0">
+                <a:solidFill>
+                  <a:srgbClr val="0000C0"/>
+                </a:solidFill>
+                <a:latin typeface="Consolas"/>
+              </a:rPr>
+              <a:t>            </a:t>
+            </a:r>
+            <a:r>
+              <a:rPr lang="en-US" sz="1600" dirty="0" err="1" smtClean="0">
+                <a:solidFill>
+                  <a:srgbClr val="0000C0"/>
+                </a:solidFill>
+                <a:latin typeface="Consolas"/>
+              </a:rPr>
+              <a:t>graph</a:t>
+            </a:r>
+            <a:r>
+              <a:rPr lang="en-US" sz="1600" dirty="0" err="1" smtClean="0">
+                <a:solidFill>
+                  <a:srgbClr val="000000"/>
+                </a:solidFill>
+                <a:latin typeface="Consolas"/>
+              </a:rPr>
+              <a:t>.put</a:t>
+            </a:r>
+            <a:r>
+              <a:rPr lang="en-US" sz="1600" dirty="0" smtClean="0">
+                <a:solidFill>
+                  <a:srgbClr val="000000"/>
+                </a:solidFill>
+                <a:latin typeface="Consolas"/>
+              </a:rPr>
+              <a:t>(</a:t>
+            </a:r>
+            <a:r>
+              <a:rPr lang="en-US" sz="1600" dirty="0" err="1" smtClean="0">
+                <a:solidFill>
+                  <a:srgbClr val="000000"/>
+                </a:solidFill>
+                <a:latin typeface="Consolas"/>
+              </a:rPr>
+              <a:t>definingClass</a:t>
+            </a:r>
+            <a:r>
+              <a:rPr lang="en-US" sz="1600" dirty="0" smtClean="0">
+                <a:solidFill>
+                  <a:srgbClr val="000000"/>
+                </a:solidFill>
+                <a:latin typeface="Consolas"/>
+              </a:rPr>
+              <a:t>, </a:t>
+            </a:r>
+            <a:r>
+              <a:rPr lang="en-US" sz="1600" dirty="0" err="1" smtClean="0">
+                <a:solidFill>
+                  <a:srgbClr val="000000"/>
+                </a:solidFill>
+                <a:latin typeface="Consolas"/>
+              </a:rPr>
+              <a:t>Class.</a:t>
+            </a:r>
+            <a:r>
+              <a:rPr lang="en-US" sz="1600" i="1" dirty="0" err="1" smtClean="0">
+                <a:solidFill>
+                  <a:srgbClr val="000000"/>
+                </a:solidFill>
+                <a:latin typeface="Consolas"/>
+              </a:rPr>
+              <a:t>forName</a:t>
+            </a:r>
+            <a:r>
+              <a:rPr lang="en-US" sz="1600" i="1" dirty="0" smtClean="0">
+                <a:solidFill>
+                  <a:srgbClr val="000000"/>
+                </a:solidFill>
+                <a:latin typeface="Consolas"/>
+              </a:rPr>
+              <a:t>(</a:t>
+            </a:r>
+            <a:r>
+              <a:rPr lang="en-US" sz="1600" i="1" dirty="0" err="1" smtClean="0">
+                <a:solidFill>
+                  <a:srgbClr val="000000"/>
+                </a:solidFill>
+                <a:latin typeface="Consolas"/>
+              </a:rPr>
+              <a:t>component.getName</a:t>
+            </a:r>
+            <a:r>
+              <a:rPr lang="en-US" sz="1600" i="1" dirty="0">
+                <a:solidFill>
+                  <a:srgbClr val="000000"/>
+                </a:solidFill>
+                <a:latin typeface="Consolas"/>
+              </a:rPr>
+              <a:t>()).</a:t>
+            </a:r>
+            <a:r>
+              <a:rPr lang="en-US" sz="1600" i="1" dirty="0" err="1">
+                <a:solidFill>
+                  <a:srgbClr val="000000"/>
+                </a:solidFill>
+                <a:latin typeface="Consolas"/>
+              </a:rPr>
+              <a:t>newInstance</a:t>
+            </a:r>
+            <a:r>
+              <a:rPr lang="en-US" sz="1600" i="1" dirty="0">
+                <a:solidFill>
+                  <a:srgbClr val="000000"/>
+                </a:solidFill>
+                <a:latin typeface="Consolas"/>
+              </a:rPr>
+              <a:t>());</a:t>
+            </a:r>
+          </a:p>
+          <a:p>
+            <a:r>
+              <a:rPr lang="en-US" sz="1600" dirty="0">
+                <a:solidFill>
+                  <a:srgbClr val="000000"/>
+                </a:solidFill>
+                <a:latin typeface="Consolas"/>
+              </a:rPr>
+              <a:t>            }</a:t>
+            </a:r>
+          </a:p>
+          <a:p>
+            <a:r>
+              <a:rPr lang="en-US" sz="1600" dirty="0">
+                <a:solidFill>
+                  <a:srgbClr val="000000"/>
+                </a:solidFill>
+                <a:latin typeface="Consolas"/>
+              </a:rPr>
+              <a:t>        }</a:t>
+            </a:r>
+          </a:p>
+          <a:p>
+            <a:r>
+              <a:rPr lang="en-US" sz="1600" smtClean="0">
+                <a:solidFill>
+                  <a:srgbClr val="000000"/>
+                </a:solidFill>
+                <a:latin typeface="Consolas"/>
+              </a:rPr>
+              <a:t>    }</a:t>
+            </a:r>
+            <a:endParaRPr lang="en-US" sz="1600" dirty="0">
+              <a:solidFill>
+                <a:srgbClr val="000000"/>
+              </a:solidFill>
+              <a:latin typeface="Consolas"/>
+            </a:endParaRPr>
+          </a:p>
+        </p:txBody>
+      </p:sp>
+    </p:spTree>
+    <p:extLst>
+      <p:ext uri="{BB962C8B-B14F-4D97-AF65-F5344CB8AC3E}">
+        <p14:creationId xmlns:p14="http://schemas.microsoft.com/office/powerpoint/2010/main" val="2187829954"/>
+      </p:ext>
+    </p:extLst>
+  </p:cSld>
+  <p:clrMapOvr>
+    <a:masterClrMapping/>
+  </p:clrMapOvr>
+  <p:transition>
+    <p:fade/>
+  </p:transition>
+  <p:timing>
+    <p:tnLst>
+      <p:par>
+        <p:cTn id="1" dur="indefinite" restart="never" nodeType="tmRoot"/>
+      </p:par>
+    </p:tnLst>
+  </p:timing>
+</p:sld>
+</file>
+
+<file path=ppt/slides/slide18.xml><?xml version="1.0" encoding="utf-8"?>
 <p:sld xmlns:a="http://schemas.openxmlformats.org/drawingml/2006/main" xmlns:r="http://schemas.openxmlformats.org/officeDocument/2006/relationships" xmlns:p="http://schemas.openxmlformats.org/presentationml/2006/main">
   <p:cSld>
     <p:spTree>
@@ -7114,7 +10030,7 @@
         <p:spPr>
           <a:xfrm>
             <a:off x="539750" y="1944688"/>
-            <a:ext cx="4806950" cy="4751387"/>
+            <a:ext cx="5527030" cy="4751387"/>
           </a:xfrm>
         </p:spPr>
         <p:txBody>
@@ -7122,26 +10038,50 @@
           <a:lstStyle/>
           <a:p>
             <a:pPr marL="0" indent="0">
-              <a:buFont typeface="Symbol" pitchFamily="18" charset="2"/>
               <a:buNone/>
             </a:pPr>
             <a:r>
-              <a:rPr lang="en-US" dirty="0" err="1" smtClean="0">
+              <a:rPr lang="en-US" dirty="0">
                 <a:ea typeface="ＭＳ Ｐゴシック" pitchFamily="34" charset="-128"/>
               </a:rPr>
-              <a:t>Dusan</a:t>
+              <a:t>https://github.com/dzamurovic/meetup_singleton.git</a:t>
             </a:r>
             <a:r>
               <a:rPr lang="en-US" dirty="0" smtClean="0">
                 <a:ea typeface="ＭＳ Ｐゴシック" pitchFamily="34" charset="-128"/>
               </a:rPr>
-              <a:t> </a:t>
-            </a:r>
-            <a:r>
-              <a:rPr lang="en-US" dirty="0" err="1" smtClean="0">
+              <a:t/>
+            </a:r>
+            <a:br>
+              <a:rPr lang="en-US" dirty="0" smtClean="0">
                 <a:ea typeface="ＭＳ Ｐゴシック" pitchFamily="34" charset="-128"/>
               </a:rPr>
-              <a:t>Zamurovic</a:t>
+            </a:br>
+            <a:endParaRPr lang="en-US" dirty="0" smtClean="0">
+              <a:ea typeface="ＭＳ Ｐゴシック" pitchFamily="34" charset="-128"/>
+            </a:endParaRPr>
+          </a:p>
+          <a:p>
+            <a:pPr marL="0" indent="0">
+              <a:buNone/>
+            </a:pPr>
+            <a:r>
+              <a:rPr lang="en-US" dirty="0" smtClean="0">
+                <a:ea typeface="ＭＳ Ｐゴシック" pitchFamily="34" charset="-128"/>
+              </a:rPr>
+              <a:t/>
+            </a:r>
+            <a:br>
+              <a:rPr lang="en-US" dirty="0" smtClean="0">
+                <a:ea typeface="ＭＳ Ｐゴシック" pitchFamily="34" charset="-128"/>
+              </a:rPr>
+            </a:br>
+            <a:r>
+              <a:rPr lang="en-US" dirty="0" smtClean="0">
+                <a:ea typeface="ＭＳ Ｐゴシック" pitchFamily="34" charset="-128"/>
+                <a:hlinkClick r:id="rId4"/>
+              </a:rPr>
+              <a:t>dusan.zamurovic@codecentric.de</a:t>
             </a:r>
             <a:endParaRPr lang="en-US" dirty="0" smtClean="0">
               <a:ea typeface="ＭＳ Ｐゴシック" pitchFamily="34" charset="-128"/>
@@ -7155,12 +10095,85 @@
             <a:r>
               <a:rPr lang="en-US" dirty="0" smtClean="0">
                 <a:ea typeface="ＭＳ Ｐゴシック" pitchFamily="34" charset="-128"/>
-              </a:rPr>
-              <a:t>IT Consultant</a:t>
+                <a:hlinkClick r:id="rId5"/>
+              </a:rPr>
+              <a:t>@</a:t>
+            </a:r>
+            <a:r>
+              <a:rPr lang="en-US" dirty="0" err="1" smtClean="0">
+                <a:ea typeface="ＭＳ Ｐゴシック" pitchFamily="34" charset="-128"/>
+                <a:hlinkClick r:id="rId5"/>
+              </a:rPr>
+              <a:t>ezamur</a:t>
+            </a:r>
+            <a:endParaRPr lang="en-US" dirty="0" smtClean="0">
+              <a:ea typeface="ＭＳ Ｐゴシック" pitchFamily="34" charset="-128"/>
+              <a:hlinkClick r:id="rId5"/>
+            </a:endParaRPr>
+          </a:p>
+          <a:p>
+            <a:pPr marL="0" indent="0">
+              <a:buFont typeface="Symbol" pitchFamily="18" charset="2"/>
+              <a:buNone/>
+            </a:pPr>
+            <a:endParaRPr lang="en-US" dirty="0" smtClean="0">
+              <a:ea typeface="ＭＳ Ｐゴシック" pitchFamily="34" charset="-128"/>
+              <a:hlinkClick r:id="rId6"/>
+            </a:endParaRPr>
+          </a:p>
+          <a:p>
+            <a:pPr marL="0" indent="0">
+              <a:buFont typeface="Symbol" pitchFamily="18" charset="2"/>
+              <a:buNone/>
+            </a:pPr>
+            <a:r>
+              <a:rPr lang="en-US" dirty="0" smtClean="0">
+                <a:ea typeface="ＭＳ Ｐゴシック" pitchFamily="34" charset="-128"/>
+                <a:hlinkClick r:id="rId6"/>
+              </a:rPr>
+              <a:t>@</a:t>
+            </a:r>
+            <a:r>
+              <a:rPr lang="en-US" dirty="0" err="1" smtClean="0">
+                <a:ea typeface="ＭＳ Ｐゴシック" pitchFamily="34" charset="-128"/>
+                <a:hlinkClick r:id="rId6"/>
+              </a:rPr>
+              <a:t>CodingSerbia</a:t>
+            </a:r>
+            <a:endParaRPr lang="en-US" dirty="0" smtClean="0">
+              <a:ea typeface="ＭＳ Ｐゴシック" pitchFamily="34" charset="-128"/>
+              <a:hlinkClick r:id="rId5"/>
+            </a:endParaRPr>
+          </a:p>
+          <a:p>
+            <a:pPr marL="0" indent="0">
+              <a:buNone/>
+            </a:pPr>
+            <a:r>
+              <a:rPr lang="en-US" dirty="0" smtClean="0">
+                <a:ea typeface="ＭＳ Ｐゴシック" pitchFamily="34" charset="-128"/>
+                <a:hlinkClick r:id="rId5"/>
+              </a:rPr>
+              <a:t>http</a:t>
+            </a:r>
+            <a:r>
+              <a:rPr lang="en-US" dirty="0">
+                <a:ea typeface="ＭＳ Ｐゴシック" pitchFamily="34" charset="-128"/>
+                <a:hlinkClick r:id="rId5"/>
+              </a:rPr>
+              <a:t>://www.meetup.com/Coding-Serbia/</a:t>
+            </a:r>
+            <a:r>
+              <a:rPr lang="en-US" dirty="0" smtClean="0">
+                <a:ea typeface="ＭＳ Ｐゴシック" pitchFamily="34" charset="-128"/>
+                <a:hlinkClick r:id="rId5"/>
+              </a:rPr>
+              <a:t/>
             </a:r>
             <a:br>
               <a:rPr lang="en-US" dirty="0" smtClean="0">
                 <a:ea typeface="ＭＳ Ｐゴシック" pitchFamily="34" charset="-128"/>
+                <a:hlinkClick r:id="rId5"/>
               </a:rPr>
             </a:br>
             <a:endParaRPr lang="en-US" dirty="0" smtClean="0">
@@ -7173,28 +10186,10 @@
               <a:buNone/>
             </a:pPr>
             <a:r>
-              <a:rPr lang="en-US" dirty="0" err="1" smtClean="0">
-                <a:ea typeface="ＭＳ Ｐゴシック" pitchFamily="34" charset="-128"/>
-              </a:rPr>
-              <a:t>codecentric</a:t>
-            </a:r>
-            <a:r>
               <a:rPr lang="en-US" dirty="0" smtClean="0">
                 <a:ea typeface="ＭＳ Ｐゴシック" pitchFamily="34" charset="-128"/>
               </a:rPr>
-              <a:t> </a:t>
-            </a:r>
-            <a:r>
-              <a:rPr lang="en-US" dirty="0" err="1" smtClean="0">
-                <a:ea typeface="ＭＳ Ｐゴシック" pitchFamily="34" charset="-128"/>
-              </a:rPr>
-              <a:t>d.o.o</a:t>
-            </a:r>
-            <a:r>
-              <a:rPr lang="en-US" dirty="0" smtClean="0">
-                <a:ea typeface="ＭＳ Ｐゴシック" pitchFamily="34" charset="-128"/>
-              </a:rPr>
-              <a:t>.</a:t>
+              <a:t/>
             </a:r>
             <a:br>
               <a:rPr lang="en-US" dirty="0" smtClean="0">
@@ -7202,66 +10197,33 @@
               </a:rPr>
             </a:br>
             <a:r>
-              <a:rPr lang="en-US" dirty="0" err="1" smtClean="0">
-                <a:ea typeface="ＭＳ Ｐゴシック" pitchFamily="34" charset="-128"/>
-              </a:rPr>
-              <a:t>Bulever</a:t>
-            </a:r>
-            <a:r>
               <a:rPr lang="en-US" dirty="0" smtClean="0">
                 <a:ea typeface="ＭＳ Ｐゴシック" pitchFamily="34" charset="-128"/>
-              </a:rPr>
-              <a:t> </a:t>
-            </a:r>
-            <a:r>
-              <a:rPr lang="en-US" dirty="0" err="1" smtClean="0">
-                <a:ea typeface="ＭＳ Ｐゴシック" pitchFamily="34" charset="-128"/>
-              </a:rPr>
-              <a:t>oslobodjenja</a:t>
-            </a:r>
-            <a:r>
-              <a:rPr lang="en-US" dirty="0" smtClean="0">
-                <a:ea typeface="ＭＳ Ｐゴシック" pitchFamily="34" charset="-128"/>
-              </a:rPr>
-              <a:t> 127/XIII</a:t>
-            </a:r>
-            <a:br>
-              <a:rPr lang="en-US" dirty="0" smtClean="0">
-                <a:ea typeface="ＭＳ Ｐゴシック" pitchFamily="34" charset="-128"/>
-              </a:rPr>
-            </a:br>
-            <a:r>
-              <a:rPr lang="en-US" dirty="0" smtClean="0">
-                <a:ea typeface="ＭＳ Ｐゴシック" pitchFamily="34" charset="-128"/>
-              </a:rPr>
-              <a:t>Novi Sad</a:t>
-            </a:r>
-            <a:br>
-              <a:rPr lang="en-US" dirty="0" smtClean="0">
-                <a:ea typeface="ＭＳ Ｐゴシック" pitchFamily="34" charset="-128"/>
-              </a:rPr>
-            </a:br>
-            <a:r>
-              <a:rPr lang="en-US" dirty="0" smtClean="0">
-                <a:ea typeface="ＭＳ Ｐゴシック" pitchFamily="34" charset="-128"/>
-              </a:rPr>
-              <a:t/>
-            </a:r>
-            <a:br>
-              <a:rPr lang="en-US" dirty="0" smtClean="0">
-                <a:ea typeface="ＭＳ Ｐゴシック" pitchFamily="34" charset="-128"/>
-              </a:rPr>
-            </a:br>
-            <a:r>
-              <a:rPr lang="en-US" dirty="0" smtClean="0">
-                <a:ea typeface="ＭＳ Ｐゴシック" pitchFamily="34" charset="-128"/>
-                <a:hlinkClick r:id="rId4"/>
-              </a:rPr>
-              <a:t>dusan.zamurovic@codecentric.de</a:t>
+                <a:hlinkClick r:id="rId7"/>
+              </a:rPr>
+              <a:t>www.codecentric.de</a:t>
             </a:r>
             <a:endParaRPr lang="en-US" dirty="0" smtClean="0">
               <a:ea typeface="ＭＳ Ｐゴシック" pitchFamily="34" charset="-128"/>
             </a:endParaRPr>
+          </a:p>
+          <a:p>
+            <a:pPr marL="0" indent="0">
+              <a:buNone/>
+            </a:pPr>
+            <a:r>
+              <a:rPr lang="en-US" dirty="0" smtClean="0">
+                <a:ea typeface="ＭＳ Ｐゴシック" pitchFamily="34" charset="-128"/>
+                <a:hlinkClick r:id="rId8"/>
+              </a:rPr>
+              <a:t>www.codecentric.rs</a:t>
+            </a:r>
+            <a:r>
+              <a:rPr lang="en-US" dirty="0" smtClean="0">
+                <a:ea typeface="ＭＳ Ｐゴシック" pitchFamily="34" charset="-128"/>
+              </a:rPr>
+              <a:t> </a:t>
+            </a:r>
           </a:p>
           <a:p>
             <a:pPr marL="0" indent="0">
@@ -7271,96 +10233,16 @@
             <a:r>
               <a:rPr lang="en-US" dirty="0" smtClean="0">
                 <a:ea typeface="ＭＳ Ｐゴシック" pitchFamily="34" charset="-128"/>
-              </a:rPr>
-              <a:t>Twitter</a:t>
+                <a:hlinkClick r:id="rId9"/>
+              </a:rPr>
+              <a:t>https://blog.codecentric.de</a:t>
             </a:r>
             <a:r>
               <a:rPr lang="en-US" dirty="0" smtClean="0">
                 <a:ea typeface="ＭＳ Ｐゴシック" pitchFamily="34" charset="-128"/>
               </a:rPr>
-              <a:t>: @</a:t>
-            </a:r>
-            <a:r>
-              <a:rPr lang="en-US" dirty="0" err="1" smtClean="0">
-                <a:ea typeface="ＭＳ Ｐゴシック" pitchFamily="34" charset="-128"/>
-              </a:rPr>
-              <a:t>ezamur</a:t>
-            </a:r>
-            <a:r>
-              <a:rPr lang="en-US" dirty="0" smtClean="0">
-                <a:ea typeface="ＭＳ Ｐゴシック" pitchFamily="34" charset="-128"/>
-              </a:rPr>
-              <a:t/>
-            </a:r>
-            <a:br>
-              <a:rPr lang="en-US" dirty="0" smtClean="0">
-                <a:ea typeface="ＭＳ Ｐゴシック" pitchFamily="34" charset="-128"/>
-              </a:rPr>
-            </a:br>
-            <a:r>
-              <a:rPr lang="en-US" dirty="0" smtClean="0">
-                <a:ea typeface="ＭＳ Ｐゴシック" pitchFamily="34" charset="-128"/>
-              </a:rPr>
-              <a:t/>
-            </a:r>
-            <a:br>
-              <a:rPr lang="en-US" dirty="0" smtClean="0">
-                <a:ea typeface="ＭＳ Ｐゴシック" pitchFamily="34" charset="-128"/>
-              </a:rPr>
-            </a:br>
-            <a:r>
-              <a:rPr lang="en-US" dirty="0" smtClean="0">
-                <a:ea typeface="ＭＳ Ｐゴシック" pitchFamily="34" charset="-128"/>
-                <a:hlinkClick r:id="rId5"/>
-              </a:rPr>
-              <a:t>www.codecentric.de</a:t>
-            </a:r>
-            <a:endParaRPr lang="en-US" dirty="0" smtClean="0">
-              <a:ea typeface="ＭＳ Ｐゴシック" pitchFamily="34" charset="-128"/>
-            </a:endParaRPr>
-          </a:p>
-          <a:p>
-            <a:pPr marL="0" indent="0">
-              <a:buNone/>
-            </a:pPr>
-            <a:r>
-              <a:rPr lang="en-US" dirty="0" smtClean="0">
-                <a:ea typeface="ＭＳ Ｐゴシック" pitchFamily="34" charset="-128"/>
-                <a:hlinkClick r:id="rId6"/>
-              </a:rPr>
-              <a:t>www.codecentric.rs</a:t>
-            </a:r>
-            <a:r>
-              <a:rPr lang="en-US" dirty="0" smtClean="0">
-                <a:ea typeface="ＭＳ Ｐゴシック" pitchFamily="34" charset="-128"/>
-              </a:rPr>
               <a:t> </a:t>
             </a:r>
-            <a:endParaRPr lang="en-US" dirty="0" smtClean="0">
-              <a:ea typeface="ＭＳ Ｐゴシック" pitchFamily="34" charset="-128"/>
-            </a:endParaRPr>
-          </a:p>
-          <a:p>
-            <a:pPr marL="0" indent="0">
-              <a:buFont typeface="Symbol" pitchFamily="18" charset="2"/>
-              <a:buNone/>
-            </a:pPr>
-            <a:r>
-              <a:rPr lang="en-US" dirty="0" smtClean="0">
-                <a:ea typeface="ＭＳ Ｐゴシック" pitchFamily="34" charset="-128"/>
-                <a:hlinkClick r:id="rId7"/>
-              </a:rPr>
-              <a:t>https://blog.codecentric.de</a:t>
-            </a:r>
-            <a:r>
-              <a:rPr lang="en-US" dirty="0" smtClean="0">
-                <a:ea typeface="ＭＳ Ｐゴシック" pitchFamily="34" charset="-128"/>
-              </a:rPr>
-              <a:t> </a:t>
-            </a:r>
-            <a:endParaRPr lang="en-US" dirty="0" smtClean="0">
-              <a:ea typeface="ＭＳ Ｐゴシック" pitchFamily="34" charset="-128"/>
-            </a:endParaRPr>
           </a:p>
         </p:txBody>
       </p:sp>
@@ -7387,7 +10269,7 @@
               <a:pPr>
                 <a:defRPr/>
               </a:pPr>
-              <a:t>6/24/2014</a:t>
+              <a:t>6/25/2014</a:t>
             </a:fld>
             <a:endParaRPr lang="en-US" sz="1600"/>
           </a:p>
@@ -7416,7 +10298,7 @@
               <a:pPr>
                 <a:defRPr/>
               </a:pPr>
-              <a:t>13</a:t>
+              <a:t>18</a:t>
             </a:fld>
             <a:endParaRPr lang="en-US"/>
           </a:p>
@@ -7498,9 +10380,6 @@
               </a:rPr>
               <a:t>things we sometimes forget</a:t>
             </a:r>
-            <a:endParaRPr lang="en-US" altLang="en-US" sz="2000" dirty="0" smtClean="0">
-              <a:ea typeface="ＭＳ Ｐゴシック" pitchFamily="34" charset="-128"/>
-            </a:endParaRPr>
           </a:p>
           <a:p>
             <a:pPr marL="303213" indent="-303213"/>
@@ -7632,13 +10511,7 @@
               <a:rPr lang="en-US" altLang="en-US" sz="2400" dirty="0" smtClean="0">
                 <a:ea typeface="ＭＳ Ｐゴシック" pitchFamily="34" charset="-128"/>
               </a:rPr>
-              <a:t>Implementation </a:t>
-            </a:r>
-            <a:r>
-              <a:rPr lang="en-US" altLang="en-US" sz="2400" dirty="0" smtClean="0">
-                <a:ea typeface="ＭＳ Ｐゴシック" pitchFamily="34" charset="-128"/>
-              </a:rPr>
-              <a:t>examples</a:t>
+              <a:t>Implementation examples</a:t>
             </a:r>
           </a:p>
           <a:p>
@@ -7665,17 +10538,8 @@
               <a:rPr lang="en-US" altLang="en-US" sz="2000" dirty="0" smtClean="0">
                 <a:ea typeface="ＭＳ Ｐゴシック" pitchFamily="34" charset="-128"/>
               </a:rPr>
-              <a:t>Right </a:t>
-            </a:r>
-            <a:r>
-              <a:rPr lang="en-US" altLang="en-US" sz="2000" dirty="0" smtClean="0">
-                <a:ea typeface="ＭＳ Ｐゴシック" pitchFamily="34" charset="-128"/>
-              </a:rPr>
-              <a:t>implementations</a:t>
-            </a:r>
-            <a:endParaRPr lang="en-US" altLang="en-US" sz="2000" dirty="0" smtClean="0">
-              <a:ea typeface="ＭＳ Ｐゴシック" pitchFamily="34" charset="-128"/>
-            </a:endParaRPr>
+              <a:t>Right implementations</a:t>
+            </a:r>
           </a:p>
         </p:txBody>
       </p:sp>
@@ -8931,12 +11795,6 @@
               </a:rPr>
               <a:t>// Not synchronized, not thread safe.</a:t>
             </a:r>
-            <a:endParaRPr lang="en-US" sz="2000" dirty="0">
-              <a:solidFill>
-                <a:srgbClr val="3F7F5F"/>
-              </a:solidFill>
-              <a:latin typeface="Consolas"/>
-            </a:endParaRPr>
           </a:p>
         </p:txBody>
       </p:sp>
@@ -9544,12 +12402,6 @@
               </a:rPr>
               <a:t>// Synchronized, thread safe.</a:t>
             </a:r>
-            <a:endParaRPr lang="en-US" sz="2000" dirty="0">
-              <a:solidFill>
-                <a:srgbClr val="3F7F5F"/>
-              </a:solidFill>
-              <a:latin typeface="Consolas"/>
-            </a:endParaRPr>
           </a:p>
         </p:txBody>
       </p:sp>
@@ -10216,12 +13068,6 @@
               </a:rPr>
               <a:t>// Synchronized, performance optimization, not thread safe.</a:t>
             </a:r>
-            <a:endParaRPr lang="en-US" sz="2000" dirty="0">
-              <a:solidFill>
-                <a:srgbClr val="3F7F5F"/>
-              </a:solidFill>
-              <a:latin typeface="Consolas"/>
-            </a:endParaRPr>
           </a:p>
         </p:txBody>
       </p:sp>
@@ -11412,13 +14258,10 @@
               <a:t>// </a:t>
             </a:r>
             <a:r>
-              <a:rPr lang="en-US" sz="2000" dirty="0">
+              <a:rPr lang="en-US" sz="2000" dirty="0" smtClean="0">
                 <a:solidFill>
                   <a:srgbClr val="3F7F5F"/>
                 </a:solidFill>
-                <a:highlight>
-                  <a:srgbClr val="E8F2FE"/>
-                </a:highlight>
                 <a:latin typeface="Consolas"/>
               </a:rPr>
               <a:t>What about serialization/deserialization?</a:t>

--- a/meetup.pptx
+++ b/meetup.pptx
@@ -5,10 +5,10 @@
     <p:sldMasterId id="2147483648" r:id="rId1"/>
   </p:sldMasterIdLst>
   <p:notesMasterIdLst>
-    <p:notesMasterId r:id="rId20"/>
+    <p:notesMasterId r:id="rId22"/>
   </p:notesMasterIdLst>
   <p:handoutMasterIdLst>
-    <p:handoutMasterId r:id="rId21"/>
+    <p:handoutMasterId r:id="rId23"/>
   </p:handoutMasterIdLst>
   <p:sldIdLst>
     <p:sldId id="379" r:id="rId2"/>
@@ -28,7 +28,9 @@
     <p:sldId id="395" r:id="rId16"/>
     <p:sldId id="396" r:id="rId17"/>
     <p:sldId id="397" r:id="rId18"/>
-    <p:sldId id="382" r:id="rId19"/>
+    <p:sldId id="398" r:id="rId19"/>
+    <p:sldId id="399" r:id="rId20"/>
+    <p:sldId id="382" r:id="rId21"/>
   </p:sldIdLst>
   <p:sldSz cx="10693400" cy="7561263"/>
   <p:notesSz cx="6797675" cy="9926638"/>
@@ -1389,7 +1391,7 @@
               <a:pPr>
                 <a:defRPr/>
               </a:pPr>
-              <a:t>25.06.2014</a:t>
+              <a:t>27.06.2014</a:t>
             </a:fld>
             <a:endParaRPr lang="de-DE" sz="1600" dirty="0"/>
           </a:p>
@@ -1680,7 +1682,7 @@
               <a:pPr>
                 <a:defRPr/>
               </a:pPr>
-              <a:t>25.06.2014</a:t>
+              <a:t>27.06.2014</a:t>
             </a:fld>
             <a:endParaRPr lang="de-DE" sz="1600" dirty="0"/>
           </a:p>
@@ -1949,7 +1951,7 @@
               <a:pPr>
                 <a:defRPr/>
               </a:pPr>
-              <a:t>25.06.2014</a:t>
+              <a:t>27.06.2014</a:t>
             </a:fld>
             <a:endParaRPr lang="de-DE" sz="1600" dirty="0"/>
           </a:p>
@@ -2333,7 +2335,7 @@
               <a:pPr>
                 <a:defRPr/>
               </a:pPr>
-              <a:t>25.06.2014</a:t>
+              <a:t>27.06.2014</a:t>
             </a:fld>
             <a:endParaRPr lang="de-DE" sz="1600" dirty="0"/>
           </a:p>
@@ -2706,7 +2708,7 @@
               <a:pPr>
                 <a:defRPr/>
               </a:pPr>
-              <a:t>25.06.2014</a:t>
+              <a:t>27.06.2014</a:t>
             </a:fld>
             <a:endParaRPr lang="de-DE" sz="1600" dirty="0"/>
           </a:p>
@@ -2971,7 +2973,7 @@
               <a:pPr>
                 <a:defRPr/>
               </a:pPr>
-              <a:t>25.06.2014</a:t>
+              <a:t>27.06.2014</a:t>
             </a:fld>
             <a:endParaRPr lang="de-DE" sz="1600" dirty="0"/>
           </a:p>
@@ -3452,7 +3454,7 @@
               <a:pPr>
                 <a:defRPr/>
               </a:pPr>
-              <a:t>25.06.2014</a:t>
+              <a:t>27.06.2014</a:t>
             </a:fld>
             <a:endParaRPr lang="de-DE" sz="1600" dirty="0"/>
           </a:p>
@@ -4041,7 +4043,7 @@
               <a:pPr>
                 <a:defRPr/>
               </a:pPr>
-              <a:t>25.06.2014</a:t>
+              <a:t>27.06.2014</a:t>
             </a:fld>
             <a:endParaRPr lang="de-DE" sz="1600" dirty="0"/>
           </a:p>
@@ -4361,7 +4363,7 @@
               <a:pPr>
                 <a:defRPr/>
               </a:pPr>
-              <a:t>25.06.2014</a:t>
+              <a:t>27.06.2014</a:t>
             </a:fld>
             <a:endParaRPr lang="de-DE" sz="1600" dirty="0"/>
           </a:p>
@@ -4666,7 +4668,7 @@
               <a:pPr>
                 <a:defRPr/>
               </a:pPr>
-              <a:t>25.06.2014</a:t>
+              <a:t>27.06.2014</a:t>
             </a:fld>
             <a:endParaRPr lang="de-DE" sz="1600" dirty="0"/>
           </a:p>
@@ -4920,7 +4922,7 @@
               <a:pPr>
                 <a:defRPr/>
               </a:pPr>
-              <a:t>25.06.2014</a:t>
+              <a:t>27.06.2014</a:t>
             </a:fld>
             <a:endParaRPr lang="de-DE" sz="1600" dirty="0"/>
           </a:p>
@@ -6453,7 +6455,7 @@
             </a:pPr>
             <a:r>
               <a:rPr lang="de-DE" cap="none" dirty="0" smtClean="0"/>
-              <a:t>Singleton 06 Serializable</a:t>
+              <a:t>Singleton 07</a:t>
             </a:r>
             <a:endParaRPr lang="de-DE" cap="none" dirty="0"/>
           </a:p>
@@ -7027,7 +7029,6 @@
               <a:rPr lang="de-DE" cap="none" dirty="0"/>
               <a:t>Dependency Injection / Inversion of Control</a:t>
             </a:r>
-            <a:endParaRPr lang="de-DE" cap="none" dirty="0"/>
           </a:p>
         </p:txBody>
       </p:sp>
@@ -7617,7 +7618,6 @@
               <a:rPr lang="de-DE" cap="none" dirty="0"/>
               <a:t>Dependency Injection / Inversion of Control</a:t>
             </a:r>
-            <a:endParaRPr lang="de-DE" cap="none" dirty="0"/>
           </a:p>
         </p:txBody>
       </p:sp>
@@ -8202,7 +8202,6 @@
               <a:rPr lang="de-DE" cap="none" dirty="0"/>
               <a:t>Dependency Injection / Inversion of Control</a:t>
             </a:r>
-            <a:endParaRPr lang="de-DE" cap="none" dirty="0"/>
           </a:p>
         </p:txBody>
       </p:sp>
@@ -8551,7 +8550,6 @@
               <a:rPr lang="de-DE" cap="none" dirty="0"/>
               <a:t>Dependency Injection / Inversion of Control</a:t>
             </a:r>
-            <a:endParaRPr lang="de-DE" cap="none" dirty="0"/>
           </a:p>
         </p:txBody>
       </p:sp>
@@ -9077,7 +9075,6 @@
               <a:rPr lang="de-DE" cap="none" dirty="0"/>
               <a:t>Dependency Injection / Inversion of Control</a:t>
             </a:r>
-            <a:endParaRPr lang="de-DE" cap="none" dirty="0"/>
           </a:p>
         </p:txBody>
       </p:sp>
@@ -9880,7 +9877,7 @@
           </a:p>
           <a:p>
             <a:r>
-              <a:rPr lang="en-US" sz="1600" smtClean="0">
+              <a:rPr lang="en-US" sz="1600" dirty="0" smtClean="0">
                 <a:solidFill>
                   <a:srgbClr val="000000"/>
                 </a:solidFill>
@@ -9937,63 +9934,9 @@
           <a:chExt cx="0" cy="0"/>
         </a:xfrm>
       </p:grpSpPr>
-      <p:pic>
-        <p:nvPicPr>
-          <p:cNvPr id="7170" name="Picture 2" descr="M:\Kreation und Design\Bildarchiv\bilder_istock_gekauft_vam_praesentation_20090624\iStock_000006407028Medium.jpg"/>
-          <p:cNvPicPr>
-            <a:picLocks noChangeAspect="1" noChangeArrowheads="1"/>
-          </p:cNvPicPr>
-          <p:nvPr/>
-        </p:nvPicPr>
-        <p:blipFill>
-          <a:blip r:embed="rId3">
-            <a:extLst>
-              <a:ext uri="{28A0092B-C50C-407E-A947-70E740481C1C}">
-                <a14:useLocalDpi xmlns:a14="http://schemas.microsoft.com/office/drawing/2010/main" val="0"/>
-              </a:ext>
-            </a:extLst>
-          </a:blip>
-          <a:srcRect/>
-          <a:stretch>
-            <a:fillRect/>
-          </a:stretch>
-        </p:blipFill>
-        <p:spPr bwMode="auto">
-          <a:xfrm>
-            <a:off x="4305300" y="1955800"/>
-            <a:ext cx="6388100" cy="4762500"/>
-          </a:xfrm>
-          <a:prstGeom prst="rect">
-            <a:avLst/>
-          </a:prstGeom>
-          <a:noFill/>
-          <a:ln>
-            <a:noFill/>
-          </a:ln>
-          <a:extLst>
-            <a:ext uri="{909E8E84-426E-40DD-AFC4-6F175D3DCCD1}">
-              <a14:hiddenFill xmlns:a14="http://schemas.microsoft.com/office/drawing/2010/main">
-                <a:solidFill>
-                  <a:srgbClr val="FFFFFF"/>
-                </a:solidFill>
-              </a14:hiddenFill>
-            </a:ext>
-            <a:ext uri="{91240B29-F687-4F45-9708-019B960494DF}">
-              <a14:hiddenLine xmlns:a14="http://schemas.microsoft.com/office/drawing/2010/main" w="9525">
-                <a:solidFill>
-                  <a:srgbClr val="000000"/>
-                </a:solidFill>
-                <a:miter lim="800000"/>
-                <a:headEnd/>
-                <a:tailEnd/>
-              </a14:hiddenLine>
-            </a:ext>
-          </a:extLst>
-        </p:spPr>
-      </p:pic>
       <p:sp>
         <p:nvSpPr>
-          <p:cNvPr id="3" name="Titel 2"/>
+          <p:cNvPr id="12" name="Titel 11"/>
           <p:cNvSpPr>
             <a:spLocks noGrp="1"/>
           </p:cNvSpPr>
@@ -10010,250 +9953,926 @@
               <a:defRPr/>
             </a:pPr>
             <a:r>
-              <a:rPr lang="en-US" smtClean="0"/>
-              <a:t>Questions?</a:t>
-            </a:r>
-            <a:endParaRPr lang="en-US"/>
+              <a:rPr lang="de-DE" cap="none" dirty="0"/>
+              <a:t>Dependency Injection / Inversion of Control</a:t>
+            </a:r>
           </a:p>
         </p:txBody>
       </p:sp>
       <p:sp>
         <p:nvSpPr>
-          <p:cNvPr id="7172" name="Inhaltsplatzhalter 1"/>
+          <p:cNvPr id="3" name="TextBox 2"/>
+          <p:cNvSpPr txBox="1"/>
+          <p:nvPr/>
+        </p:nvSpPr>
+        <p:spPr bwMode="auto">
+          <a:xfrm>
+            <a:off x="522164" y="1620391"/>
+            <a:ext cx="10081120" cy="5844847"/>
+          </a:xfrm>
+          <a:prstGeom prst="rect">
+            <a:avLst/>
+          </a:prstGeom>
+          <a:solidFill>
+            <a:schemeClr val="bg1"/>
+          </a:solidFill>
+          <a:ln w="9525">
+            <a:noFill/>
+            <a:miter lim="800000"/>
+            <a:headEnd/>
+            <a:tailEnd/>
+          </a:ln>
+        </p:spPr>
+        <p:txBody>
+          <a:bodyPr wrap="square" lIns="180000" tIns="90000" bIns="90000" rtlCol="0">
+            <a:spAutoFit/>
+          </a:bodyPr>
+          <a:lstStyle/>
+          <a:p>
+            <a:r>
+              <a:rPr lang="en-US" sz="1600" dirty="0" smtClean="0">
+                <a:solidFill>
+                  <a:srgbClr val="3F7F5F"/>
+                </a:solidFill>
+                <a:latin typeface="Consolas"/>
+              </a:rPr>
+              <a:t>    // </a:t>
+            </a:r>
+            <a:r>
+              <a:rPr lang="en-US" sz="1600" dirty="0">
+                <a:solidFill>
+                  <a:srgbClr val="3F7F5F"/>
+                </a:solidFill>
+                <a:latin typeface="Consolas"/>
+              </a:rPr>
+              <a:t>For each object that is created...</a:t>
+            </a:r>
+          </a:p>
+          <a:p>
+            <a:r>
+              <a:rPr lang="en-US" sz="1600" dirty="0" smtClean="0">
+                <a:solidFill>
+                  <a:srgbClr val="7F0055"/>
+                </a:solidFill>
+                <a:latin typeface="Consolas"/>
+              </a:rPr>
+              <a:t>    for</a:t>
+            </a:r>
+            <a:r>
+              <a:rPr lang="en-US" sz="1600" dirty="0" smtClean="0">
+                <a:solidFill>
+                  <a:srgbClr val="000000"/>
+                </a:solidFill>
+                <a:latin typeface="Consolas"/>
+              </a:rPr>
+              <a:t> </a:t>
+            </a:r>
+            <a:r>
+              <a:rPr lang="en-US" sz="1600" dirty="0">
+                <a:solidFill>
+                  <a:srgbClr val="000000"/>
+                </a:solidFill>
+                <a:latin typeface="Consolas"/>
+              </a:rPr>
+              <a:t>(Iterator&lt;Class&gt; </a:t>
+            </a:r>
+            <a:r>
+              <a:rPr lang="en-US" sz="1600" dirty="0" err="1">
+                <a:solidFill>
+                  <a:srgbClr val="000000"/>
+                </a:solidFill>
+                <a:latin typeface="Consolas"/>
+              </a:rPr>
+              <a:t>classIterator</a:t>
+            </a:r>
+            <a:r>
+              <a:rPr lang="en-US" sz="1600" dirty="0">
+                <a:solidFill>
+                  <a:srgbClr val="000000"/>
+                </a:solidFill>
+                <a:latin typeface="Consolas"/>
+              </a:rPr>
+              <a:t> </a:t>
+            </a:r>
+            <a:r>
+              <a:rPr lang="en-US" sz="1600" dirty="0" smtClean="0">
+                <a:solidFill>
+                  <a:srgbClr val="000000"/>
+                </a:solidFill>
+                <a:latin typeface="Consolas"/>
+              </a:rPr>
+              <a:t>= </a:t>
+            </a:r>
+            <a:r>
+              <a:rPr lang="en-US" sz="1600" dirty="0" err="1" smtClean="0">
+                <a:solidFill>
+                  <a:srgbClr val="0000C0"/>
+                </a:solidFill>
+                <a:latin typeface="Consolas"/>
+              </a:rPr>
+              <a:t>graph</a:t>
+            </a:r>
+            <a:r>
+              <a:rPr lang="en-US" sz="1600" dirty="0" err="1" smtClean="0">
+                <a:solidFill>
+                  <a:srgbClr val="000000"/>
+                </a:solidFill>
+                <a:latin typeface="Consolas"/>
+              </a:rPr>
+              <a:t>.keySet</a:t>
+            </a:r>
+            <a:r>
+              <a:rPr lang="en-US" sz="1600" dirty="0" smtClean="0">
+                <a:solidFill>
+                  <a:srgbClr val="000000"/>
+                </a:solidFill>
+                <a:latin typeface="Consolas"/>
+              </a:rPr>
+              <a:t>().iterator();</a:t>
+            </a:r>
+          </a:p>
+          <a:p>
+            <a:r>
+              <a:rPr lang="en-US" sz="1600" dirty="0">
+                <a:solidFill>
+                  <a:srgbClr val="000000"/>
+                </a:solidFill>
+                <a:latin typeface="Consolas"/>
+              </a:rPr>
+              <a:t> </a:t>
+            </a:r>
+            <a:r>
+              <a:rPr lang="en-US" sz="1600" dirty="0" smtClean="0">
+                <a:solidFill>
+                  <a:srgbClr val="000000"/>
+                </a:solidFill>
+                <a:latin typeface="Consolas"/>
+              </a:rPr>
+              <a:t>                                                  </a:t>
+            </a:r>
+            <a:r>
+              <a:rPr lang="en-US" sz="1600" dirty="0" err="1" smtClean="0">
+                <a:solidFill>
+                  <a:srgbClr val="000000"/>
+                </a:solidFill>
+                <a:latin typeface="Consolas"/>
+              </a:rPr>
+              <a:t>classIterator.hasNext</a:t>
+            </a:r>
+            <a:r>
+              <a:rPr lang="en-US" sz="1600" dirty="0" smtClean="0">
+                <a:solidFill>
+                  <a:srgbClr val="000000"/>
+                </a:solidFill>
+                <a:latin typeface="Consolas"/>
+              </a:rPr>
+              <a:t>();) {</a:t>
+            </a:r>
+          </a:p>
+          <a:p>
+            <a:r>
+              <a:rPr lang="en-US" sz="1600" dirty="0" smtClean="0">
+                <a:solidFill>
+                  <a:srgbClr val="000000"/>
+                </a:solidFill>
+                <a:latin typeface="Consolas"/>
+              </a:rPr>
+              <a:t>        Class </a:t>
+            </a:r>
+            <a:r>
+              <a:rPr lang="en-US" sz="1600" dirty="0" err="1">
+                <a:solidFill>
+                  <a:srgbClr val="000000"/>
+                </a:solidFill>
+                <a:latin typeface="Consolas"/>
+              </a:rPr>
+              <a:t>definingClass</a:t>
+            </a:r>
+            <a:r>
+              <a:rPr lang="en-US" sz="1600" dirty="0">
+                <a:solidFill>
+                  <a:srgbClr val="000000"/>
+                </a:solidFill>
+                <a:latin typeface="Consolas"/>
+              </a:rPr>
+              <a:t> = </a:t>
+            </a:r>
+            <a:r>
+              <a:rPr lang="en-US" sz="1600" dirty="0" err="1">
+                <a:solidFill>
+                  <a:srgbClr val="000000"/>
+                </a:solidFill>
+                <a:latin typeface="Consolas"/>
+              </a:rPr>
+              <a:t>classIterator.next</a:t>
+            </a:r>
+            <a:r>
+              <a:rPr lang="en-US" sz="1600" dirty="0">
+                <a:solidFill>
+                  <a:srgbClr val="000000"/>
+                </a:solidFill>
+                <a:latin typeface="Consolas"/>
+              </a:rPr>
+              <a:t>();</a:t>
+            </a:r>
+          </a:p>
+          <a:p>
+            <a:r>
+              <a:rPr lang="en-US" sz="1600" dirty="0" smtClean="0">
+                <a:solidFill>
+                  <a:srgbClr val="000000"/>
+                </a:solidFill>
+                <a:latin typeface="Consolas"/>
+              </a:rPr>
+              <a:t>        Object </a:t>
+            </a:r>
+            <a:r>
+              <a:rPr lang="en-US" sz="1600" dirty="0" err="1">
+                <a:solidFill>
+                  <a:srgbClr val="000000"/>
+                </a:solidFill>
+                <a:latin typeface="Consolas"/>
+              </a:rPr>
+              <a:t>object</a:t>
+            </a:r>
+            <a:r>
+              <a:rPr lang="en-US" sz="1600" dirty="0">
+                <a:solidFill>
+                  <a:srgbClr val="000000"/>
+                </a:solidFill>
+                <a:latin typeface="Consolas"/>
+              </a:rPr>
+              <a:t> = </a:t>
+            </a:r>
+            <a:r>
+              <a:rPr lang="en-US" sz="1600" dirty="0" err="1" smtClean="0">
+                <a:solidFill>
+                  <a:srgbClr val="0000C0"/>
+                </a:solidFill>
+                <a:latin typeface="Consolas"/>
+              </a:rPr>
+              <a:t>graph</a:t>
+            </a:r>
+            <a:r>
+              <a:rPr lang="en-US" sz="1600" dirty="0" err="1" smtClean="0">
+                <a:solidFill>
+                  <a:srgbClr val="000000"/>
+                </a:solidFill>
+                <a:latin typeface="Consolas"/>
+              </a:rPr>
+              <a:t>.get</a:t>
+            </a:r>
+            <a:r>
+              <a:rPr lang="en-US" sz="1600" dirty="0" smtClean="0">
+                <a:solidFill>
+                  <a:srgbClr val="000000"/>
+                </a:solidFill>
+                <a:latin typeface="Consolas"/>
+              </a:rPr>
+              <a:t>(</a:t>
+            </a:r>
+            <a:r>
+              <a:rPr lang="en-US" sz="1600" dirty="0" err="1" smtClean="0">
+                <a:solidFill>
+                  <a:srgbClr val="000000"/>
+                </a:solidFill>
+                <a:latin typeface="Consolas"/>
+              </a:rPr>
+              <a:t>definingClass</a:t>
+            </a:r>
+            <a:r>
+              <a:rPr lang="en-US" sz="1600" dirty="0" smtClean="0">
+                <a:solidFill>
+                  <a:srgbClr val="000000"/>
+                </a:solidFill>
+                <a:latin typeface="Consolas"/>
+              </a:rPr>
+              <a:t>);</a:t>
+            </a:r>
+          </a:p>
+          <a:p>
+            <a:endParaRPr lang="en-US" sz="1600" dirty="0">
+              <a:latin typeface="Consolas"/>
+            </a:endParaRPr>
+          </a:p>
+          <a:p>
+            <a:r>
+              <a:rPr lang="en-US" sz="1600" dirty="0" smtClean="0">
+                <a:solidFill>
+                  <a:srgbClr val="000000"/>
+                </a:solidFill>
+                <a:latin typeface="Consolas"/>
+              </a:rPr>
+              <a:t>        </a:t>
+            </a:r>
+            <a:r>
+              <a:rPr lang="en-US" sz="1600" dirty="0" smtClean="0">
+                <a:solidFill>
+                  <a:srgbClr val="3F7F5F"/>
+                </a:solidFill>
+                <a:latin typeface="Consolas"/>
+              </a:rPr>
+              <a:t>// </a:t>
+            </a:r>
+            <a:r>
+              <a:rPr lang="en-US" sz="1600" dirty="0">
+                <a:solidFill>
+                  <a:srgbClr val="3F7F5F"/>
+                </a:solidFill>
+                <a:latin typeface="Consolas"/>
+              </a:rPr>
+              <a:t>... find dependencies it needs, ...</a:t>
+            </a:r>
+          </a:p>
+          <a:p>
+            <a:r>
+              <a:rPr lang="en-US" sz="1600" dirty="0">
+                <a:solidFill>
+                  <a:srgbClr val="000000"/>
+                </a:solidFill>
+                <a:latin typeface="Consolas"/>
+              </a:rPr>
+              <a:t>    </a:t>
+            </a:r>
+            <a:r>
+              <a:rPr lang="en-US" sz="1600" dirty="0" smtClean="0">
+                <a:solidFill>
+                  <a:srgbClr val="000000"/>
+                </a:solidFill>
+                <a:latin typeface="Consolas"/>
+              </a:rPr>
+              <a:t>    </a:t>
+            </a:r>
+            <a:r>
+              <a:rPr lang="en-US" sz="1600" dirty="0" smtClean="0">
+                <a:solidFill>
+                  <a:srgbClr val="7F0055"/>
+                </a:solidFill>
+                <a:latin typeface="Consolas"/>
+              </a:rPr>
+              <a:t>for</a:t>
+            </a:r>
+            <a:r>
+              <a:rPr lang="en-US" sz="1600" dirty="0" smtClean="0">
+                <a:solidFill>
+                  <a:srgbClr val="000000"/>
+                </a:solidFill>
+                <a:latin typeface="Consolas"/>
+              </a:rPr>
+              <a:t> </a:t>
+            </a:r>
+            <a:r>
+              <a:rPr lang="en-US" sz="1600" dirty="0">
+                <a:solidFill>
+                  <a:srgbClr val="000000"/>
+                </a:solidFill>
+                <a:latin typeface="Consolas"/>
+              </a:rPr>
+              <a:t>(Field f : </a:t>
+            </a:r>
+            <a:r>
+              <a:rPr lang="en-US" sz="1600" dirty="0" err="1">
+                <a:solidFill>
+                  <a:srgbClr val="0000C0"/>
+                </a:solidFill>
+                <a:latin typeface="Consolas"/>
+              </a:rPr>
+              <a:t>classScanner</a:t>
+            </a:r>
+            <a:r>
+              <a:rPr lang="en-US" sz="1600" dirty="0" err="1">
+                <a:solidFill>
+                  <a:srgbClr val="000000"/>
+                </a:solidFill>
+                <a:latin typeface="Consolas"/>
+              </a:rPr>
+              <a:t>.findAnnotatedFields</a:t>
+            </a:r>
+            <a:r>
+              <a:rPr lang="en-US" sz="1600" dirty="0">
+                <a:solidFill>
+                  <a:srgbClr val="000000"/>
+                </a:solidFill>
+                <a:latin typeface="Consolas"/>
+              </a:rPr>
+              <a:t>(</a:t>
+            </a:r>
+            <a:r>
+              <a:rPr lang="en-US" sz="1600" dirty="0" err="1">
+                <a:solidFill>
+                  <a:srgbClr val="000000"/>
+                </a:solidFill>
+                <a:latin typeface="Consolas"/>
+              </a:rPr>
+              <a:t>object.getClass</a:t>
+            </a:r>
+            <a:r>
+              <a:rPr lang="en-US" sz="1600" dirty="0" smtClean="0">
+                <a:solidFill>
+                  <a:srgbClr val="000000"/>
+                </a:solidFill>
+                <a:latin typeface="Consolas"/>
+              </a:rPr>
+              <a:t>(),</a:t>
+            </a:r>
+          </a:p>
+          <a:p>
+            <a:r>
+              <a:rPr lang="en-US" sz="1600" dirty="0">
+                <a:solidFill>
+                  <a:srgbClr val="000000"/>
+                </a:solidFill>
+                <a:latin typeface="Consolas"/>
+              </a:rPr>
+              <a:t> </a:t>
+            </a:r>
+            <a:r>
+              <a:rPr lang="en-US" sz="1600" dirty="0" smtClean="0">
+                <a:solidFill>
+                  <a:srgbClr val="000000"/>
+                </a:solidFill>
+                <a:latin typeface="Consolas"/>
+              </a:rPr>
+              <a:t>                                                             </a:t>
+            </a:r>
+            <a:r>
+              <a:rPr lang="en-US" sz="1600" dirty="0" err="1" smtClean="0">
+                <a:solidFill>
+                  <a:srgbClr val="646464"/>
+                </a:solidFill>
+                <a:latin typeface="Consolas"/>
+              </a:rPr>
+              <a:t>Inject</a:t>
+            </a:r>
+            <a:r>
+              <a:rPr lang="en-US" sz="1600" dirty="0" err="1" smtClean="0">
+                <a:solidFill>
+                  <a:srgbClr val="000000"/>
+                </a:solidFill>
+                <a:latin typeface="Consolas"/>
+              </a:rPr>
+              <a:t>.</a:t>
+            </a:r>
+            <a:r>
+              <a:rPr lang="en-US" sz="1600" dirty="0" err="1" smtClean="0">
+                <a:solidFill>
+                  <a:srgbClr val="7F0055"/>
+                </a:solidFill>
+                <a:latin typeface="Consolas"/>
+              </a:rPr>
+              <a:t>class</a:t>
+            </a:r>
+            <a:r>
+              <a:rPr lang="en-US" sz="1600" dirty="0">
+                <a:solidFill>
+                  <a:srgbClr val="000000"/>
+                </a:solidFill>
+                <a:latin typeface="Consolas"/>
+              </a:rPr>
+              <a:t>)) {</a:t>
+            </a:r>
+          </a:p>
+          <a:p>
+            <a:r>
+              <a:rPr lang="en-US" sz="1600" dirty="0" smtClean="0">
+                <a:solidFill>
+                  <a:srgbClr val="000000"/>
+                </a:solidFill>
+                <a:latin typeface="Consolas"/>
+              </a:rPr>
+              <a:t>            </a:t>
+            </a:r>
+            <a:r>
+              <a:rPr lang="en-US" sz="1600" dirty="0" smtClean="0">
+                <a:solidFill>
+                  <a:srgbClr val="7F0055"/>
+                </a:solidFill>
+                <a:latin typeface="Consolas"/>
+              </a:rPr>
+              <a:t>if</a:t>
+            </a:r>
+            <a:r>
+              <a:rPr lang="en-US" sz="1600" dirty="0" smtClean="0">
+                <a:solidFill>
+                  <a:srgbClr val="000000"/>
+                </a:solidFill>
+                <a:latin typeface="Consolas"/>
+              </a:rPr>
+              <a:t> </a:t>
+            </a:r>
+            <a:r>
+              <a:rPr lang="en-US" sz="1600" dirty="0">
+                <a:solidFill>
+                  <a:srgbClr val="000000"/>
+                </a:solidFill>
+                <a:latin typeface="Consolas"/>
+              </a:rPr>
+              <a:t>(!</a:t>
+            </a:r>
+            <a:r>
+              <a:rPr lang="en-US" sz="1600" dirty="0" err="1">
+                <a:solidFill>
+                  <a:srgbClr val="0000C0"/>
+                </a:solidFill>
+                <a:latin typeface="Consolas"/>
+              </a:rPr>
+              <a:t>graph</a:t>
+            </a:r>
+            <a:r>
+              <a:rPr lang="en-US" sz="1600" dirty="0" err="1">
+                <a:solidFill>
+                  <a:srgbClr val="000000"/>
+                </a:solidFill>
+                <a:latin typeface="Consolas"/>
+              </a:rPr>
+              <a:t>.containsKey</a:t>
+            </a:r>
+            <a:r>
+              <a:rPr lang="en-US" sz="1600" dirty="0">
+                <a:solidFill>
+                  <a:srgbClr val="000000"/>
+                </a:solidFill>
+                <a:latin typeface="Consolas"/>
+              </a:rPr>
+              <a:t>(</a:t>
+            </a:r>
+            <a:r>
+              <a:rPr lang="en-US" sz="1600" dirty="0" err="1">
+                <a:solidFill>
+                  <a:srgbClr val="000000"/>
+                </a:solidFill>
+                <a:latin typeface="Consolas"/>
+              </a:rPr>
+              <a:t>f.getType</a:t>
+            </a:r>
+            <a:r>
+              <a:rPr lang="en-US" sz="1600" dirty="0">
+                <a:solidFill>
+                  <a:srgbClr val="000000"/>
+                </a:solidFill>
+                <a:latin typeface="Consolas"/>
+              </a:rPr>
+              <a:t>())) {</a:t>
+            </a:r>
+          </a:p>
+          <a:p>
+            <a:r>
+              <a:rPr lang="en-US" sz="1600" dirty="0">
+                <a:solidFill>
+                  <a:srgbClr val="000000"/>
+                </a:solidFill>
+                <a:latin typeface="Consolas"/>
+              </a:rPr>
+              <a:t>    </a:t>
+            </a:r>
+            <a:r>
+              <a:rPr lang="en-US" sz="1600" dirty="0" smtClean="0">
+                <a:solidFill>
+                  <a:srgbClr val="000000"/>
+                </a:solidFill>
+                <a:latin typeface="Consolas"/>
+              </a:rPr>
+              <a:t>            </a:t>
+            </a:r>
+            <a:r>
+              <a:rPr lang="en-US" sz="1600" dirty="0" smtClean="0">
+                <a:solidFill>
+                  <a:srgbClr val="3F7F5F"/>
+                </a:solidFill>
+                <a:latin typeface="Consolas"/>
+              </a:rPr>
+              <a:t>// </a:t>
+            </a:r>
+            <a:r>
+              <a:rPr lang="en-US" sz="1600" dirty="0">
+                <a:solidFill>
+                  <a:srgbClr val="3F7F5F"/>
+                </a:solidFill>
+                <a:latin typeface="Consolas"/>
+              </a:rPr>
+              <a:t>... throw an error if a dependency cannot be satisfied, ...</a:t>
+            </a:r>
+          </a:p>
+          <a:p>
+            <a:r>
+              <a:rPr lang="en-US" sz="1600" dirty="0" smtClean="0">
+                <a:solidFill>
+                  <a:srgbClr val="000000"/>
+                </a:solidFill>
+                <a:latin typeface="Consolas"/>
+              </a:rPr>
+              <a:t>            }</a:t>
+            </a:r>
+            <a:endParaRPr lang="en-US" sz="1600" dirty="0">
+              <a:solidFill>
+                <a:srgbClr val="000000"/>
+              </a:solidFill>
+              <a:latin typeface="Consolas"/>
+            </a:endParaRPr>
+          </a:p>
+          <a:p>
+            <a:r>
+              <a:rPr lang="en-US" sz="1600" dirty="0">
+                <a:solidFill>
+                  <a:srgbClr val="000000"/>
+                </a:solidFill>
+                <a:latin typeface="Consolas"/>
+              </a:rPr>
+              <a:t>        </a:t>
+            </a:r>
+            <a:endParaRPr lang="en-US" sz="1600" dirty="0">
+              <a:latin typeface="Consolas"/>
+            </a:endParaRPr>
+          </a:p>
+          <a:p>
+            <a:r>
+              <a:rPr lang="en-US" sz="1600" dirty="0" smtClean="0">
+                <a:solidFill>
+                  <a:srgbClr val="000000"/>
+                </a:solidFill>
+                <a:latin typeface="Consolas"/>
+              </a:rPr>
+              <a:t>            </a:t>
+            </a:r>
+            <a:r>
+              <a:rPr lang="en-US" sz="1600" dirty="0">
+                <a:solidFill>
+                  <a:srgbClr val="3F7F5F"/>
+                </a:solidFill>
+                <a:latin typeface="Consolas"/>
+              </a:rPr>
+              <a:t>// ... or set a value of the dependency.</a:t>
+            </a:r>
+          </a:p>
+          <a:p>
+            <a:r>
+              <a:rPr lang="en-US" sz="1600" dirty="0" smtClean="0">
+                <a:solidFill>
+                  <a:srgbClr val="000000"/>
+                </a:solidFill>
+                <a:latin typeface="Consolas"/>
+              </a:rPr>
+              <a:t>            </a:t>
+            </a:r>
+            <a:r>
+              <a:rPr lang="en-US" sz="1600" dirty="0">
+                <a:solidFill>
+                  <a:srgbClr val="000000"/>
+                </a:solidFill>
+                <a:latin typeface="Consolas"/>
+              </a:rPr>
+              <a:t>Object dependency = </a:t>
+            </a:r>
+            <a:r>
+              <a:rPr lang="en-US" sz="1600" dirty="0" err="1">
+                <a:solidFill>
+                  <a:srgbClr val="0000C0"/>
+                </a:solidFill>
+                <a:latin typeface="Consolas"/>
+              </a:rPr>
+              <a:t>graph</a:t>
+            </a:r>
+            <a:r>
+              <a:rPr lang="en-US" sz="1600" dirty="0" err="1">
+                <a:solidFill>
+                  <a:srgbClr val="000000"/>
+                </a:solidFill>
+                <a:latin typeface="Consolas"/>
+              </a:rPr>
+              <a:t>.get</a:t>
+            </a:r>
+            <a:r>
+              <a:rPr lang="en-US" sz="1600" dirty="0">
+                <a:solidFill>
+                  <a:srgbClr val="000000"/>
+                </a:solidFill>
+                <a:latin typeface="Consolas"/>
+              </a:rPr>
+              <a:t>(</a:t>
+            </a:r>
+            <a:r>
+              <a:rPr lang="en-US" sz="1600" dirty="0" err="1">
+                <a:solidFill>
+                  <a:srgbClr val="000000"/>
+                </a:solidFill>
+                <a:latin typeface="Consolas"/>
+              </a:rPr>
+              <a:t>f.getType</a:t>
+            </a:r>
+            <a:r>
+              <a:rPr lang="en-US" sz="1600" dirty="0">
+                <a:solidFill>
+                  <a:srgbClr val="000000"/>
+                </a:solidFill>
+                <a:latin typeface="Consolas"/>
+              </a:rPr>
+              <a:t>());</a:t>
+            </a:r>
+          </a:p>
+          <a:p>
+            <a:r>
+              <a:rPr lang="en-US" sz="1600" dirty="0" smtClean="0">
+                <a:solidFill>
+                  <a:srgbClr val="000000"/>
+                </a:solidFill>
+                <a:latin typeface="Consolas"/>
+              </a:rPr>
+              <a:t>            </a:t>
+            </a:r>
+            <a:r>
+              <a:rPr lang="en-US" sz="1600" dirty="0" err="1" smtClean="0">
+                <a:solidFill>
+                  <a:srgbClr val="000000"/>
+                </a:solidFill>
+                <a:latin typeface="Consolas"/>
+              </a:rPr>
+              <a:t>f.set</a:t>
+            </a:r>
+            <a:r>
+              <a:rPr lang="en-US" sz="1600" dirty="0" smtClean="0">
+                <a:solidFill>
+                  <a:srgbClr val="000000"/>
+                </a:solidFill>
+                <a:latin typeface="Consolas"/>
+              </a:rPr>
+              <a:t>(object</a:t>
+            </a:r>
+            <a:r>
+              <a:rPr lang="en-US" sz="1600" dirty="0">
+                <a:solidFill>
+                  <a:srgbClr val="000000"/>
+                </a:solidFill>
+                <a:latin typeface="Consolas"/>
+              </a:rPr>
+              <a:t>, dependency);</a:t>
+            </a:r>
+          </a:p>
+          <a:p>
+            <a:endParaRPr lang="en-US" sz="1600" dirty="0">
+              <a:latin typeface="Consolas"/>
+            </a:endParaRPr>
+          </a:p>
+          <a:p>
+            <a:r>
+              <a:rPr lang="en-US" sz="1600" dirty="0" smtClean="0">
+                <a:solidFill>
+                  <a:srgbClr val="000000"/>
+                </a:solidFill>
+                <a:latin typeface="Consolas"/>
+              </a:rPr>
+              <a:t>        }</a:t>
+            </a:r>
+          </a:p>
+          <a:p>
+            <a:r>
+              <a:rPr lang="en-US" sz="1600" dirty="0">
+                <a:solidFill>
+                  <a:srgbClr val="000000"/>
+                </a:solidFill>
+                <a:latin typeface="Consolas"/>
+              </a:rPr>
+              <a:t> </a:t>
+            </a:r>
+            <a:r>
+              <a:rPr lang="en-US" sz="1600" dirty="0" smtClean="0">
+                <a:solidFill>
+                  <a:srgbClr val="000000"/>
+                </a:solidFill>
+                <a:latin typeface="Consolas"/>
+              </a:rPr>
+              <a:t>   }</a:t>
+            </a:r>
+          </a:p>
+          <a:p>
+            <a:endParaRPr lang="en-US" sz="1600" dirty="0">
+              <a:solidFill>
+                <a:srgbClr val="000000"/>
+              </a:solidFill>
+              <a:latin typeface="Consolas"/>
+            </a:endParaRPr>
+          </a:p>
+          <a:p>
+            <a:r>
+              <a:rPr lang="en-US" sz="1600" dirty="0" smtClean="0">
+                <a:solidFill>
+                  <a:srgbClr val="0000C0"/>
+                </a:solidFill>
+                <a:latin typeface="Consolas"/>
+              </a:rPr>
+              <a:t>    initialized</a:t>
+            </a:r>
+            <a:r>
+              <a:rPr lang="en-US" sz="1600" dirty="0" smtClean="0">
+                <a:solidFill>
+                  <a:srgbClr val="000000"/>
+                </a:solidFill>
+                <a:latin typeface="Consolas"/>
+              </a:rPr>
+              <a:t> </a:t>
+            </a:r>
+            <a:r>
+              <a:rPr lang="en-US" sz="1600" dirty="0">
+                <a:solidFill>
+                  <a:srgbClr val="000000"/>
+                </a:solidFill>
+                <a:latin typeface="Consolas"/>
+              </a:rPr>
+              <a:t>= </a:t>
+            </a:r>
+            <a:r>
+              <a:rPr lang="en-US" sz="1600" dirty="0">
+                <a:solidFill>
+                  <a:srgbClr val="7F0055"/>
+                </a:solidFill>
+                <a:latin typeface="Consolas"/>
+              </a:rPr>
+              <a:t>true</a:t>
+            </a:r>
+            <a:r>
+              <a:rPr lang="en-US" sz="1600" dirty="0" smtClean="0">
+                <a:solidFill>
+                  <a:srgbClr val="000000"/>
+                </a:solidFill>
+                <a:latin typeface="Consolas"/>
+              </a:rPr>
+              <a:t>;</a:t>
+            </a:r>
+          </a:p>
+          <a:p>
+            <a:endParaRPr lang="en-US" sz="1600" dirty="0">
+              <a:solidFill>
+                <a:srgbClr val="000000"/>
+              </a:solidFill>
+              <a:latin typeface="Consolas"/>
+            </a:endParaRPr>
+          </a:p>
+          <a:p>
+            <a:r>
+              <a:rPr lang="en-US" sz="1600" dirty="0" smtClean="0">
+                <a:solidFill>
+                  <a:srgbClr val="000000"/>
+                </a:solidFill>
+                <a:latin typeface="Consolas"/>
+              </a:rPr>
+              <a:t>}</a:t>
+            </a:r>
+            <a:endParaRPr lang="en-US" sz="1600" dirty="0">
+              <a:solidFill>
+                <a:srgbClr val="000000"/>
+              </a:solidFill>
+              <a:latin typeface="Consolas"/>
+            </a:endParaRPr>
+          </a:p>
+        </p:txBody>
+      </p:sp>
+    </p:spTree>
+    <p:extLst>
+      <p:ext uri="{BB962C8B-B14F-4D97-AF65-F5344CB8AC3E}">
+        <p14:creationId xmlns:p14="http://schemas.microsoft.com/office/powerpoint/2010/main" val="3203585639"/>
+      </p:ext>
+    </p:extLst>
+  </p:cSld>
+  <p:clrMapOvr>
+    <a:masterClrMapping/>
+  </p:clrMapOvr>
+  <p:transition>
+    <p:fade/>
+  </p:transition>
+  <p:timing>
+    <p:tnLst>
+      <p:par>
+        <p:cTn id="1" dur="indefinite" restart="never" nodeType="tmRoot"/>
+      </p:par>
+    </p:tnLst>
+  </p:timing>
+</p:sld>
+</file>
+
+<file path=ppt/slides/slide19.xml><?xml version="1.0" encoding="utf-8"?>
+<p:sld xmlns:a="http://schemas.openxmlformats.org/drawingml/2006/main" xmlns:r="http://schemas.openxmlformats.org/officeDocument/2006/relationships" xmlns:p="http://schemas.openxmlformats.org/presentationml/2006/main">
+  <p:cSld>
+    <p:spTree>
+      <p:nvGrpSpPr>
+        <p:cNvPr id="1" name=""/>
+        <p:cNvGrpSpPr/>
+        <p:nvPr/>
+      </p:nvGrpSpPr>
+      <p:grpSpPr>
+        <a:xfrm>
+          <a:off x="0" y="0"/>
+          <a:ext cx="0" cy="0"/>
+          <a:chOff x="0" y="0"/>
+          <a:chExt cx="0" cy="0"/>
+        </a:xfrm>
+      </p:grpSpPr>
+      <p:sp>
+        <p:nvSpPr>
+          <p:cNvPr id="12" name="Titel 11"/>
           <p:cNvSpPr>
             <a:spLocks noGrp="1"/>
           </p:cNvSpPr>
           <p:nvPr>
-            <p:ph idx="1"/>
-          </p:nvPr>
-        </p:nvSpPr>
-        <p:spPr>
-          <a:xfrm>
-            <a:off x="539750" y="1944688"/>
-            <a:ext cx="5527030" cy="4751387"/>
-          </a:xfrm>
-        </p:spPr>
-        <p:txBody>
-          <a:bodyPr/>
-          <a:lstStyle/>
-          <a:p>
-            <a:pPr marL="0" indent="0">
-              <a:buNone/>
-            </a:pPr>
-            <a:r>
-              <a:rPr lang="en-US" dirty="0">
-                <a:ea typeface="ＭＳ Ｐゴシック" pitchFamily="34" charset="-128"/>
-              </a:rPr>
-              <a:t>https://github.com/dzamurovic/meetup_singleton.git</a:t>
-            </a:r>
-            <a:r>
-              <a:rPr lang="en-US" dirty="0" smtClean="0">
-                <a:ea typeface="ＭＳ Ｐゴシック" pitchFamily="34" charset="-128"/>
-              </a:rPr>
-              <a:t/>
-            </a:r>
-            <a:br>
-              <a:rPr lang="en-US" dirty="0" smtClean="0">
-                <a:ea typeface="ＭＳ Ｐゴシック" pitchFamily="34" charset="-128"/>
-              </a:rPr>
-            </a:br>
-            <a:endParaRPr lang="en-US" dirty="0" smtClean="0">
-              <a:ea typeface="ＭＳ Ｐゴシック" pitchFamily="34" charset="-128"/>
-            </a:endParaRPr>
-          </a:p>
-          <a:p>
-            <a:pPr marL="0" indent="0">
-              <a:buNone/>
-            </a:pPr>
-            <a:r>
-              <a:rPr lang="en-US" dirty="0" smtClean="0">
-                <a:ea typeface="ＭＳ Ｐゴシック" pitchFamily="34" charset="-128"/>
-              </a:rPr>
-              <a:t/>
-            </a:r>
-            <a:br>
-              <a:rPr lang="en-US" dirty="0" smtClean="0">
-                <a:ea typeface="ＭＳ Ｐゴシック" pitchFamily="34" charset="-128"/>
-              </a:rPr>
-            </a:br>
-            <a:r>
-              <a:rPr lang="en-US" dirty="0" smtClean="0">
-                <a:ea typeface="ＭＳ Ｐゴシック" pitchFamily="34" charset="-128"/>
-                <a:hlinkClick r:id="rId4"/>
-              </a:rPr>
-              <a:t>dusan.zamurovic@codecentric.de</a:t>
-            </a:r>
-            <a:endParaRPr lang="en-US" dirty="0" smtClean="0">
-              <a:ea typeface="ＭＳ Ｐゴシック" pitchFamily="34" charset="-128"/>
-            </a:endParaRPr>
-          </a:p>
-          <a:p>
-            <a:pPr marL="0" indent="0">
-              <a:buFont typeface="Symbol" pitchFamily="18" charset="2"/>
-              <a:buNone/>
-            </a:pPr>
-            <a:r>
-              <a:rPr lang="en-US" dirty="0" smtClean="0">
-                <a:ea typeface="ＭＳ Ｐゴシック" pitchFamily="34" charset="-128"/>
-                <a:hlinkClick r:id="rId5"/>
-              </a:rPr>
-              <a:t>@</a:t>
-            </a:r>
-            <a:r>
-              <a:rPr lang="en-US" dirty="0" err="1" smtClean="0">
-                <a:ea typeface="ＭＳ Ｐゴシック" pitchFamily="34" charset="-128"/>
-                <a:hlinkClick r:id="rId5"/>
-              </a:rPr>
-              <a:t>ezamur</a:t>
-            </a:r>
-            <a:endParaRPr lang="en-US" dirty="0" smtClean="0">
-              <a:ea typeface="ＭＳ Ｐゴシック" pitchFamily="34" charset="-128"/>
-              <a:hlinkClick r:id="rId5"/>
-            </a:endParaRPr>
-          </a:p>
-          <a:p>
-            <a:pPr marL="0" indent="0">
-              <a:buFont typeface="Symbol" pitchFamily="18" charset="2"/>
-              <a:buNone/>
-            </a:pPr>
-            <a:endParaRPr lang="en-US" dirty="0" smtClean="0">
-              <a:ea typeface="ＭＳ Ｐゴシック" pitchFamily="34" charset="-128"/>
-              <a:hlinkClick r:id="rId6"/>
-            </a:endParaRPr>
-          </a:p>
-          <a:p>
-            <a:pPr marL="0" indent="0">
-              <a:buFont typeface="Symbol" pitchFamily="18" charset="2"/>
-              <a:buNone/>
-            </a:pPr>
-            <a:r>
-              <a:rPr lang="en-US" dirty="0" smtClean="0">
-                <a:ea typeface="ＭＳ Ｐゴシック" pitchFamily="34" charset="-128"/>
-                <a:hlinkClick r:id="rId6"/>
-              </a:rPr>
-              <a:t>@</a:t>
-            </a:r>
-            <a:r>
-              <a:rPr lang="en-US" dirty="0" err="1" smtClean="0">
-                <a:ea typeface="ＭＳ Ｐゴシック" pitchFamily="34" charset="-128"/>
-                <a:hlinkClick r:id="rId6"/>
-              </a:rPr>
-              <a:t>CodingSerbia</a:t>
-            </a:r>
-            <a:endParaRPr lang="en-US" dirty="0" smtClean="0">
-              <a:ea typeface="ＭＳ Ｐゴシック" pitchFamily="34" charset="-128"/>
-              <a:hlinkClick r:id="rId5"/>
-            </a:endParaRPr>
-          </a:p>
-          <a:p>
-            <a:pPr marL="0" indent="0">
-              <a:buNone/>
-            </a:pPr>
-            <a:r>
-              <a:rPr lang="en-US" dirty="0" smtClean="0">
-                <a:ea typeface="ＭＳ Ｐゴシック" pitchFamily="34" charset="-128"/>
-                <a:hlinkClick r:id="rId5"/>
-              </a:rPr>
-              <a:t>http</a:t>
-            </a:r>
-            <a:r>
-              <a:rPr lang="en-US" dirty="0">
-                <a:ea typeface="ＭＳ Ｐゴシック" pitchFamily="34" charset="-128"/>
-                <a:hlinkClick r:id="rId5"/>
-              </a:rPr>
-              <a:t>://www.meetup.com/Coding-Serbia/</a:t>
-            </a:r>
-            <a:r>
-              <a:rPr lang="en-US" dirty="0" smtClean="0">
-                <a:ea typeface="ＭＳ Ｐゴシック" pitchFamily="34" charset="-128"/>
-                <a:hlinkClick r:id="rId5"/>
-              </a:rPr>
-              <a:t/>
-            </a:r>
-            <a:br>
-              <a:rPr lang="en-US" dirty="0" smtClean="0">
-                <a:ea typeface="ＭＳ Ｐゴシック" pitchFamily="34" charset="-128"/>
-                <a:hlinkClick r:id="rId5"/>
-              </a:rPr>
-            </a:br>
-            <a:endParaRPr lang="en-US" dirty="0" smtClean="0">
-              <a:ea typeface="ＭＳ Ｐゴシック" pitchFamily="34" charset="-128"/>
-            </a:endParaRPr>
-          </a:p>
-          <a:p>
-            <a:pPr marL="0" indent="0">
-              <a:buFont typeface="Symbol" pitchFamily="18" charset="2"/>
-              <a:buNone/>
-            </a:pPr>
-            <a:r>
-              <a:rPr lang="en-US" dirty="0" smtClean="0">
-                <a:ea typeface="ＭＳ Ｐゴシック" pitchFamily="34" charset="-128"/>
-              </a:rPr>
-              <a:t/>
-            </a:r>
-            <a:br>
-              <a:rPr lang="en-US" dirty="0" smtClean="0">
-                <a:ea typeface="ＭＳ Ｐゴシック" pitchFamily="34" charset="-128"/>
-              </a:rPr>
-            </a:br>
-            <a:r>
-              <a:rPr lang="en-US" dirty="0" smtClean="0">
-                <a:ea typeface="ＭＳ Ｐゴシック" pitchFamily="34" charset="-128"/>
-                <a:hlinkClick r:id="rId7"/>
-              </a:rPr>
-              <a:t>www.codecentric.de</a:t>
-            </a:r>
-            <a:endParaRPr lang="en-US" dirty="0" smtClean="0">
-              <a:ea typeface="ＭＳ Ｐゴシック" pitchFamily="34" charset="-128"/>
-            </a:endParaRPr>
-          </a:p>
-          <a:p>
-            <a:pPr marL="0" indent="0">
-              <a:buNone/>
-            </a:pPr>
-            <a:r>
-              <a:rPr lang="en-US" dirty="0" smtClean="0">
-                <a:ea typeface="ＭＳ Ｐゴシック" pitchFamily="34" charset="-128"/>
-                <a:hlinkClick r:id="rId8"/>
-              </a:rPr>
-              <a:t>www.codecentric.rs</a:t>
-            </a:r>
-            <a:r>
-              <a:rPr lang="en-US" dirty="0" smtClean="0">
-                <a:ea typeface="ＭＳ Ｐゴシック" pitchFamily="34" charset="-128"/>
-              </a:rPr>
-              <a:t> </a:t>
-            </a:r>
-          </a:p>
-          <a:p>
-            <a:pPr marL="0" indent="0">
-              <a:buFont typeface="Symbol" pitchFamily="18" charset="2"/>
-              <a:buNone/>
-            </a:pPr>
-            <a:r>
-              <a:rPr lang="en-US" dirty="0" smtClean="0">
-                <a:ea typeface="ＭＳ Ｐゴシック" pitchFamily="34" charset="-128"/>
-                <a:hlinkClick r:id="rId9"/>
-              </a:rPr>
-              <a:t>https://blog.codecentric.de</a:t>
-            </a:r>
-            <a:r>
-              <a:rPr lang="en-US" dirty="0" smtClean="0">
-                <a:ea typeface="ＭＳ Ｐゴシック" pitchFamily="34" charset="-128"/>
-              </a:rPr>
-              <a:t> </a:t>
-            </a:r>
-          </a:p>
-        </p:txBody>
-      </p:sp>
-      <p:sp>
-        <p:nvSpPr>
-          <p:cNvPr id="7" name="Datumsplatzhalter 6"/>
-          <p:cNvSpPr>
-            <a:spLocks noGrp="1"/>
-          </p:cNvSpPr>
-          <p:nvPr>
-            <p:ph type="dt" sz="quarter" idx="10"/>
+            <p:ph type="title"/>
           </p:nvPr>
         </p:nvSpPr>
         <p:spPr/>
@@ -10264,50 +10883,552 @@
             <a:pPr>
               <a:defRPr/>
             </a:pPr>
-            <a:fld id="{F1AED81B-4E28-4D7F-8DDC-A3D56C2C8880}" type="datetime1">
-              <a:rPr lang="en-US" smtClean="0"/>
-              <a:pPr>
-                <a:defRPr/>
-              </a:pPr>
-              <a:t>6/25/2014</a:t>
-            </a:fld>
-            <a:endParaRPr lang="en-US" sz="1600"/>
+            <a:r>
+              <a:rPr lang="de-DE" cap="none" dirty="0"/>
+              <a:t>Dependency Injection / Inversion of Control</a:t>
+            </a:r>
           </a:p>
         </p:txBody>
       </p:sp>
       <p:sp>
         <p:nvSpPr>
-          <p:cNvPr id="9" name="Foliennummernplatzhalter 8"/>
-          <p:cNvSpPr>
-            <a:spLocks noGrp="1"/>
-          </p:cNvSpPr>
-          <p:nvPr>
-            <p:ph type="sldNum" sz="quarter" idx="11"/>
-          </p:nvPr>
+          <p:cNvPr id="3" name="TextBox 2"/>
+          <p:cNvSpPr txBox="1"/>
+          <p:nvPr/>
         </p:nvSpPr>
-        <p:spPr/>
+        <p:spPr bwMode="auto">
+          <a:xfrm>
+            <a:off x="522164" y="1620391"/>
+            <a:ext cx="10081120" cy="3875077"/>
+          </a:xfrm>
+          <a:prstGeom prst="rect">
+            <a:avLst/>
+          </a:prstGeom>
+          <a:solidFill>
+            <a:schemeClr val="bg1"/>
+          </a:solidFill>
+          <a:ln w="9525">
+            <a:noFill/>
+            <a:miter lim="800000"/>
+            <a:headEnd/>
+            <a:tailEnd/>
+          </a:ln>
+        </p:spPr>
         <p:txBody>
-          <a:bodyPr/>
+          <a:bodyPr wrap="square" lIns="180000" tIns="90000" bIns="90000" rtlCol="0">
+            <a:spAutoFit/>
+          </a:bodyPr>
           <a:lstStyle/>
           <a:p>
-            <a:pPr>
-              <a:defRPr/>
-            </a:pPr>
-            <a:fld id="{5469B8C2-8310-4B8B-87A6-4D67DF1B241A}" type="slidenum">
-              <a:rPr lang="en-US" smtClean="0"/>
-              <a:pPr>
-                <a:defRPr/>
-              </a:pPr>
-              <a:t>18</a:t>
-            </a:fld>
-            <a:endParaRPr lang="en-US"/>
+            <a:r>
+              <a:rPr lang="en-US" sz="1600" dirty="0">
+                <a:solidFill>
+                  <a:srgbClr val="7F0055"/>
+                </a:solidFill>
+                <a:latin typeface="Consolas"/>
+              </a:rPr>
+              <a:t>public</a:t>
+            </a:r>
+            <a:r>
+              <a:rPr lang="en-US" sz="1600" dirty="0">
+                <a:solidFill>
+                  <a:srgbClr val="000000"/>
+                </a:solidFill>
+                <a:latin typeface="Consolas"/>
+              </a:rPr>
+              <a:t> </a:t>
+            </a:r>
+            <a:r>
+              <a:rPr lang="en-US" sz="1600" dirty="0">
+                <a:solidFill>
+                  <a:srgbClr val="7F0055"/>
+                </a:solidFill>
+                <a:latin typeface="Consolas"/>
+              </a:rPr>
+              <a:t>static</a:t>
+            </a:r>
+            <a:r>
+              <a:rPr lang="en-US" sz="1600" dirty="0">
+                <a:solidFill>
+                  <a:srgbClr val="000000"/>
+                </a:solidFill>
+                <a:latin typeface="Consolas"/>
+              </a:rPr>
+              <a:t> </a:t>
+            </a:r>
+            <a:r>
+              <a:rPr lang="en-US" sz="1600" dirty="0">
+                <a:solidFill>
+                  <a:srgbClr val="7F0055"/>
+                </a:solidFill>
+                <a:latin typeface="Consolas"/>
+              </a:rPr>
+              <a:t>void</a:t>
+            </a:r>
+            <a:r>
+              <a:rPr lang="en-US" sz="1600" dirty="0">
+                <a:solidFill>
+                  <a:srgbClr val="000000"/>
+                </a:solidFill>
+                <a:latin typeface="Consolas"/>
+              </a:rPr>
+              <a:t> main(String </a:t>
+            </a:r>
+            <a:r>
+              <a:rPr lang="en-US" sz="1600" dirty="0" err="1">
+                <a:solidFill>
+                  <a:srgbClr val="000000"/>
+                </a:solidFill>
+                <a:latin typeface="Consolas"/>
+              </a:rPr>
+              <a:t>args</a:t>
+            </a:r>
+            <a:r>
+              <a:rPr lang="en-US" sz="1600" dirty="0">
+                <a:solidFill>
+                  <a:srgbClr val="000000"/>
+                </a:solidFill>
+                <a:latin typeface="Consolas"/>
+              </a:rPr>
+              <a:t>[]) </a:t>
+            </a:r>
+            <a:r>
+              <a:rPr lang="en-US" sz="1600" dirty="0">
+                <a:solidFill>
+                  <a:srgbClr val="7F0055"/>
+                </a:solidFill>
+                <a:latin typeface="Consolas"/>
+              </a:rPr>
+              <a:t>throws</a:t>
+            </a:r>
+            <a:r>
+              <a:rPr lang="en-US" sz="1600" dirty="0">
+                <a:solidFill>
+                  <a:srgbClr val="000000"/>
+                </a:solidFill>
+                <a:latin typeface="Consolas"/>
+              </a:rPr>
+              <a:t> Exception {</a:t>
+            </a:r>
+          </a:p>
+          <a:p>
+            <a:r>
+              <a:rPr lang="en-US" sz="1600" dirty="0">
+                <a:solidFill>
+                  <a:srgbClr val="000000"/>
+                </a:solidFill>
+                <a:latin typeface="Consolas"/>
+              </a:rPr>
+              <a:t>    </a:t>
+            </a:r>
+            <a:r>
+              <a:rPr lang="en-US" sz="1600" dirty="0" smtClean="0">
+                <a:solidFill>
+                  <a:srgbClr val="7F0055"/>
+                </a:solidFill>
+                <a:latin typeface="Consolas"/>
+              </a:rPr>
+              <a:t>final</a:t>
+            </a:r>
+            <a:r>
+              <a:rPr lang="en-US" sz="1600" dirty="0" smtClean="0">
+                <a:solidFill>
+                  <a:srgbClr val="000000"/>
+                </a:solidFill>
+                <a:latin typeface="Consolas"/>
+              </a:rPr>
+              <a:t> </a:t>
+            </a:r>
+            <a:r>
+              <a:rPr lang="en-US" sz="1600" dirty="0" err="1">
+                <a:solidFill>
+                  <a:srgbClr val="000000"/>
+                </a:solidFill>
+                <a:latin typeface="Consolas"/>
+              </a:rPr>
+              <a:t>DependencyInjectionManager</a:t>
+            </a:r>
+            <a:r>
+              <a:rPr lang="en-US" sz="1600" dirty="0">
+                <a:solidFill>
+                  <a:srgbClr val="000000"/>
+                </a:solidFill>
+                <a:latin typeface="Consolas"/>
+              </a:rPr>
+              <a:t> </a:t>
+            </a:r>
+            <a:r>
+              <a:rPr lang="en-US" sz="1600" dirty="0" err="1">
+                <a:solidFill>
+                  <a:srgbClr val="000000"/>
+                </a:solidFill>
+                <a:latin typeface="Consolas"/>
+              </a:rPr>
+              <a:t>diManager</a:t>
+            </a:r>
+            <a:r>
+              <a:rPr lang="en-US" sz="1600" dirty="0">
+                <a:solidFill>
+                  <a:srgbClr val="000000"/>
+                </a:solidFill>
+                <a:latin typeface="Consolas"/>
+              </a:rPr>
+              <a:t> </a:t>
+            </a:r>
+            <a:r>
+              <a:rPr lang="en-US" sz="1600" dirty="0" smtClean="0">
+                <a:solidFill>
+                  <a:srgbClr val="000000"/>
+                </a:solidFill>
+                <a:latin typeface="Consolas"/>
+              </a:rPr>
+              <a:t>=</a:t>
+            </a:r>
+          </a:p>
+          <a:p>
+            <a:r>
+              <a:rPr lang="en-US" sz="1600" dirty="0">
+                <a:solidFill>
+                  <a:srgbClr val="000000"/>
+                </a:solidFill>
+                <a:latin typeface="Consolas"/>
+              </a:rPr>
+              <a:t> </a:t>
+            </a:r>
+            <a:r>
+              <a:rPr lang="en-US" sz="1600" dirty="0" smtClean="0">
+                <a:solidFill>
+                  <a:srgbClr val="000000"/>
+                </a:solidFill>
+                <a:latin typeface="Consolas"/>
+              </a:rPr>
+              <a:t>                                         </a:t>
+            </a:r>
+            <a:r>
+              <a:rPr lang="en-US" sz="1600" dirty="0" err="1" smtClean="0">
+                <a:solidFill>
+                  <a:srgbClr val="000000"/>
+                </a:solidFill>
+                <a:latin typeface="Consolas"/>
+              </a:rPr>
+              <a:t>DependencyInjectionManager.</a:t>
+            </a:r>
+            <a:r>
+              <a:rPr lang="en-US" sz="1600" i="1" dirty="0" err="1" smtClean="0">
+                <a:solidFill>
+                  <a:srgbClr val="000000"/>
+                </a:solidFill>
+                <a:latin typeface="Consolas"/>
+              </a:rPr>
+              <a:t>getInstance</a:t>
+            </a:r>
+            <a:r>
+              <a:rPr lang="en-US" sz="1600" i="1" dirty="0">
+                <a:solidFill>
+                  <a:srgbClr val="000000"/>
+                </a:solidFill>
+                <a:latin typeface="Consolas"/>
+              </a:rPr>
+              <a:t>();</a:t>
+            </a:r>
+          </a:p>
+          <a:p>
+            <a:endParaRPr lang="en-US" sz="1600" dirty="0">
+              <a:latin typeface="Consolas"/>
+            </a:endParaRPr>
+          </a:p>
+          <a:p>
+            <a:r>
+              <a:rPr lang="en-US" sz="1600" dirty="0">
+                <a:solidFill>
+                  <a:srgbClr val="000000"/>
+                </a:solidFill>
+                <a:latin typeface="Consolas"/>
+              </a:rPr>
+              <a:t>    </a:t>
+            </a:r>
+            <a:r>
+              <a:rPr lang="en-US" sz="1600" dirty="0" smtClean="0">
+                <a:solidFill>
+                  <a:srgbClr val="000000"/>
+                </a:solidFill>
+                <a:latin typeface="Consolas"/>
+              </a:rPr>
+              <a:t>Thread </a:t>
+            </a:r>
+            <a:r>
+              <a:rPr lang="en-US" sz="1600" dirty="0">
+                <a:solidFill>
+                  <a:srgbClr val="000000"/>
+                </a:solidFill>
+                <a:latin typeface="Consolas"/>
+              </a:rPr>
+              <a:t>t1 = </a:t>
+            </a:r>
+            <a:r>
+              <a:rPr lang="en-US" sz="1600" dirty="0">
+                <a:solidFill>
+                  <a:srgbClr val="7F0055"/>
+                </a:solidFill>
+                <a:latin typeface="Consolas"/>
+              </a:rPr>
+              <a:t>new</a:t>
+            </a:r>
+            <a:r>
+              <a:rPr lang="en-US" sz="1600" dirty="0">
+                <a:solidFill>
+                  <a:srgbClr val="000000"/>
+                </a:solidFill>
+                <a:latin typeface="Consolas"/>
+              </a:rPr>
+              <a:t> </a:t>
+            </a:r>
+            <a:r>
+              <a:rPr lang="en-US" sz="1600" dirty="0" err="1">
+                <a:solidFill>
+                  <a:srgbClr val="000000"/>
+                </a:solidFill>
+                <a:latin typeface="Consolas"/>
+              </a:rPr>
+              <a:t>DependencyInjectionThread</a:t>
+            </a:r>
+            <a:r>
+              <a:rPr lang="en-US" sz="1600" dirty="0">
+                <a:solidFill>
+                  <a:srgbClr val="000000"/>
+                </a:solidFill>
+                <a:latin typeface="Consolas"/>
+              </a:rPr>
+              <a:t>(</a:t>
+            </a:r>
+            <a:r>
+              <a:rPr lang="en-US" sz="1600" dirty="0">
+                <a:solidFill>
+                  <a:srgbClr val="2A00FF"/>
+                </a:solidFill>
+                <a:latin typeface="Consolas"/>
+              </a:rPr>
+              <a:t>"DI-thread-0"</a:t>
+            </a:r>
+            <a:r>
+              <a:rPr lang="en-US" sz="1600" dirty="0">
+                <a:solidFill>
+                  <a:srgbClr val="000000"/>
+                </a:solidFill>
+                <a:latin typeface="Consolas"/>
+              </a:rPr>
+              <a:t>, </a:t>
+            </a:r>
+            <a:r>
+              <a:rPr lang="en-US" sz="1600" dirty="0" err="1">
+                <a:solidFill>
+                  <a:srgbClr val="000000"/>
+                </a:solidFill>
+                <a:latin typeface="Consolas"/>
+              </a:rPr>
+              <a:t>diManager</a:t>
+            </a:r>
+            <a:r>
+              <a:rPr lang="en-US" sz="1600" dirty="0">
+                <a:solidFill>
+                  <a:srgbClr val="000000"/>
+                </a:solidFill>
+                <a:latin typeface="Consolas"/>
+              </a:rPr>
+              <a:t>);</a:t>
+            </a:r>
+          </a:p>
+          <a:p>
+            <a:r>
+              <a:rPr lang="en-US" sz="1600" dirty="0">
+                <a:solidFill>
+                  <a:srgbClr val="000000"/>
+                </a:solidFill>
+                <a:latin typeface="Consolas"/>
+              </a:rPr>
+              <a:t>    </a:t>
+            </a:r>
+            <a:r>
+              <a:rPr lang="en-US" sz="1600" dirty="0" smtClean="0">
+                <a:solidFill>
+                  <a:srgbClr val="000000"/>
+                </a:solidFill>
+                <a:latin typeface="Consolas"/>
+              </a:rPr>
+              <a:t>Thread </a:t>
+            </a:r>
+            <a:r>
+              <a:rPr lang="en-US" sz="1600" dirty="0">
+                <a:solidFill>
+                  <a:srgbClr val="000000"/>
+                </a:solidFill>
+                <a:latin typeface="Consolas"/>
+              </a:rPr>
+              <a:t>t2 = </a:t>
+            </a:r>
+            <a:r>
+              <a:rPr lang="en-US" sz="1600" dirty="0" smtClean="0">
+                <a:latin typeface="Consolas"/>
+              </a:rPr>
+              <a:t>…</a:t>
+            </a:r>
+            <a:endParaRPr lang="en-US" sz="1600" dirty="0">
+              <a:latin typeface="Consolas"/>
+            </a:endParaRPr>
+          </a:p>
+          <a:p>
+            <a:endParaRPr lang="en-US" sz="1600" dirty="0">
+              <a:latin typeface="Consolas"/>
+            </a:endParaRPr>
+          </a:p>
+          <a:p>
+            <a:r>
+              <a:rPr lang="en-US" sz="1600" dirty="0">
+                <a:solidFill>
+                  <a:srgbClr val="000000"/>
+                </a:solidFill>
+                <a:latin typeface="Consolas"/>
+              </a:rPr>
+              <a:t>    </a:t>
+            </a:r>
+            <a:r>
+              <a:rPr lang="en-US" sz="1600" dirty="0" smtClean="0">
+                <a:solidFill>
+                  <a:srgbClr val="000000"/>
+                </a:solidFill>
+                <a:latin typeface="Consolas"/>
+              </a:rPr>
+              <a:t>t1.start</a:t>
+            </a:r>
+            <a:r>
+              <a:rPr lang="en-US" sz="1600" dirty="0">
+                <a:solidFill>
+                  <a:srgbClr val="000000"/>
+                </a:solidFill>
+                <a:latin typeface="Consolas"/>
+              </a:rPr>
+              <a:t>();</a:t>
+            </a:r>
+          </a:p>
+          <a:p>
+            <a:r>
+              <a:rPr lang="en-US" sz="1600" dirty="0">
+                <a:solidFill>
+                  <a:srgbClr val="000000"/>
+                </a:solidFill>
+                <a:latin typeface="Consolas"/>
+              </a:rPr>
+              <a:t>    </a:t>
+            </a:r>
+            <a:r>
+              <a:rPr lang="en-US" sz="1600" dirty="0" smtClean="0">
+                <a:solidFill>
+                  <a:srgbClr val="000000"/>
+                </a:solidFill>
+                <a:latin typeface="Consolas"/>
+              </a:rPr>
+              <a:t>t2.st…</a:t>
+            </a:r>
+          </a:p>
+          <a:p>
+            <a:endParaRPr lang="en-US" sz="1600" dirty="0">
+              <a:latin typeface="Consolas"/>
+            </a:endParaRPr>
+          </a:p>
+          <a:p>
+            <a:r>
+              <a:rPr lang="en-US" sz="1600" dirty="0" smtClean="0">
+                <a:solidFill>
+                  <a:srgbClr val="000000"/>
+                </a:solidFill>
+                <a:latin typeface="Consolas"/>
+              </a:rPr>
+              <a:t>    </a:t>
+            </a:r>
+            <a:r>
+              <a:rPr lang="en-US" sz="1600" dirty="0">
+                <a:solidFill>
+                  <a:srgbClr val="000000"/>
+                </a:solidFill>
+                <a:latin typeface="Consolas"/>
+              </a:rPr>
+              <a:t>t1.join();</a:t>
+            </a:r>
+          </a:p>
+          <a:p>
+            <a:r>
+              <a:rPr lang="en-US" sz="1600" dirty="0" smtClean="0">
+                <a:solidFill>
+                  <a:srgbClr val="000000"/>
+                </a:solidFill>
+                <a:latin typeface="Consolas"/>
+              </a:rPr>
+              <a:t>    t2.j…</a:t>
+            </a:r>
+            <a:endParaRPr lang="en-US" sz="1600" dirty="0">
+              <a:solidFill>
+                <a:srgbClr val="000000"/>
+              </a:solidFill>
+              <a:latin typeface="Consolas"/>
+            </a:endParaRPr>
+          </a:p>
+          <a:p>
+            <a:endParaRPr lang="en-US" sz="1600" dirty="0">
+              <a:latin typeface="Consolas"/>
+            </a:endParaRPr>
+          </a:p>
+          <a:p>
+            <a:r>
+              <a:rPr lang="en-US" sz="1600" dirty="0" smtClean="0">
+                <a:solidFill>
+                  <a:srgbClr val="000000"/>
+                </a:solidFill>
+                <a:latin typeface="Consolas"/>
+              </a:rPr>
+              <a:t>    </a:t>
+            </a:r>
+            <a:r>
+              <a:rPr lang="en-US" sz="1600" dirty="0" err="1" smtClean="0">
+                <a:solidFill>
+                  <a:srgbClr val="000000"/>
+                </a:solidFill>
+                <a:latin typeface="Consolas"/>
+              </a:rPr>
+              <a:t>diManager.describeDependencyGraph</a:t>
+            </a:r>
+            <a:r>
+              <a:rPr lang="en-US" sz="1600" dirty="0">
+                <a:solidFill>
+                  <a:srgbClr val="000000"/>
+                </a:solidFill>
+                <a:latin typeface="Consolas"/>
+              </a:rPr>
+              <a:t>();</a:t>
+            </a:r>
+          </a:p>
+          <a:p>
+            <a:r>
+              <a:rPr lang="en-US" sz="1600" dirty="0" smtClean="0">
+                <a:solidFill>
+                  <a:srgbClr val="000000"/>
+                </a:solidFill>
+                <a:latin typeface="Consolas"/>
+              </a:rPr>
+              <a:t>}</a:t>
+            </a:r>
+            <a:endParaRPr lang="en-US" sz="1600" dirty="0">
+              <a:solidFill>
+                <a:srgbClr val="000000"/>
+              </a:solidFill>
+              <a:latin typeface="Consolas"/>
+            </a:endParaRPr>
           </a:p>
         </p:txBody>
       </p:sp>
     </p:spTree>
     <p:extLst>
       <p:ext uri="{BB962C8B-B14F-4D97-AF65-F5344CB8AC3E}">
-        <p14:creationId xmlns:p14="http://schemas.microsoft.com/office/powerpoint/2010/main" val="3470584971"/>
+        <p14:creationId xmlns:p14="http://schemas.microsoft.com/office/powerpoint/2010/main" val="3637136166"/>
       </p:ext>
     </p:extLst>
   </p:cSld>
@@ -10443,6 +11564,413 @@
         </p:txBody>
       </p:sp>
     </p:spTree>
+  </p:cSld>
+  <p:clrMapOvr>
+    <a:masterClrMapping/>
+  </p:clrMapOvr>
+  <p:transition>
+    <p:fade/>
+  </p:transition>
+  <p:timing>
+    <p:tnLst>
+      <p:par>
+        <p:cTn id="1" dur="indefinite" restart="never" nodeType="tmRoot"/>
+      </p:par>
+    </p:tnLst>
+  </p:timing>
+</p:sld>
+</file>
+
+<file path=ppt/slides/slide20.xml><?xml version="1.0" encoding="utf-8"?>
+<p:sld xmlns:a="http://schemas.openxmlformats.org/drawingml/2006/main" xmlns:r="http://schemas.openxmlformats.org/officeDocument/2006/relationships" xmlns:p="http://schemas.openxmlformats.org/presentationml/2006/main">
+  <p:cSld>
+    <p:spTree>
+      <p:nvGrpSpPr>
+        <p:cNvPr id="1" name=""/>
+        <p:cNvGrpSpPr/>
+        <p:nvPr/>
+      </p:nvGrpSpPr>
+      <p:grpSpPr>
+        <a:xfrm>
+          <a:off x="0" y="0"/>
+          <a:ext cx="0" cy="0"/>
+          <a:chOff x="0" y="0"/>
+          <a:chExt cx="0" cy="0"/>
+        </a:xfrm>
+      </p:grpSpPr>
+      <p:pic>
+        <p:nvPicPr>
+          <p:cNvPr id="7170" name="Picture 2" descr="M:\Kreation und Design\Bildarchiv\bilder_istock_gekauft_vam_praesentation_20090624\iStock_000006407028Medium.jpg"/>
+          <p:cNvPicPr>
+            <a:picLocks noChangeAspect="1" noChangeArrowheads="1"/>
+          </p:cNvPicPr>
+          <p:nvPr/>
+        </p:nvPicPr>
+        <p:blipFill>
+          <a:blip r:embed="rId3">
+            <a:extLst>
+              <a:ext uri="{28A0092B-C50C-407E-A947-70E740481C1C}">
+                <a14:useLocalDpi xmlns:a14="http://schemas.microsoft.com/office/drawing/2010/main" val="0"/>
+              </a:ext>
+            </a:extLst>
+          </a:blip>
+          <a:srcRect/>
+          <a:stretch>
+            <a:fillRect/>
+          </a:stretch>
+        </p:blipFill>
+        <p:spPr bwMode="auto">
+          <a:xfrm>
+            <a:off x="4305300" y="1955800"/>
+            <a:ext cx="6388100" cy="4762500"/>
+          </a:xfrm>
+          <a:prstGeom prst="rect">
+            <a:avLst/>
+          </a:prstGeom>
+          <a:noFill/>
+          <a:ln>
+            <a:noFill/>
+          </a:ln>
+          <a:extLst>
+            <a:ext uri="{909E8E84-426E-40DD-AFC4-6F175D3DCCD1}">
+              <a14:hiddenFill xmlns:a14="http://schemas.microsoft.com/office/drawing/2010/main">
+                <a:solidFill>
+                  <a:srgbClr val="FFFFFF"/>
+                </a:solidFill>
+              </a14:hiddenFill>
+            </a:ext>
+            <a:ext uri="{91240B29-F687-4F45-9708-019B960494DF}">
+              <a14:hiddenLine xmlns:a14="http://schemas.microsoft.com/office/drawing/2010/main" w="9525">
+                <a:solidFill>
+                  <a:srgbClr val="000000"/>
+                </a:solidFill>
+                <a:miter lim="800000"/>
+                <a:headEnd/>
+                <a:tailEnd/>
+              </a14:hiddenLine>
+            </a:ext>
+          </a:extLst>
+        </p:spPr>
+      </p:pic>
+      <p:sp>
+        <p:nvSpPr>
+          <p:cNvPr id="3" name="Titel 2"/>
+          <p:cNvSpPr>
+            <a:spLocks noGrp="1"/>
+          </p:cNvSpPr>
+          <p:nvPr>
+            <p:ph type="title"/>
+          </p:nvPr>
+        </p:nvSpPr>
+        <p:spPr/>
+        <p:txBody>
+          <a:bodyPr/>
+          <a:lstStyle/>
+          <a:p>
+            <a:pPr>
+              <a:defRPr/>
+            </a:pPr>
+            <a:r>
+              <a:rPr lang="en-US" smtClean="0"/>
+              <a:t>Questions?</a:t>
+            </a:r>
+            <a:endParaRPr lang="en-US"/>
+          </a:p>
+        </p:txBody>
+      </p:sp>
+      <p:sp>
+        <p:nvSpPr>
+          <p:cNvPr id="7172" name="Inhaltsplatzhalter 1"/>
+          <p:cNvSpPr>
+            <a:spLocks noGrp="1"/>
+          </p:cNvSpPr>
+          <p:nvPr>
+            <p:ph idx="1"/>
+          </p:nvPr>
+        </p:nvSpPr>
+        <p:spPr>
+          <a:xfrm>
+            <a:off x="539750" y="1944688"/>
+            <a:ext cx="5527030" cy="4751387"/>
+          </a:xfrm>
+        </p:spPr>
+        <p:txBody>
+          <a:bodyPr/>
+          <a:lstStyle/>
+          <a:p>
+            <a:pPr marL="0" indent="0">
+              <a:buNone/>
+            </a:pPr>
+            <a:r>
+              <a:rPr lang="en-US" dirty="0">
+                <a:ea typeface="ＭＳ Ｐゴシック" pitchFamily="34" charset="-128"/>
+              </a:rPr>
+              <a:t>https://github.com/dzamurovic/meetup_singleton.git</a:t>
+            </a:r>
+            <a:r>
+              <a:rPr lang="en-US" dirty="0" smtClean="0">
+                <a:ea typeface="ＭＳ Ｐゴシック" pitchFamily="34" charset="-128"/>
+              </a:rPr>
+              <a:t/>
+            </a:r>
+            <a:br>
+              <a:rPr lang="en-US" dirty="0" smtClean="0">
+                <a:ea typeface="ＭＳ Ｐゴシック" pitchFamily="34" charset="-128"/>
+              </a:rPr>
+            </a:br>
+            <a:endParaRPr lang="en-US" dirty="0" smtClean="0">
+              <a:ea typeface="ＭＳ Ｐゴシック" pitchFamily="34" charset="-128"/>
+            </a:endParaRPr>
+          </a:p>
+          <a:p>
+            <a:pPr marL="0" indent="0">
+              <a:buNone/>
+            </a:pPr>
+            <a:r>
+              <a:rPr lang="en-US" dirty="0" smtClean="0">
+                <a:ea typeface="ＭＳ Ｐゴシック" pitchFamily="34" charset="-128"/>
+              </a:rPr>
+              <a:t/>
+            </a:r>
+            <a:br>
+              <a:rPr lang="en-US" dirty="0" smtClean="0">
+                <a:ea typeface="ＭＳ Ｐゴシック" pitchFamily="34" charset="-128"/>
+              </a:rPr>
+            </a:br>
+            <a:r>
+              <a:rPr lang="en-US" dirty="0" smtClean="0">
+                <a:ea typeface="ＭＳ Ｐゴシック" pitchFamily="34" charset="-128"/>
+                <a:hlinkClick r:id="rId4"/>
+              </a:rPr>
+              <a:t>dusan.zamurovic@codecentric.de</a:t>
+            </a:r>
+            <a:endParaRPr lang="en-US" dirty="0" smtClean="0">
+              <a:ea typeface="ＭＳ Ｐゴシック" pitchFamily="34" charset="-128"/>
+            </a:endParaRPr>
+          </a:p>
+          <a:p>
+            <a:pPr marL="0" indent="0">
+              <a:buFont typeface="Symbol" pitchFamily="18" charset="2"/>
+              <a:buNone/>
+            </a:pPr>
+            <a:r>
+              <a:rPr lang="en-US" dirty="0" smtClean="0">
+                <a:ea typeface="ＭＳ Ｐゴシック" pitchFamily="34" charset="-128"/>
+                <a:hlinkClick r:id="rId5"/>
+              </a:rPr>
+              <a:t>@</a:t>
+            </a:r>
+            <a:r>
+              <a:rPr lang="en-US" dirty="0" err="1" smtClean="0">
+                <a:ea typeface="ＭＳ Ｐゴシック" pitchFamily="34" charset="-128"/>
+                <a:hlinkClick r:id="rId5"/>
+              </a:rPr>
+              <a:t>ezamur</a:t>
+            </a:r>
+            <a:endParaRPr lang="en-US" dirty="0" smtClean="0">
+              <a:ea typeface="ＭＳ Ｐゴシック" pitchFamily="34" charset="-128"/>
+              <a:hlinkClick r:id="rId5"/>
+            </a:endParaRPr>
+          </a:p>
+          <a:p>
+            <a:pPr marL="0" indent="0">
+              <a:buFont typeface="Symbol" pitchFamily="18" charset="2"/>
+              <a:buNone/>
+            </a:pPr>
+            <a:endParaRPr lang="en-US" dirty="0" smtClean="0">
+              <a:ea typeface="ＭＳ Ｐゴシック" pitchFamily="34" charset="-128"/>
+              <a:hlinkClick r:id="rId6"/>
+            </a:endParaRPr>
+          </a:p>
+          <a:p>
+            <a:pPr marL="0" indent="0">
+              <a:buFont typeface="Symbol" pitchFamily="18" charset="2"/>
+              <a:buNone/>
+            </a:pPr>
+            <a:r>
+              <a:rPr lang="en-US" dirty="0" smtClean="0">
+                <a:ea typeface="ＭＳ Ｐゴシック" pitchFamily="34" charset="-128"/>
+                <a:hlinkClick r:id="rId6"/>
+              </a:rPr>
+              <a:t>@</a:t>
+            </a:r>
+            <a:r>
+              <a:rPr lang="en-US" dirty="0" err="1" smtClean="0">
+                <a:ea typeface="ＭＳ Ｐゴシック" pitchFamily="34" charset="-128"/>
+                <a:hlinkClick r:id="rId6"/>
+              </a:rPr>
+              <a:t>CodingSerbia</a:t>
+            </a:r>
+            <a:endParaRPr lang="en-US" dirty="0" smtClean="0">
+              <a:ea typeface="ＭＳ Ｐゴシック" pitchFamily="34" charset="-128"/>
+              <a:hlinkClick r:id="rId5"/>
+            </a:endParaRPr>
+          </a:p>
+          <a:p>
+            <a:pPr marL="0" indent="0">
+              <a:buNone/>
+            </a:pPr>
+            <a:r>
+              <a:rPr lang="en-US" dirty="0" smtClean="0">
+                <a:ea typeface="ＭＳ Ｐゴシック" pitchFamily="34" charset="-128"/>
+                <a:hlinkClick r:id="rId5"/>
+              </a:rPr>
+              <a:t>http</a:t>
+            </a:r>
+            <a:r>
+              <a:rPr lang="en-US" dirty="0">
+                <a:ea typeface="ＭＳ Ｐゴシック" pitchFamily="34" charset="-128"/>
+                <a:hlinkClick r:id="rId5"/>
+              </a:rPr>
+              <a:t>://www.meetup.com/Coding-Serbia/</a:t>
+            </a:r>
+            <a:r>
+              <a:rPr lang="en-US" dirty="0" smtClean="0">
+                <a:ea typeface="ＭＳ Ｐゴシック" pitchFamily="34" charset="-128"/>
+                <a:hlinkClick r:id="rId5"/>
+              </a:rPr>
+              <a:t/>
+            </a:r>
+            <a:br>
+              <a:rPr lang="en-US" dirty="0" smtClean="0">
+                <a:ea typeface="ＭＳ Ｐゴシック" pitchFamily="34" charset="-128"/>
+                <a:hlinkClick r:id="rId5"/>
+              </a:rPr>
+            </a:br>
+            <a:endParaRPr lang="en-US" dirty="0" smtClean="0">
+              <a:ea typeface="ＭＳ Ｐゴシック" pitchFamily="34" charset="-128"/>
+            </a:endParaRPr>
+          </a:p>
+          <a:p>
+            <a:pPr marL="0" indent="0">
+              <a:buFont typeface="Symbol" pitchFamily="18" charset="2"/>
+              <a:buNone/>
+            </a:pPr>
+            <a:r>
+              <a:rPr lang="en-US" dirty="0" smtClean="0">
+                <a:ea typeface="ＭＳ Ｐゴシック" pitchFamily="34" charset="-128"/>
+              </a:rPr>
+              <a:t/>
+            </a:r>
+            <a:br>
+              <a:rPr lang="en-US" dirty="0" smtClean="0">
+                <a:ea typeface="ＭＳ Ｐゴシック" pitchFamily="34" charset="-128"/>
+              </a:rPr>
+            </a:br>
+            <a:r>
+              <a:rPr lang="en-US" dirty="0" smtClean="0">
+                <a:ea typeface="ＭＳ Ｐゴシック" pitchFamily="34" charset="-128"/>
+                <a:hlinkClick r:id="rId7"/>
+              </a:rPr>
+              <a:t>www.codecentric.de</a:t>
+            </a:r>
+            <a:endParaRPr lang="en-US" dirty="0" smtClean="0">
+              <a:ea typeface="ＭＳ Ｐゴシック" pitchFamily="34" charset="-128"/>
+            </a:endParaRPr>
+          </a:p>
+          <a:p>
+            <a:pPr marL="0" indent="0">
+              <a:buNone/>
+            </a:pPr>
+            <a:r>
+              <a:rPr lang="en-US" dirty="0" smtClean="0">
+                <a:ea typeface="ＭＳ Ｐゴシック" pitchFamily="34" charset="-128"/>
+                <a:hlinkClick r:id="rId8"/>
+              </a:rPr>
+              <a:t>www.codecentric.rs</a:t>
+            </a:r>
+            <a:r>
+              <a:rPr lang="en-US" dirty="0" smtClean="0">
+                <a:ea typeface="ＭＳ Ｐゴシック" pitchFamily="34" charset="-128"/>
+              </a:rPr>
+              <a:t> </a:t>
+            </a:r>
+          </a:p>
+          <a:p>
+            <a:pPr marL="0" indent="0">
+              <a:buFont typeface="Symbol" pitchFamily="18" charset="2"/>
+              <a:buNone/>
+            </a:pPr>
+            <a:r>
+              <a:rPr lang="en-US" dirty="0" smtClean="0">
+                <a:ea typeface="ＭＳ Ｐゴシック" pitchFamily="34" charset="-128"/>
+                <a:hlinkClick r:id="rId9"/>
+              </a:rPr>
+              <a:t>https://blog.codecentric.de</a:t>
+            </a:r>
+            <a:r>
+              <a:rPr lang="en-US" dirty="0" smtClean="0">
+                <a:ea typeface="ＭＳ Ｐゴシック" pitchFamily="34" charset="-128"/>
+              </a:rPr>
+              <a:t> </a:t>
+            </a:r>
+          </a:p>
+        </p:txBody>
+      </p:sp>
+      <p:sp>
+        <p:nvSpPr>
+          <p:cNvPr id="7" name="Datumsplatzhalter 6"/>
+          <p:cNvSpPr>
+            <a:spLocks noGrp="1"/>
+          </p:cNvSpPr>
+          <p:nvPr>
+            <p:ph type="dt" sz="quarter" idx="10"/>
+          </p:nvPr>
+        </p:nvSpPr>
+        <p:spPr/>
+        <p:txBody>
+          <a:bodyPr/>
+          <a:lstStyle/>
+          <a:p>
+            <a:pPr>
+              <a:defRPr/>
+            </a:pPr>
+            <a:fld id="{F1AED81B-4E28-4D7F-8DDC-A3D56C2C8880}" type="datetime1">
+              <a:rPr lang="en-US" smtClean="0"/>
+              <a:pPr>
+                <a:defRPr/>
+              </a:pPr>
+              <a:t>6/27/2014</a:t>
+            </a:fld>
+            <a:endParaRPr lang="en-US" sz="1600"/>
+          </a:p>
+        </p:txBody>
+      </p:sp>
+      <p:sp>
+        <p:nvSpPr>
+          <p:cNvPr id="9" name="Foliennummernplatzhalter 8"/>
+          <p:cNvSpPr>
+            <a:spLocks noGrp="1"/>
+          </p:cNvSpPr>
+          <p:nvPr>
+            <p:ph type="sldNum" sz="quarter" idx="11"/>
+          </p:nvPr>
+        </p:nvSpPr>
+        <p:spPr/>
+        <p:txBody>
+          <a:bodyPr/>
+          <a:lstStyle/>
+          <a:p>
+            <a:pPr>
+              <a:defRPr/>
+            </a:pPr>
+            <a:fld id="{5469B8C2-8310-4B8B-87A6-4D67DF1B241A}" type="slidenum">
+              <a:rPr lang="en-US" smtClean="0"/>
+              <a:pPr>
+                <a:defRPr/>
+              </a:pPr>
+              <a:t>20</a:t>
+            </a:fld>
+            <a:endParaRPr lang="en-US"/>
+          </a:p>
+        </p:txBody>
+      </p:sp>
+    </p:spTree>
+    <p:extLst>
+      <p:ext uri="{BB962C8B-B14F-4D97-AF65-F5344CB8AC3E}">
+        <p14:creationId xmlns:p14="http://schemas.microsoft.com/office/powerpoint/2010/main" val="3470584971"/>
+      </p:ext>
+    </p:extLst>
   </p:cSld>
   <p:clrMapOvr>
     <a:masterClrMapping/>
@@ -11317,9 +12845,6 @@
                 <a:solidFill>
                   <a:srgbClr val="7F0055"/>
                 </a:solidFill>
-                <a:highlight>
-                  <a:srgbClr val="E8F2FE"/>
-                </a:highlight>
                 <a:latin typeface="Consolas"/>
               </a:rPr>
               <a:t>private</a:t>
@@ -11329,9 +12854,6 @@
                 <a:solidFill>
                   <a:srgbClr val="000000"/>
                 </a:solidFill>
-                <a:highlight>
-                  <a:srgbClr val="E8F2FE"/>
-                </a:highlight>
                 <a:latin typeface="Consolas"/>
               </a:rPr>
               <a:t> </a:t>
@@ -11341,9 +12863,6 @@
                 <a:solidFill>
                   <a:srgbClr val="7F0055"/>
                 </a:solidFill>
-                <a:highlight>
-                  <a:srgbClr val="E8F2FE"/>
-                </a:highlight>
                 <a:latin typeface="Consolas"/>
               </a:rPr>
               <a:t>static</a:t>
@@ -11353,9 +12872,6 @@
                 <a:solidFill>
                   <a:srgbClr val="000000"/>
                 </a:solidFill>
-                <a:highlight>
-                  <a:srgbClr val="E8F2FE"/>
-                </a:highlight>
                 <a:latin typeface="Consolas"/>
               </a:rPr>
               <a:t> Singleton02 </a:t>
@@ -11365,9 +12881,6 @@
                 <a:solidFill>
                   <a:srgbClr val="0000C0"/>
                 </a:solidFill>
-                <a:highlight>
-                  <a:srgbClr val="E8F2FE"/>
-                </a:highlight>
                 <a:latin typeface="Consolas"/>
               </a:rPr>
               <a:t>instance</a:t>
@@ -11377,9 +12890,6 @@
                 <a:solidFill>
                   <a:srgbClr val="000000"/>
                 </a:solidFill>
-                <a:highlight>
-                  <a:srgbClr val="E8F2FE"/>
-                </a:highlight>
                 <a:latin typeface="Consolas"/>
               </a:rPr>
               <a:t> = </a:t>
@@ -11389,21 +12899,15 @@
                 <a:solidFill>
                   <a:srgbClr val="7F0055"/>
                 </a:solidFill>
-                <a:highlight>
-                  <a:srgbClr val="E8F2FE"/>
-                </a:highlight>
                 <a:latin typeface="Consolas"/>
               </a:rPr>
               <a:t>null</a:t>
             </a:r>
             <a:r>
-              <a:rPr lang="en-US" sz="2000" i="1" dirty="0" smtClean="0">
-                <a:solidFill>
-                  <a:srgbClr val="000000"/>
-                </a:solidFill>
-                <a:highlight>
-                  <a:srgbClr val="E8F2FE"/>
-                </a:highlight>
+              <a:rPr lang="en-US" sz="2000" i="1" dirty="0">
+                <a:solidFill>
+                  <a:srgbClr val="000000"/>
+                </a:solidFill>
                 <a:latin typeface="Consolas"/>
               </a:rPr>
               <a:t>;</a:t>
@@ -11640,73 +13144,34 @@
             </a:r>
           </a:p>
           <a:p>
+            <a:endParaRPr lang="en-US" sz="2000" dirty="0" smtClean="0">
+              <a:solidFill>
+                <a:srgbClr val="7F0055"/>
+              </a:solidFill>
+              <a:latin typeface="Consolas"/>
+            </a:endParaRPr>
+          </a:p>
+          <a:p>
+            <a:r>
+              <a:rPr lang="en-US" sz="2000" dirty="0">
+                <a:solidFill>
+                  <a:srgbClr val="7F0055"/>
+                </a:solidFill>
+                <a:latin typeface="Consolas"/>
+              </a:rPr>
+              <a:t> </a:t>
+            </a:r>
             <a:r>
               <a:rPr lang="en-US" sz="2000" dirty="0" smtClean="0">
                 <a:solidFill>
-                  <a:srgbClr val="000000"/>
-                </a:solidFill>
-                <a:latin typeface="Consolas"/>
-              </a:rPr>
-              <a:t>    </a:t>
-            </a:r>
-            <a:r>
-              <a:rPr lang="en-US" sz="2000" i="1" dirty="0">
-                <a:solidFill>
-                  <a:srgbClr val="0000C0"/>
-                </a:solidFill>
-                <a:latin typeface="Consolas"/>
-              </a:rPr>
-              <a:t>logger</a:t>
-            </a:r>
-            <a:r>
-              <a:rPr lang="en-US" sz="2000" i="1" dirty="0">
-                <a:solidFill>
-                  <a:srgbClr val="000000"/>
-                </a:solidFill>
-                <a:latin typeface="Consolas"/>
-              </a:rPr>
-              <a:t>.info(</a:t>
-            </a:r>
-            <a:r>
-              <a:rPr lang="en-US" sz="2000" i="1" dirty="0">
-                <a:solidFill>
-                  <a:srgbClr val="2A00FF"/>
-                </a:solidFill>
-                <a:latin typeface="Consolas"/>
-              </a:rPr>
-              <a:t>"Creating singleton..."</a:t>
-            </a:r>
-            <a:r>
-              <a:rPr lang="en-US" sz="2000" i="1" dirty="0">
-                <a:solidFill>
-                  <a:srgbClr val="000000"/>
-                </a:solidFill>
-                <a:latin typeface="Consolas"/>
-              </a:rPr>
-              <a:t>);</a:t>
-            </a:r>
-          </a:p>
-          <a:p>
+                  <a:srgbClr val="7F0055"/>
+                </a:solidFill>
+                <a:latin typeface="Consolas"/>
+              </a:rPr>
+              <a:t>   return</a:t>
+            </a:r>
             <a:r>
               <a:rPr lang="en-US" sz="2000" dirty="0" smtClean="0">
-                <a:solidFill>
-                  <a:srgbClr val="000000"/>
-                </a:solidFill>
-                <a:latin typeface="Consolas"/>
-              </a:rPr>
-              <a:t>    </a:t>
-            </a:r>
-            <a:r>
-              <a:rPr lang="en-US" sz="2000" dirty="0">
-                <a:solidFill>
-                  <a:srgbClr val="7F0055"/>
-                </a:solidFill>
-                <a:latin typeface="Consolas"/>
-              </a:rPr>
-              <a:t>return</a:t>
-            </a:r>
-            <a:r>
-              <a:rPr lang="en-US" sz="2000" dirty="0">
                 <a:solidFill>
                   <a:srgbClr val="000000"/>
                 </a:solidFill>
@@ -13737,7 +15202,7 @@
         <p:spPr bwMode="auto">
           <a:xfrm>
             <a:off x="738188" y="5796855"/>
-            <a:ext cx="6057725" cy="489534"/>
+            <a:ext cx="8596882" cy="489534"/>
           </a:xfrm>
           <a:prstGeom prst="rect">
             <a:avLst/>
@@ -13774,7 +15239,7 @@
                 </a:solidFill>
                 <a:latin typeface="Consolas"/>
               </a:rPr>
-              <a:t>Double-checked locking – doesn’t work.</a:t>
+              <a:t>Double-checked locking – doesn’t work prior to Java 1.5.</a:t>
             </a:r>
             <a:endParaRPr lang="en-US" sz="2000" dirty="0">
               <a:solidFill>
